--- a/COMP270/03/2020-21-COMP270-03-lecture-materials-1.pptx
+++ b/COMP270/03/2020-21-COMP270-03-lecture-materials-1.pptx
@@ -1,14 +1,14 @@
 
 <file path=ppt/presentation.xml><?xml version="1.0" encoding="utf-8"?>
-<p:presentation xmlns:a="http://schemas.openxmlformats.org/drawingml/2006/main" xmlns:r="http://schemas.openxmlformats.org/officeDocument/2006/relationships" xmlns:p="http://schemas.openxmlformats.org/presentationml/2006/main" saveSubsetFonts="1">
+<p:presentation xmlns:a="http://schemas.openxmlformats.org/drawingml/2006/main" xmlns:r="http://schemas.openxmlformats.org/officeDocument/2006/relationships" xmlns:p="http://schemas.openxmlformats.org/presentationml/2006/main" embedTrueTypeFonts="1" saveSubsetFonts="1">
   <p:sldMasterIdLst>
     <p:sldMasterId id="2147483696" r:id="rId1"/>
   </p:sldMasterIdLst>
   <p:notesMasterIdLst>
-    <p:notesMasterId r:id="rId13"/>
+    <p:notesMasterId r:id="rId14"/>
   </p:notesMasterIdLst>
   <p:handoutMasterIdLst>
-    <p:handoutMasterId r:id="rId14"/>
+    <p:handoutMasterId r:id="rId15"/>
   </p:handoutMasterIdLst>
   <p:sldIdLst>
     <p:sldId id="258" r:id="rId2"/>
@@ -22,9 +22,42 @@
     <p:sldId id="265" r:id="rId10"/>
     <p:sldId id="268" r:id="rId11"/>
     <p:sldId id="266" r:id="rId12"/>
+    <p:sldId id="269" r:id="rId13"/>
   </p:sldIdLst>
   <p:sldSz cx="12192000" cy="6858000"/>
   <p:notesSz cx="6858000" cy="9144000"/>
+  <p:embeddedFontLst>
+    <p:embeddedFont>
+      <p:font typeface="Arial Nova" panose="020B0504020202020204" pitchFamily="34" charset="0"/>
+      <p:regular r:id="rId16"/>
+      <p:bold r:id="rId17"/>
+      <p:italic r:id="rId18"/>
+    </p:embeddedFont>
+    <p:embeddedFont>
+      <p:font typeface="Arial Nova Light" panose="020B0304020202020204" pitchFamily="34" charset="0"/>
+      <p:regular r:id="rId19"/>
+      <p:italic r:id="rId20"/>
+    </p:embeddedFont>
+    <p:embeddedFont>
+      <p:font typeface="Cambria Math" panose="02040503050406030204" pitchFamily="18" charset="0"/>
+      <p:regular r:id="rId21"/>
+    </p:embeddedFont>
+    <p:embeddedFont>
+      <p:font typeface="Consolas" panose="020B0609020204030204" pitchFamily="49" charset="0"/>
+      <p:regular r:id="rId22"/>
+      <p:bold r:id="rId23"/>
+      <p:italic r:id="rId24"/>
+      <p:boldItalic r:id="rId25"/>
+    </p:embeddedFont>
+    <p:embeddedFont>
+      <p:font typeface="Wingdings 2" panose="05020102010507070707" pitchFamily="18" charset="2"/>
+      <p:regular r:id="rId26"/>
+    </p:embeddedFont>
+    <p:embeddedFont>
+      <p:font typeface="Wingdings 3" panose="05040102010807070707" pitchFamily="18" charset="2"/>
+      <p:regular r:id="rId27"/>
+    </p:embeddedFont>
+  </p:embeddedFontLst>
   <p:defaultTextStyle>
     <a:defPPr>
       <a:defRPr lang="en-US"/>
@@ -224,7 +257,7 @@
           <a:p>
             <a:fld id="{8906F081-8781-4431-8FD4-2CF608CD7C47}" type="datetimeFigureOut">
               <a:rPr lang="en-US" smtClean="0"/>
-              <a:t>8/25/2020</a:t>
+              <a:t>9/4/2020</a:t>
             </a:fld>
             <a:endParaRPr lang="en-US"/>
           </a:p>
@@ -389,7 +422,7 @@
           <a:p>
             <a:fld id="{F06CA47C-B7FD-4BE9-B0E6-81BA758D95F2}" type="datetimeFigureOut">
               <a:rPr lang="en-US" smtClean="0"/>
-              <a:t>8/25/2020</a:t>
+              <a:t>9/4/2020</a:t>
             </a:fld>
             <a:endParaRPr lang="en-US"/>
           </a:p>
@@ -700,7 +733,10 @@
           <a:bodyPr/>
           <a:lstStyle/>
           <a:p>
-            <a:endParaRPr lang="en-US" dirty="0"/>
+            <a:r>
+              <a:rPr lang="en-US" dirty="0"/>
+              <a:t>Welcome to week 3 of COMP270, where we’re continuing the theme of 2D geometry by going back to the topic of vectors, which we introduced with some basic operations last week.</a:t>
+            </a:r>
           </a:p>
         </p:txBody>
       </p:sp>
@@ -731,6 +767,422 @@
     <p:extLst>
       <p:ext uri="{BB962C8B-B14F-4D97-AF65-F5344CB8AC3E}">
         <p14:creationId xmlns:p14="http://schemas.microsoft.com/office/powerpoint/2010/main" val="456846656"/>
+      </p:ext>
+    </p:extLst>
+  </p:cSld>
+  <p:clrMapOvr>
+    <a:masterClrMapping/>
+  </p:clrMapOvr>
+</p:notes>
+</file>
+
+<file path=ppt/notesSlides/notesSlide10.xml><?xml version="1.0" encoding="utf-8"?>
+<p:notes xmlns:a="http://schemas.openxmlformats.org/drawingml/2006/main" xmlns:r="http://schemas.openxmlformats.org/officeDocument/2006/relationships" xmlns:p="http://schemas.openxmlformats.org/presentationml/2006/main">
+  <p:cSld>
+    <p:spTree>
+      <p:nvGrpSpPr>
+        <p:cNvPr id="1" name=""/>
+        <p:cNvGrpSpPr/>
+        <p:nvPr/>
+      </p:nvGrpSpPr>
+      <p:grpSpPr>
+        <a:xfrm>
+          <a:off x="0" y="0"/>
+          <a:ext cx="0" cy="0"/>
+          <a:chOff x="0" y="0"/>
+          <a:chExt cx="0" cy="0"/>
+        </a:xfrm>
+      </p:grpSpPr>
+      <p:sp>
+        <p:nvSpPr>
+          <p:cNvPr id="2" name="Slide Image Placeholder 1"/>
+          <p:cNvSpPr>
+            <a:spLocks noGrp="1" noRot="1" noChangeAspect="1"/>
+          </p:cNvSpPr>
+          <p:nvPr>
+            <p:ph type="sldImg"/>
+          </p:nvPr>
+        </p:nvSpPr>
+        <p:spPr/>
+      </p:sp>
+      <p:sp>
+        <p:nvSpPr>
+          <p:cNvPr id="3" name="Notes Placeholder 2"/>
+          <p:cNvSpPr>
+            <a:spLocks noGrp="1"/>
+          </p:cNvSpPr>
+          <p:nvPr>
+            <p:ph type="body" idx="1"/>
+          </p:nvPr>
+        </p:nvSpPr>
+        <p:spPr/>
+        <p:txBody>
+          <a:bodyPr/>
+          <a:lstStyle/>
+          <a:p>
+            <a:r>
+              <a:rPr lang="en-GB" dirty="0"/>
+              <a:t>Assuming that our vectors have some length, we can find what’s called the</a:t>
+            </a:r>
+          </a:p>
+          <a:p>
+            <a:endParaRPr lang="en-GB" dirty="0"/>
+          </a:p>
+          <a:p>
+            <a:r>
+              <a:rPr lang="en-GB" dirty="0"/>
+              <a:t>projection of one vector onto another,</a:t>
+            </a:r>
+          </a:p>
+          <a:p>
+            <a:endParaRPr lang="en-GB" dirty="0"/>
+          </a:p>
+          <a:p>
+            <a:r>
+              <a:rPr lang="en-GB" dirty="0"/>
+              <a:t>which we do by projecting a line from the first vector at a right angle to the second,</a:t>
+            </a:r>
+          </a:p>
+          <a:p>
+            <a:endParaRPr lang="en-GB" dirty="0"/>
+          </a:p>
+          <a:p>
+            <a:r>
+              <a:rPr lang="en-GB" dirty="0"/>
+              <a:t>And measuring the distance from the intersection point along v2 that this line meets it. If we think of the vectors as representing points, the distance is measured from the origin.</a:t>
+            </a:r>
+          </a:p>
+          <a:p>
+            <a:endParaRPr lang="en-GB" dirty="0"/>
+          </a:p>
+          <a:p>
+            <a:r>
+              <a:rPr lang="en-GB" dirty="0"/>
+              <a:t>You can think of it a bit like a shadow being cast; the value tells us ‘how much’ of one vector is pointing in the same direction as another, which has applications in physics, when dealing with forces, and you may also come across it in graphics calculations.</a:t>
+            </a:r>
+          </a:p>
+        </p:txBody>
+      </p:sp>
+      <p:sp>
+        <p:nvSpPr>
+          <p:cNvPr id="4" name="Slide Number Placeholder 3"/>
+          <p:cNvSpPr>
+            <a:spLocks noGrp="1"/>
+          </p:cNvSpPr>
+          <p:nvPr>
+            <p:ph type="sldNum" sz="quarter" idx="5"/>
+          </p:nvPr>
+        </p:nvSpPr>
+        <p:spPr/>
+        <p:txBody>
+          <a:bodyPr/>
+          <a:lstStyle/>
+          <a:p>
+            <a:fld id="{923716F0-385D-4F6E-BE54-A09D410D24C2}" type="slidenum">
+              <a:rPr lang="en-US" smtClean="0"/>
+              <a:t>10</a:t>
+            </a:fld>
+            <a:endParaRPr lang="en-US"/>
+          </a:p>
+        </p:txBody>
+      </p:sp>
+    </p:spTree>
+    <p:extLst>
+      <p:ext uri="{BB962C8B-B14F-4D97-AF65-F5344CB8AC3E}">
+        <p14:creationId xmlns:p14="http://schemas.microsoft.com/office/powerpoint/2010/main" val="2171757858"/>
+      </p:ext>
+    </p:extLst>
+  </p:cSld>
+  <p:clrMapOvr>
+    <a:masterClrMapping/>
+  </p:clrMapOvr>
+</p:notes>
+</file>
+
+<file path=ppt/notesSlides/notesSlide11.xml><?xml version="1.0" encoding="utf-8"?>
+<p:notes xmlns:a="http://schemas.openxmlformats.org/drawingml/2006/main" xmlns:r="http://schemas.openxmlformats.org/officeDocument/2006/relationships" xmlns:p="http://schemas.openxmlformats.org/presentationml/2006/main">
+  <p:cSld>
+    <p:spTree>
+      <p:nvGrpSpPr>
+        <p:cNvPr id="1" name=""/>
+        <p:cNvGrpSpPr/>
+        <p:nvPr/>
+      </p:nvGrpSpPr>
+      <p:grpSpPr>
+        <a:xfrm>
+          <a:off x="0" y="0"/>
+          <a:ext cx="0" cy="0"/>
+          <a:chOff x="0" y="0"/>
+          <a:chExt cx="0" cy="0"/>
+        </a:xfrm>
+      </p:grpSpPr>
+      <p:sp>
+        <p:nvSpPr>
+          <p:cNvPr id="2" name="Slide Image Placeholder 1"/>
+          <p:cNvSpPr>
+            <a:spLocks noGrp="1" noRot="1" noChangeAspect="1"/>
+          </p:cNvSpPr>
+          <p:nvPr>
+            <p:ph type="sldImg"/>
+          </p:nvPr>
+        </p:nvSpPr>
+        <p:spPr/>
+      </p:sp>
+      <p:sp>
+        <p:nvSpPr>
+          <p:cNvPr id="3" name="Notes Placeholder 2"/>
+          <p:cNvSpPr>
+            <a:spLocks noGrp="1"/>
+          </p:cNvSpPr>
+          <p:nvPr>
+            <p:ph type="body" idx="1"/>
+          </p:nvPr>
+        </p:nvSpPr>
+        <p:spPr/>
+        <p:txBody>
+          <a:bodyPr/>
+          <a:lstStyle/>
+          <a:p>
+            <a:r>
+              <a:rPr lang="en-GB" dirty="0"/>
+              <a:t>So</a:t>
+            </a:r>
+          </a:p>
+          <a:p>
+            <a:endParaRPr lang="en-GB" dirty="0"/>
+          </a:p>
+          <a:p>
+            <a:r>
+              <a:rPr lang="en-GB" dirty="0"/>
+              <a:t>how do we find the length of the projection?</a:t>
+            </a:r>
+            <a:br>
+              <a:rPr lang="en-GB" dirty="0"/>
+            </a:br>
+            <a:br>
+              <a:rPr lang="en-GB" dirty="0"/>
+            </a:br>
+            <a:r>
+              <a:rPr lang="en-GB" dirty="0"/>
+              <a:t>Well, let’s start with what we know: first, we have the length of v1, which is the hypotenuse of our right-angled triangle. We don’t know the other side lengths, but we do know that</a:t>
+            </a:r>
+          </a:p>
+          <a:p>
+            <a:endParaRPr lang="en-GB" dirty="0"/>
+          </a:p>
+          <a:p>
+            <a:r>
+              <a:rPr lang="en-GB" dirty="0"/>
+              <a:t>the angle between the vectors is given by the dot product, with cosine theta equal to the dot product divided by the product of the magnitudes.</a:t>
+            </a:r>
+            <a:br>
+              <a:rPr lang="en-GB" dirty="0"/>
+            </a:br>
+            <a:br>
+              <a:rPr lang="en-GB" dirty="0"/>
+            </a:br>
+            <a:r>
+              <a:rPr lang="en-GB" dirty="0"/>
+              <a:t>Helpfully, basic trigonometry also relates the side adjacent to theta – which is our projection – to the hypotenuse, which we can rearrange to give the projection as equal to the length of v1 times cosine theta.</a:t>
+            </a:r>
+          </a:p>
+          <a:p>
+            <a:endParaRPr lang="en-GB" dirty="0"/>
+          </a:p>
+          <a:p>
+            <a:r>
+              <a:rPr lang="en-GB" dirty="0"/>
+              <a:t>If we put these two formulae together, then the magnitude of v1 term cancels out and we get just the dot product divided by the length of v2 – which means that</a:t>
+            </a:r>
+          </a:p>
+          <a:p>
+            <a:endParaRPr lang="en-GB" dirty="0"/>
+          </a:p>
+          <a:p>
+            <a:r>
+              <a:rPr lang="en-GB" dirty="0"/>
+              <a:t>If v2 is a unit vector, so its length is 1, then the projection is just the dot product.  Unit vectors actually come in very handy for this and other operations, as they allow us to deal with the direction whilst ignoring the length, so it’s often useful to be able to convert a vector to unit form,</a:t>
+            </a:r>
+          </a:p>
+        </p:txBody>
+      </p:sp>
+      <p:sp>
+        <p:nvSpPr>
+          <p:cNvPr id="4" name="Slide Number Placeholder 3"/>
+          <p:cNvSpPr>
+            <a:spLocks noGrp="1"/>
+          </p:cNvSpPr>
+          <p:nvPr>
+            <p:ph type="sldNum" sz="quarter" idx="5"/>
+          </p:nvPr>
+        </p:nvSpPr>
+        <p:spPr/>
+        <p:txBody>
+          <a:bodyPr/>
+          <a:lstStyle/>
+          <a:p>
+            <a:fld id="{923716F0-385D-4F6E-BE54-A09D410D24C2}" type="slidenum">
+              <a:rPr lang="en-US" smtClean="0"/>
+              <a:t>11</a:t>
+            </a:fld>
+            <a:endParaRPr lang="en-US"/>
+          </a:p>
+        </p:txBody>
+      </p:sp>
+    </p:spTree>
+    <p:extLst>
+      <p:ext uri="{BB962C8B-B14F-4D97-AF65-F5344CB8AC3E}">
+        <p14:creationId xmlns:p14="http://schemas.microsoft.com/office/powerpoint/2010/main" val="3297866536"/>
+      </p:ext>
+    </p:extLst>
+  </p:cSld>
+  <p:clrMapOvr>
+    <a:masterClrMapping/>
+  </p:clrMapOvr>
+</p:notes>
+</file>
+
+<file path=ppt/notesSlides/notesSlide12.xml><?xml version="1.0" encoding="utf-8"?>
+<p:notes xmlns:a="http://schemas.openxmlformats.org/drawingml/2006/main" xmlns:r="http://schemas.openxmlformats.org/officeDocument/2006/relationships" xmlns:p="http://schemas.openxmlformats.org/presentationml/2006/main">
+  <p:cSld>
+    <p:spTree>
+      <p:nvGrpSpPr>
+        <p:cNvPr id="1" name=""/>
+        <p:cNvGrpSpPr/>
+        <p:nvPr/>
+      </p:nvGrpSpPr>
+      <p:grpSpPr>
+        <a:xfrm>
+          <a:off x="0" y="0"/>
+          <a:ext cx="0" cy="0"/>
+          <a:chOff x="0" y="0"/>
+          <a:chExt cx="0" cy="0"/>
+        </a:xfrm>
+      </p:grpSpPr>
+      <p:sp>
+        <p:nvSpPr>
+          <p:cNvPr id="2" name="Slide Image Placeholder 1"/>
+          <p:cNvSpPr>
+            <a:spLocks noGrp="1" noRot="1" noChangeAspect="1"/>
+          </p:cNvSpPr>
+          <p:nvPr>
+            <p:ph type="sldImg"/>
+          </p:nvPr>
+        </p:nvSpPr>
+        <p:spPr/>
+      </p:sp>
+      <p:sp>
+        <p:nvSpPr>
+          <p:cNvPr id="3" name="Notes Placeholder 2"/>
+          <p:cNvSpPr>
+            <a:spLocks noGrp="1"/>
+          </p:cNvSpPr>
+          <p:nvPr>
+            <p:ph type="body" idx="1"/>
+          </p:nvPr>
+        </p:nvSpPr>
+        <p:spPr/>
+        <p:txBody>
+          <a:bodyPr/>
+          <a:lstStyle/>
+          <a:p>
+            <a:r>
+              <a:rPr lang="en-GB" dirty="0"/>
+              <a:t>Which is a pretty straightforward operation:</a:t>
+            </a:r>
+          </a:p>
+          <a:p>
+            <a:endParaRPr lang="en-GB" dirty="0"/>
+          </a:p>
+          <a:p>
+            <a:r>
+              <a:rPr lang="en-GB" dirty="0"/>
+              <a:t>We just need to divide the vector by its length. This might seem fairly obvious, but this is maths and we like to prove things, so</a:t>
+            </a:r>
+          </a:p>
+          <a:p>
+            <a:endParaRPr lang="en-GB" dirty="0"/>
+          </a:p>
+          <a:p>
+            <a:r>
+              <a:rPr lang="en-GB" dirty="0"/>
+              <a:t>If we take v as having components x and y as usual,</a:t>
+            </a:r>
+          </a:p>
+          <a:p>
+            <a:endParaRPr lang="en-GB" dirty="0"/>
+          </a:p>
+          <a:p>
+            <a:r>
+              <a:rPr lang="en-GB" dirty="0"/>
+              <a:t>We can find the vector v-hat (which is the usual notation for a unit vector) by dividing both components by the square root of their squared sum.</a:t>
+            </a:r>
+          </a:p>
+          <a:p>
+            <a:endParaRPr lang="en-GB" dirty="0"/>
+          </a:p>
+          <a:p>
+            <a:r>
+              <a:rPr lang="en-GB" dirty="0"/>
+              <a:t>Now if we write out the formula for the magnitude of our component expression of v-hat, and expand the squares, we see that the result is always going to be one –</a:t>
+            </a:r>
+          </a:p>
+          <a:p>
+            <a:endParaRPr lang="en-GB" dirty="0"/>
+          </a:p>
+          <a:p>
+            <a:r>
+              <a:rPr lang="en-GB" dirty="0"/>
+              <a:t>Which is the definition of a unit vector.</a:t>
+            </a:r>
+          </a:p>
+          <a:p>
+            <a:endParaRPr lang="en-GB" dirty="0"/>
+          </a:p>
+          <a:p>
+            <a:r>
+              <a:rPr lang="en-GB" dirty="0"/>
+              <a:t>The process of turning a vector into a unit vector is known as normalisation (not to be confused with a normal vector, which we’ll meet later); most vector libraries include at least one function to do so, and often two: a normalise function that operates on the input vector itself, and a normalised function that returns the unit vector but leaves the original unchanged.</a:t>
+            </a:r>
+          </a:p>
+          <a:p>
+            <a:endParaRPr lang="en-GB" dirty="0"/>
+          </a:p>
+          <a:p>
+            <a:r>
+              <a:rPr lang="en-GB" dirty="0"/>
+              <a:t>That’s pretty much all we need to know about vectors for now; in the next video, we’ll move onto another important object in linear algebra, which is the matrix – not the one with Neo in, unfortunately, but perhaps just as mind-bending.</a:t>
+            </a:r>
+          </a:p>
+        </p:txBody>
+      </p:sp>
+      <p:sp>
+        <p:nvSpPr>
+          <p:cNvPr id="4" name="Slide Number Placeholder 3"/>
+          <p:cNvSpPr>
+            <a:spLocks noGrp="1"/>
+          </p:cNvSpPr>
+          <p:nvPr>
+            <p:ph type="sldNum" sz="quarter" idx="5"/>
+          </p:nvPr>
+        </p:nvSpPr>
+        <p:spPr/>
+        <p:txBody>
+          <a:bodyPr/>
+          <a:lstStyle/>
+          <a:p>
+            <a:fld id="{923716F0-385D-4F6E-BE54-A09D410D24C2}" type="slidenum">
+              <a:rPr lang="en-US" smtClean="0"/>
+              <a:t>12</a:t>
+            </a:fld>
+            <a:endParaRPr lang="en-US"/>
+          </a:p>
+        </p:txBody>
+      </p:sp>
+    </p:spTree>
+    <p:extLst>
+      <p:ext uri="{BB962C8B-B14F-4D97-AF65-F5344CB8AC3E}">
+        <p14:creationId xmlns:p14="http://schemas.microsoft.com/office/powerpoint/2010/main" val="3053606696"/>
       </p:ext>
     </p:extLst>
   </p:cSld>
@@ -784,7 +1236,10 @@
           <a:bodyPr/>
           <a:lstStyle/>
           <a:p>
-            <a:endParaRPr lang="en-GB" dirty="0"/>
+            <a:r>
+              <a:rPr lang="en-GB" dirty="0"/>
+              <a:t>In this video, we’re going to focus on another operation that is peculiar to vectors and has many applications in computer graphics and elsewhere, which is the dot product. </a:t>
+            </a:r>
           </a:p>
         </p:txBody>
       </p:sp>
@@ -805,7 +1260,7 @@
           <a:p>
             <a:fld id="{923716F0-385D-4F6E-BE54-A09D410D24C2}" type="slidenum">
               <a:rPr lang="en-US" smtClean="0"/>
-              <a:t>6</a:t>
+              <a:t>2</a:t>
             </a:fld>
             <a:endParaRPr lang="en-US"/>
           </a:p>
@@ -814,7 +1269,7 @@
     </p:spTree>
     <p:extLst>
       <p:ext uri="{BB962C8B-B14F-4D97-AF65-F5344CB8AC3E}">
-        <p14:creationId xmlns:p14="http://schemas.microsoft.com/office/powerpoint/2010/main" val="3855582220"/>
+        <p14:creationId xmlns:p14="http://schemas.microsoft.com/office/powerpoint/2010/main" val="1982956012"/>
       </p:ext>
     </p:extLst>
   </p:cSld>
@@ -870,7 +1325,43 @@
           <a:p>
             <a:r>
               <a:rPr lang="en-GB" dirty="0"/>
-              <a:t>Can also think of it as a ‘shadow’ cast on v2 by v1. Has applications in physics, when dealing with forces; may also come across it in graphics calculations. So, how do we find the value?</a:t>
+              <a:t>Just to recap from last week, we defined a vector as</a:t>
+            </a:r>
+          </a:p>
+          <a:p>
+            <a:endParaRPr lang="en-GB" dirty="0"/>
+          </a:p>
+          <a:p>
+            <a:r>
+              <a:rPr lang="en-GB" dirty="0"/>
+              <a:t>A directed line segment between two points, which is described by two components,</a:t>
+            </a:r>
+          </a:p>
+          <a:p>
+            <a:endParaRPr lang="en-GB" dirty="0"/>
+          </a:p>
+          <a:p>
+            <a:r>
+              <a:rPr lang="en-GB" dirty="0"/>
+              <a:t>X and y, which are the differences between the points’ coordinates. We can write the vector in column form as shown, or use a variable letter in lower case bold font.</a:t>
+            </a:r>
+          </a:p>
+          <a:p>
+            <a:endParaRPr lang="en-GB" dirty="0"/>
+          </a:p>
+          <a:p>
+            <a:r>
+              <a:rPr lang="en-GB" dirty="0"/>
+              <a:t>The magnitude, or length, of the vector is given by the Pythagorean Theorem as the square root of x squared plus y squared, and</a:t>
+            </a:r>
+          </a:p>
+          <a:p>
+            <a:endParaRPr lang="en-GB" dirty="0"/>
+          </a:p>
+          <a:p>
+            <a:r>
+              <a:rPr lang="en-GB" dirty="0"/>
+              <a:t>We can multiply a vector by a scalar to get another vector with the same direction and a multiple of the length.</a:t>
             </a:r>
           </a:p>
         </p:txBody>
@@ -892,7 +1383,7 @@
           <a:p>
             <a:fld id="{923716F0-385D-4F6E-BE54-A09D410D24C2}" type="slidenum">
               <a:rPr lang="en-US" smtClean="0"/>
-              <a:t>10</a:t>
+              <a:t>3</a:t>
             </a:fld>
             <a:endParaRPr lang="en-US"/>
           </a:p>
@@ -901,7 +1392,7 @@
     </p:spTree>
     <p:extLst>
       <p:ext uri="{BB962C8B-B14F-4D97-AF65-F5344CB8AC3E}">
-        <p14:creationId xmlns:p14="http://schemas.microsoft.com/office/powerpoint/2010/main" val="2171757858"/>
+        <p14:creationId xmlns:p14="http://schemas.microsoft.com/office/powerpoint/2010/main" val="2136552390"/>
       </p:ext>
     </p:extLst>
   </p:cSld>
@@ -957,7 +1448,25 @@
           <a:p>
             <a:r>
               <a:rPr lang="en-GB" dirty="0"/>
-              <a:t>So, that’s essentially the dot product; it’s a really simple operation, with some very useful applications, so you’ll probably see rather a lot of it as you pursue a programming career in any graphics or physics-related field.</a:t>
+              <a:t>We can also perform basic arithmetic on vectors;</a:t>
+            </a:r>
+          </a:p>
+          <a:p>
+            <a:endParaRPr lang="en-GB" dirty="0"/>
+          </a:p>
+          <a:p>
+            <a:r>
+              <a:rPr lang="en-GB" dirty="0"/>
+              <a:t>Adding them to get a combined displacement,</a:t>
+            </a:r>
+          </a:p>
+          <a:p>
+            <a:endParaRPr lang="en-GB" dirty="0"/>
+          </a:p>
+          <a:p>
+            <a:r>
+              <a:rPr lang="en-GB" dirty="0"/>
+              <a:t>And subtracting to get the difference. Both of these operations are performed component-wise, which means we can calculate the x and y values independently, doing the same thing to each to get a vector result.</a:t>
             </a:r>
           </a:p>
         </p:txBody>
@@ -979,7 +1488,7 @@
           <a:p>
             <a:fld id="{923716F0-385D-4F6E-BE54-A09D410D24C2}" type="slidenum">
               <a:rPr lang="en-US" smtClean="0"/>
-              <a:t>11</a:t>
+              <a:t>4</a:t>
             </a:fld>
             <a:endParaRPr lang="en-US"/>
           </a:p>
@@ -988,7 +1497,656 @@
     </p:spTree>
     <p:extLst>
       <p:ext uri="{BB962C8B-B14F-4D97-AF65-F5344CB8AC3E}">
-        <p14:creationId xmlns:p14="http://schemas.microsoft.com/office/powerpoint/2010/main" val="3297866536"/>
+        <p14:creationId xmlns:p14="http://schemas.microsoft.com/office/powerpoint/2010/main" val="310550031"/>
+      </p:ext>
+    </p:extLst>
+  </p:cSld>
+  <p:clrMapOvr>
+    <a:masterClrMapping/>
+  </p:clrMapOvr>
+</p:notes>
+</file>
+
+<file path=ppt/notesSlides/notesSlide5.xml><?xml version="1.0" encoding="utf-8"?>
+<p:notes xmlns:a="http://schemas.openxmlformats.org/drawingml/2006/main" xmlns:r="http://schemas.openxmlformats.org/officeDocument/2006/relationships" xmlns:p="http://schemas.openxmlformats.org/presentationml/2006/main">
+  <p:cSld>
+    <p:spTree>
+      <p:nvGrpSpPr>
+        <p:cNvPr id="1" name=""/>
+        <p:cNvGrpSpPr/>
+        <p:nvPr/>
+      </p:nvGrpSpPr>
+      <p:grpSpPr>
+        <a:xfrm>
+          <a:off x="0" y="0"/>
+          <a:ext cx="0" cy="0"/>
+          <a:chOff x="0" y="0"/>
+          <a:chExt cx="0" cy="0"/>
+        </a:xfrm>
+      </p:grpSpPr>
+      <p:sp>
+        <p:nvSpPr>
+          <p:cNvPr id="2" name="Slide Image Placeholder 1"/>
+          <p:cNvSpPr>
+            <a:spLocks noGrp="1" noRot="1" noChangeAspect="1"/>
+          </p:cNvSpPr>
+          <p:nvPr>
+            <p:ph type="sldImg"/>
+          </p:nvPr>
+        </p:nvSpPr>
+        <p:spPr/>
+      </p:sp>
+      <p:sp>
+        <p:nvSpPr>
+          <p:cNvPr id="3" name="Notes Placeholder 2"/>
+          <p:cNvSpPr>
+            <a:spLocks noGrp="1"/>
+          </p:cNvSpPr>
+          <p:nvPr>
+            <p:ph type="body" idx="1"/>
+          </p:nvPr>
+        </p:nvSpPr>
+        <p:spPr/>
+        <p:txBody>
+          <a:bodyPr/>
+          <a:lstStyle/>
+          <a:p>
+            <a:r>
+              <a:rPr lang="en-GB" dirty="0"/>
+              <a:t>Not all vector operations work this way, though.</a:t>
+            </a:r>
+          </a:p>
+          <a:p>
+            <a:endParaRPr lang="en-GB" dirty="0"/>
+          </a:p>
+          <a:p>
+            <a:r>
+              <a:rPr lang="en-GB" dirty="0"/>
+              <a:t>The dot product combines the components in a different way, initially multiplying them component-wise but then adding them together</a:t>
+            </a:r>
+          </a:p>
+          <a:p>
+            <a:endParaRPr lang="en-GB" dirty="0"/>
+          </a:p>
+          <a:p>
+            <a:r>
+              <a:rPr lang="en-GB" dirty="0"/>
+              <a:t>To give a scalar value.</a:t>
+            </a:r>
+          </a:p>
+          <a:p>
+            <a:endParaRPr lang="en-GB" dirty="0"/>
+          </a:p>
+          <a:p>
+            <a:r>
+              <a:rPr lang="en-GB" dirty="0"/>
+              <a:t>Clearly, this will be commutative, as it doesn’t matter which way round you multiply or add numbers, as long as you do the multiplications first. This may seem like an arbitrary thing to do, but the dot product –</a:t>
+            </a:r>
+          </a:p>
+          <a:p>
+            <a:endParaRPr lang="en-GB" dirty="0"/>
+          </a:p>
+          <a:p>
+            <a:r>
+              <a:rPr lang="en-GB" dirty="0"/>
+              <a:t>which is written as a dot between the vectors – has some interesting properties.</a:t>
+            </a:r>
+          </a:p>
+        </p:txBody>
+      </p:sp>
+      <p:sp>
+        <p:nvSpPr>
+          <p:cNvPr id="4" name="Slide Number Placeholder 3"/>
+          <p:cNvSpPr>
+            <a:spLocks noGrp="1"/>
+          </p:cNvSpPr>
+          <p:nvPr>
+            <p:ph type="sldNum" sz="quarter" idx="5"/>
+          </p:nvPr>
+        </p:nvSpPr>
+        <p:spPr/>
+        <p:txBody>
+          <a:bodyPr/>
+          <a:lstStyle/>
+          <a:p>
+            <a:fld id="{923716F0-385D-4F6E-BE54-A09D410D24C2}" type="slidenum">
+              <a:rPr lang="en-US" smtClean="0"/>
+              <a:t>5</a:t>
+            </a:fld>
+            <a:endParaRPr lang="en-US"/>
+          </a:p>
+        </p:txBody>
+      </p:sp>
+    </p:spTree>
+    <p:extLst>
+      <p:ext uri="{BB962C8B-B14F-4D97-AF65-F5344CB8AC3E}">
+        <p14:creationId xmlns:p14="http://schemas.microsoft.com/office/powerpoint/2010/main" val="4290601057"/>
+      </p:ext>
+    </p:extLst>
+  </p:cSld>
+  <p:clrMapOvr>
+    <a:masterClrMapping/>
+  </p:clrMapOvr>
+</p:notes>
+</file>
+
+<file path=ppt/notesSlides/notesSlide6.xml><?xml version="1.0" encoding="utf-8"?>
+<p:notes xmlns:a="http://schemas.openxmlformats.org/drawingml/2006/main" xmlns:r="http://schemas.openxmlformats.org/officeDocument/2006/relationships" xmlns:p="http://schemas.openxmlformats.org/presentationml/2006/main">
+  <p:cSld>
+    <p:spTree>
+      <p:nvGrpSpPr>
+        <p:cNvPr id="1" name=""/>
+        <p:cNvGrpSpPr/>
+        <p:nvPr/>
+      </p:nvGrpSpPr>
+      <p:grpSpPr>
+        <a:xfrm>
+          <a:off x="0" y="0"/>
+          <a:ext cx="0" cy="0"/>
+          <a:chOff x="0" y="0"/>
+          <a:chExt cx="0" cy="0"/>
+        </a:xfrm>
+      </p:grpSpPr>
+      <p:sp>
+        <p:nvSpPr>
+          <p:cNvPr id="2" name="Slide Image Placeholder 1"/>
+          <p:cNvSpPr>
+            <a:spLocks noGrp="1" noRot="1" noChangeAspect="1"/>
+          </p:cNvSpPr>
+          <p:nvPr>
+            <p:ph type="sldImg"/>
+          </p:nvPr>
+        </p:nvSpPr>
+        <p:spPr/>
+      </p:sp>
+      <p:sp>
+        <p:nvSpPr>
+          <p:cNvPr id="3" name="Notes Placeholder 2"/>
+          <p:cNvSpPr>
+            <a:spLocks noGrp="1"/>
+          </p:cNvSpPr>
+          <p:nvPr>
+            <p:ph type="body" idx="1"/>
+          </p:nvPr>
+        </p:nvSpPr>
+        <p:spPr/>
+        <p:txBody>
+          <a:bodyPr/>
+          <a:lstStyle/>
+          <a:p>
+            <a:r>
+              <a:rPr lang="en-GB" dirty="0"/>
+              <a:t>Firstly,</a:t>
+            </a:r>
+          </a:p>
+          <a:p>
+            <a:endParaRPr lang="en-GB" dirty="0"/>
+          </a:p>
+          <a:p>
+            <a:r>
+              <a:rPr lang="en-GB" dirty="0"/>
+              <a:t>the dot product of a vector with itself gives its squared magnitude. This is perhaps apparent, but for the sake of mathematical rigour, we can</a:t>
+            </a:r>
+          </a:p>
+          <a:p>
+            <a:endParaRPr lang="en-GB" dirty="0"/>
+          </a:p>
+          <a:p>
+            <a:r>
+              <a:rPr lang="en-GB" dirty="0"/>
+              <a:t>Demonstrate by computing both values on a  </a:t>
+            </a:r>
+          </a:p>
+          <a:p>
+            <a:endParaRPr lang="en-GB" dirty="0"/>
+          </a:p>
+          <a:p>
+            <a:r>
+              <a:rPr lang="en-GB" dirty="0"/>
+              <a:t>Vector v, with components x and y.</a:t>
+            </a:r>
+          </a:p>
+          <a:p>
+            <a:endParaRPr lang="en-GB" dirty="0"/>
+          </a:p>
+          <a:p>
+            <a:r>
+              <a:rPr lang="en-GB" dirty="0"/>
+              <a:t>Its squared magnitude is given x squared plus y squared…</a:t>
+            </a:r>
+          </a:p>
+          <a:p>
+            <a:endParaRPr lang="en-GB" dirty="0"/>
+          </a:p>
+          <a:p>
+            <a:r>
+              <a:rPr lang="en-GB" dirty="0"/>
+              <a:t>As is the dot product, by the definition on the last slide.</a:t>
+            </a:r>
+          </a:p>
+          <a:p>
+            <a:endParaRPr lang="en-GB" dirty="0"/>
+          </a:p>
+          <a:p>
+            <a:r>
+              <a:rPr lang="en-GB" dirty="0"/>
+              <a:t>So, QED, which is a formal way of saying,</a:t>
+            </a:r>
+          </a:p>
+          <a:p>
+            <a:endParaRPr lang="en-GB" dirty="0"/>
+          </a:p>
+          <a:p>
+            <a:r>
+              <a:rPr lang="en-GB" dirty="0"/>
+              <a:t>“there you go”.</a:t>
+            </a:r>
+          </a:p>
+        </p:txBody>
+      </p:sp>
+      <p:sp>
+        <p:nvSpPr>
+          <p:cNvPr id="4" name="Slide Number Placeholder 3"/>
+          <p:cNvSpPr>
+            <a:spLocks noGrp="1"/>
+          </p:cNvSpPr>
+          <p:nvPr>
+            <p:ph type="sldNum" sz="quarter" idx="5"/>
+          </p:nvPr>
+        </p:nvSpPr>
+        <p:spPr/>
+        <p:txBody>
+          <a:bodyPr/>
+          <a:lstStyle/>
+          <a:p>
+            <a:fld id="{923716F0-385D-4F6E-BE54-A09D410D24C2}" type="slidenum">
+              <a:rPr lang="en-US" smtClean="0"/>
+              <a:t>6</a:t>
+            </a:fld>
+            <a:endParaRPr lang="en-US"/>
+          </a:p>
+        </p:txBody>
+      </p:sp>
+    </p:spTree>
+    <p:extLst>
+      <p:ext uri="{BB962C8B-B14F-4D97-AF65-F5344CB8AC3E}">
+        <p14:creationId xmlns:p14="http://schemas.microsoft.com/office/powerpoint/2010/main" val="3855582220"/>
+      </p:ext>
+    </p:extLst>
+  </p:cSld>
+  <p:clrMapOvr>
+    <a:masterClrMapping/>
+  </p:clrMapOvr>
+</p:notes>
+</file>
+
+<file path=ppt/notesSlides/notesSlide7.xml><?xml version="1.0" encoding="utf-8"?>
+<p:notes xmlns:a="http://schemas.openxmlformats.org/drawingml/2006/main" xmlns:r="http://schemas.openxmlformats.org/officeDocument/2006/relationships" xmlns:p="http://schemas.openxmlformats.org/presentationml/2006/main">
+  <p:cSld>
+    <p:spTree>
+      <p:nvGrpSpPr>
+        <p:cNvPr id="1" name=""/>
+        <p:cNvGrpSpPr/>
+        <p:nvPr/>
+      </p:nvGrpSpPr>
+      <p:grpSpPr>
+        <a:xfrm>
+          <a:off x="0" y="0"/>
+          <a:ext cx="0" cy="0"/>
+          <a:chOff x="0" y="0"/>
+          <a:chExt cx="0" cy="0"/>
+        </a:xfrm>
+      </p:grpSpPr>
+      <p:sp>
+        <p:nvSpPr>
+          <p:cNvPr id="2" name="Slide Image Placeholder 1"/>
+          <p:cNvSpPr>
+            <a:spLocks noGrp="1" noRot="1" noChangeAspect="1"/>
+          </p:cNvSpPr>
+          <p:nvPr>
+            <p:ph type="sldImg"/>
+          </p:nvPr>
+        </p:nvSpPr>
+        <p:spPr/>
+      </p:sp>
+      <p:sp>
+        <p:nvSpPr>
+          <p:cNvPr id="3" name="Notes Placeholder 2"/>
+          <p:cNvSpPr>
+            <a:spLocks noGrp="1"/>
+          </p:cNvSpPr>
+          <p:nvPr>
+            <p:ph type="body" idx="1"/>
+          </p:nvPr>
+        </p:nvSpPr>
+        <p:spPr/>
+        <p:txBody>
+          <a:bodyPr/>
+          <a:lstStyle/>
+          <a:p>
+            <a:r>
+              <a:rPr lang="en-GB" dirty="0"/>
+              <a:t>This is quite handy when coding, as most maths libraries will contain a function for the dot product, which you can use to find the length.</a:t>
+            </a:r>
+          </a:p>
+          <a:p>
+            <a:endParaRPr lang="en-GB" dirty="0"/>
+          </a:p>
+          <a:p>
+            <a:r>
+              <a:rPr lang="en-GB" dirty="0"/>
+              <a:t>This would normally involve taking the square root afterwards,</a:t>
+            </a:r>
+          </a:p>
+          <a:p>
+            <a:endParaRPr lang="en-GB" dirty="0"/>
+          </a:p>
+          <a:p>
+            <a:r>
+              <a:rPr lang="en-GB" dirty="0"/>
+              <a:t>Though historically this has been considered an expensive operation,</a:t>
+            </a:r>
+          </a:p>
+          <a:p>
+            <a:endParaRPr lang="en-GB" dirty="0"/>
+          </a:p>
+          <a:p>
+            <a:r>
+              <a:rPr lang="en-GB" dirty="0"/>
+              <a:t>So it’s common to avoid it and compare squared values instead, if we just want to know if one is bigger than another, which is often the case.</a:t>
+            </a:r>
+          </a:p>
+          <a:p>
+            <a:endParaRPr lang="en-GB" dirty="0"/>
+          </a:p>
+          <a:p>
+            <a:r>
+              <a:rPr lang="en-GB" dirty="0"/>
+              <a:t>Nowadays, modern hardware means computing square roots is not likely to be causing you major issues, although we still tend to avoid them when we can because, why do calculations you don’t need to?</a:t>
+            </a:r>
+          </a:p>
+        </p:txBody>
+      </p:sp>
+      <p:sp>
+        <p:nvSpPr>
+          <p:cNvPr id="4" name="Slide Number Placeholder 3"/>
+          <p:cNvSpPr>
+            <a:spLocks noGrp="1"/>
+          </p:cNvSpPr>
+          <p:nvPr>
+            <p:ph type="sldNum" sz="quarter" idx="5"/>
+          </p:nvPr>
+        </p:nvSpPr>
+        <p:spPr/>
+        <p:txBody>
+          <a:bodyPr/>
+          <a:lstStyle/>
+          <a:p>
+            <a:fld id="{923716F0-385D-4F6E-BE54-A09D410D24C2}" type="slidenum">
+              <a:rPr lang="en-US" smtClean="0"/>
+              <a:t>7</a:t>
+            </a:fld>
+            <a:endParaRPr lang="en-US"/>
+          </a:p>
+        </p:txBody>
+      </p:sp>
+    </p:spTree>
+    <p:extLst>
+      <p:ext uri="{BB962C8B-B14F-4D97-AF65-F5344CB8AC3E}">
+        <p14:creationId xmlns:p14="http://schemas.microsoft.com/office/powerpoint/2010/main" val="163078615"/>
+      </p:ext>
+    </p:extLst>
+  </p:cSld>
+  <p:clrMapOvr>
+    <a:masterClrMapping/>
+  </p:clrMapOvr>
+</p:notes>
+</file>
+
+<file path=ppt/notesSlides/notesSlide8.xml><?xml version="1.0" encoding="utf-8"?>
+<p:notes xmlns:a="http://schemas.openxmlformats.org/drawingml/2006/main" xmlns:r="http://schemas.openxmlformats.org/officeDocument/2006/relationships" xmlns:p="http://schemas.openxmlformats.org/presentationml/2006/main">
+  <p:cSld>
+    <p:spTree>
+      <p:nvGrpSpPr>
+        <p:cNvPr id="1" name=""/>
+        <p:cNvGrpSpPr/>
+        <p:nvPr/>
+      </p:nvGrpSpPr>
+      <p:grpSpPr>
+        <a:xfrm>
+          <a:off x="0" y="0"/>
+          <a:ext cx="0" cy="0"/>
+          <a:chOff x="0" y="0"/>
+          <a:chExt cx="0" cy="0"/>
+        </a:xfrm>
+      </p:grpSpPr>
+      <p:sp>
+        <p:nvSpPr>
+          <p:cNvPr id="2" name="Slide Image Placeholder 1"/>
+          <p:cNvSpPr>
+            <a:spLocks noGrp="1" noRot="1" noChangeAspect="1"/>
+          </p:cNvSpPr>
+          <p:nvPr>
+            <p:ph type="sldImg"/>
+          </p:nvPr>
+        </p:nvSpPr>
+        <p:spPr/>
+      </p:sp>
+      <p:sp>
+        <p:nvSpPr>
+          <p:cNvPr id="3" name="Notes Placeholder 2"/>
+          <p:cNvSpPr>
+            <a:spLocks noGrp="1"/>
+          </p:cNvSpPr>
+          <p:nvPr>
+            <p:ph type="body" idx="1"/>
+          </p:nvPr>
+        </p:nvSpPr>
+        <p:spPr/>
+        <p:txBody>
+          <a:bodyPr/>
+          <a:lstStyle/>
+          <a:p>
+            <a:r>
+              <a:rPr lang="en-GB" dirty="0"/>
+              <a:t>Back to the dot product now, and another way it can be helpful is in telling us about the differences in direction between two vectors.</a:t>
+            </a:r>
+          </a:p>
+          <a:p>
+            <a:endParaRPr lang="en-GB" dirty="0"/>
+          </a:p>
+          <a:p>
+            <a:r>
+              <a:rPr lang="en-GB" dirty="0"/>
+              <a:t>The geometric interpretation of the dot product is that it’s equal to the product of the vector magnitudes times the cosine of the angle between them;</a:t>
+            </a:r>
+          </a:p>
+          <a:p>
+            <a:endParaRPr lang="en-GB" dirty="0"/>
+          </a:p>
+          <a:p>
+            <a:r>
+              <a:rPr lang="en-GB" dirty="0"/>
+              <a:t>The proof of this is a little more involved so I won’t go into it here, but you can find it online if you’re interested.</a:t>
+            </a:r>
+          </a:p>
+        </p:txBody>
+      </p:sp>
+      <p:sp>
+        <p:nvSpPr>
+          <p:cNvPr id="4" name="Slide Number Placeholder 3"/>
+          <p:cNvSpPr>
+            <a:spLocks noGrp="1"/>
+          </p:cNvSpPr>
+          <p:nvPr>
+            <p:ph type="sldNum" sz="quarter" idx="5"/>
+          </p:nvPr>
+        </p:nvSpPr>
+        <p:spPr/>
+        <p:txBody>
+          <a:bodyPr/>
+          <a:lstStyle/>
+          <a:p>
+            <a:fld id="{923716F0-385D-4F6E-BE54-A09D410D24C2}" type="slidenum">
+              <a:rPr lang="en-US" smtClean="0"/>
+              <a:t>8</a:t>
+            </a:fld>
+            <a:endParaRPr lang="en-US"/>
+          </a:p>
+        </p:txBody>
+      </p:sp>
+    </p:spTree>
+    <p:extLst>
+      <p:ext uri="{BB962C8B-B14F-4D97-AF65-F5344CB8AC3E}">
+        <p14:creationId xmlns:p14="http://schemas.microsoft.com/office/powerpoint/2010/main" val="2553171017"/>
+      </p:ext>
+    </p:extLst>
+  </p:cSld>
+  <p:clrMapOvr>
+    <a:masterClrMapping/>
+  </p:clrMapOvr>
+</p:notes>
+</file>
+
+<file path=ppt/notesSlides/notesSlide9.xml><?xml version="1.0" encoding="utf-8"?>
+<p:notes xmlns:a="http://schemas.openxmlformats.org/drawingml/2006/main" xmlns:r="http://schemas.openxmlformats.org/officeDocument/2006/relationships" xmlns:p="http://schemas.openxmlformats.org/presentationml/2006/main">
+  <p:cSld>
+    <p:spTree>
+      <p:nvGrpSpPr>
+        <p:cNvPr id="1" name=""/>
+        <p:cNvGrpSpPr/>
+        <p:nvPr/>
+      </p:nvGrpSpPr>
+      <p:grpSpPr>
+        <a:xfrm>
+          <a:off x="0" y="0"/>
+          <a:ext cx="0" cy="0"/>
+          <a:chOff x="0" y="0"/>
+          <a:chExt cx="0" cy="0"/>
+        </a:xfrm>
+      </p:grpSpPr>
+      <p:sp>
+        <p:nvSpPr>
+          <p:cNvPr id="2" name="Slide Image Placeholder 1"/>
+          <p:cNvSpPr>
+            <a:spLocks noGrp="1" noRot="1" noChangeAspect="1"/>
+          </p:cNvSpPr>
+          <p:nvPr>
+            <p:ph type="sldImg"/>
+          </p:nvPr>
+        </p:nvSpPr>
+        <p:spPr/>
+      </p:sp>
+      <p:sp>
+        <p:nvSpPr>
+          <p:cNvPr id="3" name="Notes Placeholder 2"/>
+          <p:cNvSpPr>
+            <a:spLocks noGrp="1"/>
+          </p:cNvSpPr>
+          <p:nvPr>
+            <p:ph type="body" idx="1"/>
+          </p:nvPr>
+        </p:nvSpPr>
+        <p:spPr/>
+        <p:txBody>
+          <a:bodyPr/>
+          <a:lstStyle/>
+          <a:p>
+            <a:r>
+              <a:rPr lang="en-GB" dirty="0"/>
+              <a:t>We can rearrange this geometric formula to give</a:t>
+            </a:r>
+          </a:p>
+          <a:p>
+            <a:endParaRPr lang="en-GB" dirty="0"/>
+          </a:p>
+          <a:p>
+            <a:r>
+              <a:rPr lang="en-GB" dirty="0"/>
+              <a:t>The cosine of the angles in terms of the vector dot products and magnitudes;</a:t>
+            </a:r>
+          </a:p>
+          <a:p>
+            <a:endParaRPr lang="en-GB" dirty="0"/>
+          </a:p>
+          <a:p>
+            <a:r>
+              <a:rPr lang="en-GB" dirty="0"/>
+              <a:t>As a shortcut, we can often avoid computing the angle itself by looking at relative values of the cosine, for instance</a:t>
+            </a:r>
+          </a:p>
+          <a:p>
+            <a:endParaRPr lang="en-GB" dirty="0"/>
+          </a:p>
+          <a:p>
+            <a:r>
+              <a:rPr lang="en-GB" dirty="0"/>
+              <a:t>between 0 and 180 degrees, the value of the cosine decreases as the angle increases; in the negative range, this is flipped.</a:t>
+            </a:r>
+          </a:p>
+          <a:p>
+            <a:endParaRPr lang="en-GB" dirty="0"/>
+          </a:p>
+          <a:p>
+            <a:r>
+              <a:rPr lang="en-GB" dirty="0"/>
+              <a:t>We can also see that between -90 and +90 degrees, the value of cos theta is greater than zero, so we can use just the sign of the dot product for some comparisons (that’s s-</a:t>
+            </a:r>
+            <a:r>
+              <a:rPr lang="en-GB" dirty="0" err="1"/>
+              <a:t>i</a:t>
+            </a:r>
+            <a:r>
+              <a:rPr lang="en-GB" dirty="0"/>
+              <a:t>-g-n, not s-</a:t>
+            </a:r>
+            <a:r>
+              <a:rPr lang="en-GB" dirty="0" err="1"/>
+              <a:t>i</a:t>
+            </a:r>
+            <a:r>
+              <a:rPr lang="en-GB" dirty="0"/>
+              <a:t>-n-e); since the magnitudes will always be positive, we can ignore them.</a:t>
+            </a:r>
+          </a:p>
+          <a:p>
+            <a:endParaRPr lang="en-GB" dirty="0"/>
+          </a:p>
+          <a:p>
+            <a:r>
+              <a:rPr lang="en-GB" dirty="0"/>
+              <a:t>One particularly useful result is that, if the angle is 90 degrees, then the result will be zero, which means that if the dot product is zero then the vectors are perpendicular (unless we’re dealing with zero-length vectors, which we try to avoid).</a:t>
+            </a:r>
+          </a:p>
+        </p:txBody>
+      </p:sp>
+      <p:sp>
+        <p:nvSpPr>
+          <p:cNvPr id="4" name="Slide Number Placeholder 3"/>
+          <p:cNvSpPr>
+            <a:spLocks noGrp="1"/>
+          </p:cNvSpPr>
+          <p:nvPr>
+            <p:ph type="sldNum" sz="quarter" idx="5"/>
+          </p:nvPr>
+        </p:nvSpPr>
+        <p:spPr/>
+        <p:txBody>
+          <a:bodyPr/>
+          <a:lstStyle/>
+          <a:p>
+            <a:fld id="{923716F0-385D-4F6E-BE54-A09D410D24C2}" type="slidenum">
+              <a:rPr lang="en-US" smtClean="0"/>
+              <a:t>9</a:t>
+            </a:fld>
+            <a:endParaRPr lang="en-US"/>
+          </a:p>
+        </p:txBody>
+      </p:sp>
+    </p:spTree>
+    <p:extLst>
+      <p:ext uri="{BB962C8B-B14F-4D97-AF65-F5344CB8AC3E}">
+        <p14:creationId xmlns:p14="http://schemas.microsoft.com/office/powerpoint/2010/main" val="1380549702"/>
       </p:ext>
     </p:extLst>
   </p:cSld>
@@ -1158,7 +2316,7 @@
           <a:p>
             <a:fld id="{33024136-D290-48F3-A182-4C46BEB5146B}" type="datetime1">
               <a:rPr lang="en-US" smtClean="0"/>
-              <a:t>8/25/2020</a:t>
+              <a:t>9/4/2020</a:t>
             </a:fld>
             <a:endParaRPr lang="en-US" dirty="0"/>
           </a:p>
@@ -1342,7 +2500,7 @@
           <a:p>
             <a:fld id="{9CC7D44C-38B1-4D0F-9006-D5774F331095}" type="datetime1">
               <a:rPr lang="en-US" smtClean="0"/>
-              <a:t>8/25/2020</a:t>
+              <a:t>9/4/2020</a:t>
             </a:fld>
             <a:endParaRPr lang="en-US"/>
           </a:p>
@@ -1536,7 +2694,7 @@
           <a:p>
             <a:fld id="{F98D518A-FD4F-4358-B95B-9DB5A17160FB}" type="datetime1">
               <a:rPr lang="en-US" smtClean="0"/>
-              <a:t>8/25/2020</a:t>
+              <a:t>9/4/2020</a:t>
             </a:fld>
             <a:endParaRPr lang="en-US"/>
           </a:p>
@@ -1729,7 +2887,7 @@
           <a:p>
             <a:fld id="{5E2A9F4F-03AD-4497-A65D-076601BD41D2}" type="datetime1">
               <a:rPr lang="en-US" smtClean="0"/>
-              <a:t>8/25/2020</a:t>
+              <a:t>9/4/2020</a:t>
             </a:fld>
             <a:endParaRPr lang="en-US"/>
           </a:p>
@@ -1952,7 +3110,7 @@
           <a:p>
             <a:fld id="{EDFBF3AC-A781-43AA-8BD5-B12F49168B94}" type="datetime1">
               <a:rPr lang="en-US" smtClean="0"/>
-              <a:t>8/25/2020</a:t>
+              <a:t>9/4/2020</a:t>
             </a:fld>
             <a:endParaRPr lang="en-US"/>
           </a:p>
@@ -2237,7 +3395,7 @@
           <a:p>
             <a:fld id="{C5256A41-C91B-43FF-9881-F5DA9878418F}" type="datetime1">
               <a:rPr lang="en-US" smtClean="0"/>
-              <a:t>8/25/2020</a:t>
+              <a:t>9/4/2020</a:t>
             </a:fld>
             <a:endParaRPr lang="en-US"/>
           </a:p>
@@ -2640,7 +3798,7 @@
           <a:p>
             <a:fld id="{FFD7AA76-41EE-4C13-950E-E611B8B8FC52}" type="datetime1">
               <a:rPr lang="en-US" smtClean="0"/>
-              <a:t>8/25/2020</a:t>
+              <a:t>9/4/2020</a:t>
             </a:fld>
             <a:endParaRPr lang="en-US"/>
           </a:p>
@@ -2787,7 +3945,7 @@
           <a:p>
             <a:fld id="{89407A26-E7BC-4498-97E4-87AF12377CA9}" type="datetime1">
               <a:rPr lang="en-US" smtClean="0"/>
-              <a:t>8/25/2020</a:t>
+              <a:t>9/4/2020</a:t>
             </a:fld>
             <a:endParaRPr lang="en-US"/>
           </a:p>
@@ -2902,7 +4060,7 @@
           <a:p>
             <a:fld id="{93EA4171-1117-4486-993C-35A7470D8847}" type="datetime1">
               <a:rPr lang="en-US" smtClean="0"/>
-              <a:t>8/25/2020</a:t>
+              <a:t>9/4/2020</a:t>
             </a:fld>
             <a:endParaRPr lang="en-US"/>
           </a:p>
@@ -3174,7 +4332,7 @@
           <a:p>
             <a:fld id="{472A4CB8-1563-4663-81DB-74EB416C19BE}" type="datetime1">
               <a:rPr lang="en-US" smtClean="0"/>
-              <a:t>8/25/2020</a:t>
+              <a:t>9/4/2020</a:t>
             </a:fld>
             <a:endParaRPr lang="en-US"/>
           </a:p>
@@ -3510,7 +4668,7 @@
           <a:p>
             <a:fld id="{0C6724CE-2468-448B-87C1-A92EDD78369B}" type="datetime1">
               <a:rPr lang="en-US" smtClean="0"/>
-              <a:t>8/25/2020</a:t>
+              <a:t>9/4/2020</a:t>
             </a:fld>
             <a:endParaRPr lang="en-US"/>
           </a:p>
@@ -3771,7 +4929,7 @@
           <a:p>
             <a:fld id="{4CD11720-76E7-46E6-B0AA-057287C42052}" type="datetime1">
               <a:rPr lang="en-US" smtClean="0"/>
-              <a:t>8/25/2020</a:t>
+              <a:t>9/4/2020</a:t>
             </a:fld>
             <a:endParaRPr lang="en-US" dirty="0"/>
           </a:p>
@@ -4283,8 +5441,8 @@
           </a:p>
         </p:txBody>
       </p:sp>
-      <mc:AlternateContent xmlns:mc="http://schemas.openxmlformats.org/markup-compatibility/2006">
-        <mc:Choice xmlns:a14="http://schemas.microsoft.com/office/drawing/2010/main" Requires="a14">
+      <mc:AlternateContent xmlns:mc="http://schemas.openxmlformats.org/markup-compatibility/2006" xmlns:a14="http://schemas.microsoft.com/office/drawing/2010/main">
+        <mc:Choice Requires="a14">
           <p:sp>
             <p:nvSpPr>
               <p:cNvPr id="3" name="Content Placeholder 2">
@@ -4377,6 +5535,7 @@
                   <a:rPr lang="en-GB" dirty="0"/>
                   <a:t> representing points on the plane</a:t>
                 </a:r>
+                <a:endParaRPr lang="en-GB" b="1" dirty="0"/>
               </a:p>
               <a:p>
                 <a:pPr marL="457200" indent="-457200"/>
@@ -4696,7 +5855,7 @@
             </p:txBody>
           </p:sp>
         </mc:Choice>
-        <mc:Fallback>
+        <mc:Fallback xmlns="">
           <p:sp>
             <p:nvSpPr>
               <p:cNvPr id="3" name="Content Placeholder 2">
@@ -4738,10 +5897,13 @@
       </mc:AlternateContent>
       <p:grpSp>
         <p:nvGrpSpPr>
-          <p:cNvPr id="5" name="Group 4">
+          <p:cNvPr id="5" name="Group 4" descr="Image of a vector Projection.">
             <a:extLst>
               <a:ext uri="{FF2B5EF4-FFF2-40B4-BE49-F238E27FC236}">
                 <a16:creationId xmlns:a16="http://schemas.microsoft.com/office/drawing/2014/main" id="{779E13AF-2EE3-44B4-BCED-46460819DE98}"/>
+              </a:ext>
+              <a:ext uri="{C183D7F6-B498-43B3-948B-1728B52AA6E4}">
+                <adec:decorative xmlns:adec="http://schemas.microsoft.com/office/drawing/2017/decorative" val="0"/>
               </a:ext>
             </a:extLst>
           </p:cNvPr>
@@ -4762,6 +5924,9 @@
               <a:extLst>
                 <a:ext uri="{FF2B5EF4-FFF2-40B4-BE49-F238E27FC236}">
                   <a16:creationId xmlns:a16="http://schemas.microsoft.com/office/drawing/2014/main" id="{4E4F4B99-9E37-4438-97F3-FA3BCA3D127A}"/>
+                </a:ext>
+                <a:ext uri="{C183D7F6-B498-43B3-948B-1728B52AA6E4}">
+                  <adec:decorative xmlns:adec="http://schemas.microsoft.com/office/drawing/2017/decorative" val="1"/>
                 </a:ext>
               </a:extLst>
             </p:cNvPr>
@@ -4842,8 +6007,8 @@
             </a:fontRef>
           </p:style>
         </p:cxnSp>
-        <mc:AlternateContent xmlns:mc="http://schemas.openxmlformats.org/markup-compatibility/2006">
-          <mc:Choice xmlns:a14="http://schemas.microsoft.com/office/drawing/2010/main" Requires="a14">
+        <mc:AlternateContent xmlns:mc="http://schemas.openxmlformats.org/markup-compatibility/2006" xmlns:a14="http://schemas.microsoft.com/office/drawing/2010/main">
+          <mc:Choice Requires="a14">
             <p:sp>
               <p:nvSpPr>
                 <p:cNvPr id="8" name="TextBox 7">
@@ -4925,7 +6090,7 @@
               </p:txBody>
             </p:sp>
           </mc:Choice>
-          <mc:Fallback>
+          <mc:Fallback xmlns="">
             <p:sp>
               <p:nvSpPr>
                 <p:cNvPr id="8" name="TextBox 7">
@@ -4970,8 +6135,8 @@
             </p:sp>
           </mc:Fallback>
         </mc:AlternateContent>
-        <mc:AlternateContent xmlns:mc="http://schemas.openxmlformats.org/markup-compatibility/2006">
-          <mc:Choice xmlns:a14="http://schemas.microsoft.com/office/drawing/2010/main" Requires="a14">
+        <mc:AlternateContent xmlns:mc="http://schemas.openxmlformats.org/markup-compatibility/2006" xmlns:a14="http://schemas.microsoft.com/office/drawing/2010/main">
+          <mc:Choice Requires="a14">
             <p:sp>
               <p:nvSpPr>
                 <p:cNvPr id="11" name="TextBox 10">
@@ -5053,7 +6218,7 @@
               </p:txBody>
             </p:sp>
           </mc:Choice>
-          <mc:Fallback>
+          <mc:Fallback xmlns="">
             <p:sp>
               <p:nvSpPr>
                 <p:cNvPr id="11" name="TextBox 10">
@@ -5390,15 +6555,33 @@
                                   </p:childTnLst>
                                 </p:cTn>
                               </p:par>
+                            </p:childTnLst>
+                          </p:cTn>
+                        </p:par>
+                      </p:childTnLst>
+                    </p:cTn>
+                  </p:par>
+                  <p:par>
+                    <p:cTn id="11" fill="hold">
+                      <p:stCondLst>
+                        <p:cond delay="indefinite"/>
+                      </p:stCondLst>
+                      <p:childTnLst>
+                        <p:par>
+                          <p:cTn id="12" fill="hold">
+                            <p:stCondLst>
+                              <p:cond delay="0"/>
+                            </p:stCondLst>
+                            <p:childTnLst>
                               <p:par>
-                                <p:cTn id="11" presetID="10" presetClass="entr" presetSubtype="0" fill="hold" grpId="0" nodeType="withEffect">
+                                <p:cTn id="13" presetID="10" presetClass="entr" presetSubtype="0" fill="hold" grpId="0" nodeType="clickEffect">
                                   <p:stCondLst>
                                     <p:cond delay="0"/>
                                   </p:stCondLst>
                                   <p:childTnLst>
                                     <p:set>
                                       <p:cBhvr>
-                                        <p:cTn id="12" dur="1" fill="hold">
+                                        <p:cTn id="14" dur="1" fill="hold">
                                           <p:stCondLst>
                                             <p:cond delay="0"/>
                                           </p:stCondLst>
@@ -5420,7 +6603,7 @@
                                     </p:set>
                                     <p:animEffect transition="in" filter="fade">
                                       <p:cBhvr>
-                                        <p:cTn id="13" dur="500"/>
+                                        <p:cTn id="15" dur="500"/>
                                         <p:tgtEl>
                                           <p:spTgt spid="3">
                                             <p:txEl>
@@ -5433,26 +6616,8 @@
                                   </p:childTnLst>
                                 </p:cTn>
                               </p:par>
-                            </p:childTnLst>
-                          </p:cTn>
-                        </p:par>
-                      </p:childTnLst>
-                    </p:cTn>
-                  </p:par>
-                  <p:par>
-                    <p:cTn id="14" fill="hold">
-                      <p:stCondLst>
-                        <p:cond delay="indefinite"/>
-                      </p:stCondLst>
-                      <p:childTnLst>
-                        <p:par>
-                          <p:cTn id="15" fill="hold">
-                            <p:stCondLst>
-                              <p:cond delay="0"/>
-                            </p:stCondLst>
-                            <p:childTnLst>
                               <p:par>
-                                <p:cTn id="16" presetID="22" presetClass="entr" presetSubtype="1" fill="hold" nodeType="clickEffect">
+                                <p:cTn id="16" presetID="22" presetClass="entr" presetSubtype="1" fill="hold" nodeType="withEffect">
                                   <p:stCondLst>
                                     <p:cond delay="0"/>
                                   </p:stCondLst>
@@ -5761,8 +6926,8 @@
           </a:p>
         </p:txBody>
       </p:sp>
-      <mc:AlternateContent xmlns:mc="http://schemas.openxmlformats.org/markup-compatibility/2006">
-        <mc:Choice xmlns:a14="http://schemas.microsoft.com/office/drawing/2010/main" Requires="a14">
+      <mc:AlternateContent xmlns:mc="http://schemas.openxmlformats.org/markup-compatibility/2006" xmlns:a14="http://schemas.microsoft.com/office/drawing/2010/main">
+        <mc:Choice Requires="a14">
           <p:sp>
             <p:nvSpPr>
               <p:cNvPr id="3" name="Content Placeholder 2">
@@ -5783,6 +6948,257 @@
             <p:txBody>
               <a:bodyPr/>
               <a:lstStyle/>
+              <a:p>
+                <a:pPr marL="457200" indent="-457200"/>
+                <a:r>
+                  <a:rPr lang="en-GB" dirty="0"/>
+                  <a:t>The dot product definition gives </a:t>
+                </a:r>
+                <a14:m>
+                  <m:oMath xmlns:m="http://schemas.openxmlformats.org/officeDocument/2006/math">
+                    <m:func>
+                      <m:funcPr>
+                        <m:ctrlPr>
+                          <a:rPr lang="en-GB" b="1" i="1" smtClean="0">
+                            <a:solidFill>
+                              <a:srgbClr val="FFFF00"/>
+                            </a:solidFill>
+                            <a:latin typeface="Cambria Math" panose="02040503050406030204" pitchFamily="18" charset="0"/>
+                          </a:rPr>
+                        </m:ctrlPr>
+                      </m:funcPr>
+                      <m:fName>
+                        <m:r>
+                          <m:rPr>
+                            <m:sty m:val="p"/>
+                          </m:rPr>
+                          <a:rPr lang="en-GB">
+                            <a:solidFill>
+                              <a:srgbClr val="FFFF00"/>
+                            </a:solidFill>
+                            <a:latin typeface="Cambria Math" panose="02040503050406030204" pitchFamily="18" charset="0"/>
+                          </a:rPr>
+                          <m:t>cos</m:t>
+                        </m:r>
+                      </m:fName>
+                      <m:e>
+                        <m:r>
+                          <a:rPr lang="en-GB" i="1">
+                            <a:solidFill>
+                              <a:srgbClr val="FFFF00"/>
+                            </a:solidFill>
+                            <a:latin typeface="Cambria Math" panose="02040503050406030204" pitchFamily="18" charset="0"/>
+                          </a:rPr>
+                          <m:t>𝜃</m:t>
+                        </m:r>
+                      </m:e>
+                    </m:func>
+                    <m:r>
+                      <a:rPr lang="en-GB" b="1" i="1" smtClean="0">
+                        <a:solidFill>
+                          <a:srgbClr val="FFFF00"/>
+                        </a:solidFill>
+                        <a:latin typeface="Cambria Math" panose="02040503050406030204" pitchFamily="18" charset="0"/>
+                      </a:rPr>
+                      <m:t>=</m:t>
+                    </m:r>
+                    <m:f>
+                      <m:fPr>
+                        <m:ctrlPr>
+                          <a:rPr lang="en-GB" b="1" i="1" smtClean="0">
+                            <a:solidFill>
+                              <a:srgbClr val="FFFF00"/>
+                            </a:solidFill>
+                            <a:latin typeface="Cambria Math" panose="02040503050406030204" pitchFamily="18" charset="0"/>
+                          </a:rPr>
+                        </m:ctrlPr>
+                      </m:fPr>
+                      <m:num>
+                        <m:sSub>
+                          <m:sSubPr>
+                            <m:ctrlPr>
+                              <a:rPr lang="en-GB" b="1" i="1">
+                                <a:solidFill>
+                                  <a:srgbClr val="FFFF00"/>
+                                </a:solidFill>
+                                <a:latin typeface="Cambria Math" panose="02040503050406030204" pitchFamily="18" charset="0"/>
+                              </a:rPr>
+                            </m:ctrlPr>
+                          </m:sSubPr>
+                          <m:e>
+                            <m:r>
+                              <a:rPr lang="en-GB" b="1">
+                                <a:solidFill>
+                                  <a:srgbClr val="FFFF00"/>
+                                </a:solidFill>
+                                <a:latin typeface="Cambria Math" panose="02040503050406030204" pitchFamily="18" charset="0"/>
+                              </a:rPr>
+                              <m:t>𝐯</m:t>
+                            </m:r>
+                          </m:e>
+                          <m:sub>
+                            <m:r>
+                              <a:rPr lang="en-GB">
+                                <a:solidFill>
+                                  <a:srgbClr val="FFFF00"/>
+                                </a:solidFill>
+                                <a:latin typeface="Cambria Math" panose="02040503050406030204" pitchFamily="18" charset="0"/>
+                              </a:rPr>
+                              <m:t>1</m:t>
+                            </m:r>
+                          </m:sub>
+                        </m:sSub>
+                        <m:r>
+                          <a:rPr lang="en-GB" b="1" i="1">
+                            <a:solidFill>
+                              <a:srgbClr val="FFFF00"/>
+                            </a:solidFill>
+                            <a:latin typeface="Cambria Math" panose="02040503050406030204" pitchFamily="18" charset="0"/>
+                          </a:rPr>
+                          <m:t>⋅</m:t>
+                        </m:r>
+                        <m:sSub>
+                          <m:sSubPr>
+                            <m:ctrlPr>
+                              <a:rPr lang="en-GB" b="1" i="1">
+                                <a:solidFill>
+                                  <a:srgbClr val="FFFF00"/>
+                                </a:solidFill>
+                                <a:latin typeface="Cambria Math" panose="02040503050406030204" pitchFamily="18" charset="0"/>
+                              </a:rPr>
+                            </m:ctrlPr>
+                          </m:sSubPr>
+                          <m:e>
+                            <m:r>
+                              <a:rPr lang="en-GB" b="1">
+                                <a:solidFill>
+                                  <a:srgbClr val="FFFF00"/>
+                                </a:solidFill>
+                                <a:latin typeface="Cambria Math" panose="02040503050406030204" pitchFamily="18" charset="0"/>
+                              </a:rPr>
+                              <m:t>𝐯</m:t>
+                            </m:r>
+                          </m:e>
+                          <m:sub>
+                            <m:r>
+                              <a:rPr lang="en-GB">
+                                <a:solidFill>
+                                  <a:srgbClr val="FFFF00"/>
+                                </a:solidFill>
+                                <a:latin typeface="Cambria Math" panose="02040503050406030204" pitchFamily="18" charset="0"/>
+                              </a:rPr>
+                              <m:t>2</m:t>
+                            </m:r>
+                          </m:sub>
+                        </m:sSub>
+                      </m:num>
+                      <m:den>
+                        <m:d>
+                          <m:dPr>
+                            <m:begChr m:val="‖"/>
+                            <m:endChr m:val="‖"/>
+                            <m:ctrlPr>
+                              <a:rPr lang="en-GB" b="1" i="1">
+                                <a:solidFill>
+                                  <a:srgbClr val="FFFF00"/>
+                                </a:solidFill>
+                                <a:latin typeface="Cambria Math" panose="02040503050406030204" pitchFamily="18" charset="0"/>
+                              </a:rPr>
+                            </m:ctrlPr>
+                          </m:dPr>
+                          <m:e>
+                            <m:sSub>
+                              <m:sSubPr>
+                                <m:ctrlPr>
+                                  <a:rPr lang="en-GB" b="1" i="1">
+                                    <a:solidFill>
+                                      <a:srgbClr val="FFFF00"/>
+                                    </a:solidFill>
+                                    <a:latin typeface="Cambria Math" panose="02040503050406030204" pitchFamily="18" charset="0"/>
+                                  </a:rPr>
+                                </m:ctrlPr>
+                              </m:sSubPr>
+                              <m:e>
+                                <m:r>
+                                  <a:rPr lang="en-GB" b="1">
+                                    <a:solidFill>
+                                      <a:srgbClr val="FFFF00"/>
+                                    </a:solidFill>
+                                    <a:latin typeface="Cambria Math" panose="02040503050406030204" pitchFamily="18" charset="0"/>
+                                  </a:rPr>
+                                  <m:t>𝐯</m:t>
+                                </m:r>
+                              </m:e>
+                              <m:sub>
+                                <m:r>
+                                  <a:rPr lang="en-GB">
+                                    <a:solidFill>
+                                      <a:srgbClr val="FFFF00"/>
+                                    </a:solidFill>
+                                    <a:latin typeface="Cambria Math" panose="02040503050406030204" pitchFamily="18" charset="0"/>
+                                  </a:rPr>
+                                  <m:t>1</m:t>
+                                </m:r>
+                              </m:sub>
+                            </m:sSub>
+                          </m:e>
+                        </m:d>
+                        <m:d>
+                          <m:dPr>
+                            <m:begChr m:val="‖"/>
+                            <m:endChr m:val="‖"/>
+                            <m:ctrlPr>
+                              <a:rPr lang="en-GB" b="1" i="1">
+                                <a:solidFill>
+                                  <a:srgbClr val="FFFF00"/>
+                                </a:solidFill>
+                                <a:latin typeface="Cambria Math" panose="02040503050406030204" pitchFamily="18" charset="0"/>
+                              </a:rPr>
+                            </m:ctrlPr>
+                          </m:dPr>
+                          <m:e>
+                            <m:sSub>
+                              <m:sSubPr>
+                                <m:ctrlPr>
+                                  <a:rPr lang="en-GB" b="1" i="1">
+                                    <a:solidFill>
+                                      <a:srgbClr val="FFFF00"/>
+                                    </a:solidFill>
+                                    <a:latin typeface="Cambria Math" panose="02040503050406030204" pitchFamily="18" charset="0"/>
+                                  </a:rPr>
+                                </m:ctrlPr>
+                              </m:sSubPr>
+                              <m:e>
+                                <m:r>
+                                  <a:rPr lang="en-GB" b="1">
+                                    <a:solidFill>
+                                      <a:srgbClr val="FFFF00"/>
+                                    </a:solidFill>
+                                    <a:latin typeface="Cambria Math" panose="02040503050406030204" pitchFamily="18" charset="0"/>
+                                  </a:rPr>
+                                  <m:t>𝐯</m:t>
+                                </m:r>
+                              </m:e>
+                              <m:sub>
+                                <m:r>
+                                  <a:rPr lang="en-GB">
+                                    <a:solidFill>
+                                      <a:srgbClr val="FFFF00"/>
+                                    </a:solidFill>
+                                    <a:latin typeface="Cambria Math" panose="02040503050406030204" pitchFamily="18" charset="0"/>
+                                  </a:rPr>
+                                  <m:t>2</m:t>
+                                </m:r>
+                              </m:sub>
+                            </m:sSub>
+                          </m:e>
+                        </m:d>
+                      </m:den>
+                    </m:f>
+                  </m:oMath>
+                </a14:m>
+                <a:endParaRPr lang="en-GB" dirty="0"/>
+              </a:p>
               <a:p>
                 <a:pPr marL="457200" indent="-457200"/>
                 <a:r>
@@ -5865,147 +7281,7 @@
                         <m:begChr m:val="‖"/>
                         <m:endChr m:val="‖"/>
                         <m:ctrlPr>
-                          <a:rPr lang="en-GB" i="1">
-                            <a:latin typeface="Cambria Math" panose="02040503050406030204" pitchFamily="18" charset="0"/>
-                          </a:rPr>
-                        </m:ctrlPr>
-                      </m:dPr>
-                      <m:e>
-                        <m:sSub>
-                          <m:sSubPr>
-                            <m:ctrlPr>
-                              <a:rPr lang="en-GB" i="1">
-                                <a:latin typeface="Cambria Math" panose="02040503050406030204" pitchFamily="18" charset="0"/>
-                              </a:rPr>
-                            </m:ctrlPr>
-                          </m:sSubPr>
-                          <m:e>
-                            <m:r>
-                              <a:rPr lang="en-GB" b="1">
-                                <a:latin typeface="Cambria Math" panose="02040503050406030204" pitchFamily="18" charset="0"/>
-                              </a:rPr>
-                              <m:t>𝐯</m:t>
-                            </m:r>
-                          </m:e>
-                          <m:sub>
-                            <m:r>
-                              <a:rPr lang="en-GB" i="1">
-                                <a:latin typeface="Cambria Math" panose="02040503050406030204" pitchFamily="18" charset="0"/>
-                              </a:rPr>
-                              <m:t>1</m:t>
-                            </m:r>
-                          </m:sub>
-                        </m:sSub>
-                      </m:e>
-                    </m:d>
-                    <m:func>
-                      <m:funcPr>
-                        <m:ctrlPr>
-                          <a:rPr lang="en-GB" i="1">
-                            <a:latin typeface="Cambria Math" panose="02040503050406030204" pitchFamily="18" charset="0"/>
-                          </a:rPr>
-                        </m:ctrlPr>
-                      </m:funcPr>
-                      <m:fName>
-                        <m:r>
-                          <m:rPr>
-                            <m:sty m:val="p"/>
-                          </m:rPr>
-                          <a:rPr lang="en-GB">
-                            <a:latin typeface="Cambria Math" panose="02040503050406030204" pitchFamily="18" charset="0"/>
-                          </a:rPr>
-                          <m:t>cos</m:t>
-                        </m:r>
-                      </m:fName>
-                      <m:e>
-                        <m:r>
-                          <a:rPr lang="en-GB" i="1">
-                            <a:latin typeface="Cambria Math" panose="02040503050406030204" pitchFamily="18" charset="0"/>
-                          </a:rPr>
-                          <m:t>𝜃</m:t>
-                        </m:r>
-                      </m:e>
-                    </m:func>
-                  </m:oMath>
-                </a14:m>
-                <a:endParaRPr lang="en-GB" dirty="0"/>
-              </a:p>
-              <a:p>
-                <a:pPr marL="457200" indent="-457200"/>
-                <a:r>
-                  <a:rPr lang="en-GB" dirty="0"/>
-                  <a:t>But </a:t>
-                </a:r>
-                <a14:m>
-                  <m:oMath xmlns:m="http://schemas.openxmlformats.org/officeDocument/2006/math">
-                    <m:sSub>
-                      <m:sSubPr>
-                        <m:ctrlPr>
-                          <a:rPr lang="en-GB" b="1" i="1">
-                            <a:latin typeface="Cambria Math" panose="02040503050406030204" pitchFamily="18" charset="0"/>
-                          </a:rPr>
-                        </m:ctrlPr>
-                      </m:sSubPr>
-                      <m:e>
-                        <m:r>
-                          <a:rPr lang="en-GB" b="1">
-                            <a:latin typeface="Cambria Math" panose="02040503050406030204" pitchFamily="18" charset="0"/>
-                          </a:rPr>
-                          <m:t>𝐯</m:t>
-                        </m:r>
-                      </m:e>
-                      <m:sub>
-                        <m:r>
-                          <a:rPr lang="en-GB">
-                            <a:latin typeface="Cambria Math" panose="02040503050406030204" pitchFamily="18" charset="0"/>
-                          </a:rPr>
-                          <m:t>1</m:t>
-                        </m:r>
-                      </m:sub>
-                    </m:sSub>
-                    <m:r>
-                      <a:rPr lang="en-GB" b="1" i="1">
-                        <a:latin typeface="Cambria Math" panose="02040503050406030204" pitchFamily="18" charset="0"/>
-                      </a:rPr>
-                      <m:t>⋅</m:t>
-                    </m:r>
-                    <m:sSub>
-                      <m:sSubPr>
-                        <m:ctrlPr>
-                          <a:rPr lang="en-GB" b="1" i="1">
-                            <a:latin typeface="Cambria Math" panose="02040503050406030204" pitchFamily="18" charset="0"/>
-                          </a:rPr>
-                        </m:ctrlPr>
-                      </m:sSubPr>
-                      <m:e>
-                        <m:r>
-                          <a:rPr lang="en-GB" b="1">
-                            <a:latin typeface="Cambria Math" panose="02040503050406030204" pitchFamily="18" charset="0"/>
-                          </a:rPr>
-                          <m:t>𝐯</m:t>
-                        </m:r>
-                      </m:e>
-                      <m:sub>
-                        <m:r>
-                          <a:rPr lang="en-GB">
-                            <a:latin typeface="Cambria Math" panose="02040503050406030204" pitchFamily="18" charset="0"/>
-                          </a:rPr>
-                          <m:t>2</m:t>
-                        </m:r>
-                      </m:sub>
-                    </m:sSub>
-                    <m:r>
-                      <a:rPr lang="en-GB" b="1" i="1">
-                        <a:latin typeface="Cambria Math" panose="02040503050406030204" pitchFamily="18" charset="0"/>
-                      </a:rPr>
-                      <m:t>=</m:t>
-                    </m:r>
-                    <m:d>
-                      <m:dPr>
-                        <m:begChr m:val="‖"/>
-                        <m:endChr m:val="‖"/>
-                        <m:ctrlPr>
-                          <a:rPr lang="en-GB" b="1" i="1" smtClean="0">
+                          <a:rPr lang="en-GB" i="1" smtClean="0">
                             <a:solidFill>
                               <a:schemeClr val="accent4"/>
                             </a:solidFill>
@@ -6017,7 +7293,7 @@
                         <m:sSub>
                           <m:sSubPr>
                             <m:ctrlPr>
-                              <a:rPr lang="en-GB" b="1" i="1">
+                              <a:rPr lang="en-GB" i="1">
                                 <a:solidFill>
                                   <a:schemeClr val="accent4"/>
                                 </a:solidFill>
@@ -6038,7 +7314,7 @@
                           </m:e>
                           <m:sub>
                             <m:r>
-                              <a:rPr lang="en-GB">
+                              <a:rPr lang="en-GB" i="1">
                                 <a:solidFill>
                                   <a:schemeClr val="accent4"/>
                                 </a:solidFill>
@@ -6050,48 +7326,10 @@
                         </m:sSub>
                       </m:e>
                     </m:d>
-                    <m:d>
-                      <m:dPr>
-                        <m:begChr m:val="‖"/>
-                        <m:endChr m:val="‖"/>
-                        <m:ctrlPr>
-                          <a:rPr lang="en-GB" b="1" i="1">
-                            <a:latin typeface="Cambria Math" panose="02040503050406030204" pitchFamily="18" charset="0"/>
-                          </a:rPr>
-                        </m:ctrlPr>
-                      </m:dPr>
-                      <m:e>
-                        <m:sSub>
-                          <m:sSubPr>
-                            <m:ctrlPr>
-                              <a:rPr lang="en-GB" b="1" i="1">
-                                <a:latin typeface="Cambria Math" panose="02040503050406030204" pitchFamily="18" charset="0"/>
-                              </a:rPr>
-                            </m:ctrlPr>
-                          </m:sSubPr>
-                          <m:e>
-                            <m:r>
-                              <a:rPr lang="en-GB" b="1">
-                                <a:latin typeface="Cambria Math" panose="02040503050406030204" pitchFamily="18" charset="0"/>
-                              </a:rPr>
-                              <m:t>𝐯</m:t>
-                            </m:r>
-                          </m:e>
-                          <m:sub>
-                            <m:r>
-                              <a:rPr lang="en-GB">
-                                <a:latin typeface="Cambria Math" panose="02040503050406030204" pitchFamily="18" charset="0"/>
-                              </a:rPr>
-                              <m:t>2</m:t>
-                            </m:r>
-                          </m:sub>
-                        </m:sSub>
-                      </m:e>
-                    </m:d>
                     <m:func>
                       <m:funcPr>
                         <m:ctrlPr>
-                          <a:rPr lang="en-GB" b="1" i="1" smtClean="0">
+                          <a:rPr lang="en-GB" i="1">
                             <a:solidFill>
                               <a:schemeClr val="accent4"/>
                             </a:solidFill>
@@ -6127,9 +7365,13 @@
                     </m:func>
                   </m:oMath>
                 </a14:m>
+                <a:endParaRPr lang="en-GB" dirty="0"/>
+              </a:p>
+              <a:p>
+                <a:pPr marL="457200" indent="-457200"/>
                 <a:r>
                   <a:rPr lang="en-GB" dirty="0"/>
-                  <a:t>, so this is the same as</a:t>
+                  <a:t>Combining the formulae, this is</a:t>
                 </a:r>
                 <a:br>
                   <a:rPr lang="en-GB" dirty="0"/>
@@ -6139,7 +7381,10 @@
                     <m:f>
                       <m:fPr>
                         <m:ctrlPr>
-                          <a:rPr lang="en-GB" i="1">
+                          <a:rPr lang="en-GB" i="1" smtClean="0">
+                            <a:solidFill>
+                              <a:schemeClr val="accent4"/>
+                            </a:solidFill>
                             <a:latin typeface="Cambria Math" panose="02040503050406030204" pitchFamily="18" charset="0"/>
                           </a:rPr>
                         </m:ctrlPr>
@@ -6149,6 +7394,9 @@
                           <m:sSubPr>
                             <m:ctrlPr>
                               <a:rPr lang="en-GB" b="1" i="1">
+                                <a:solidFill>
+                                  <a:schemeClr val="accent4"/>
+                                </a:solidFill>
                                 <a:latin typeface="Cambria Math" panose="02040503050406030204" pitchFamily="18" charset="0"/>
                               </a:rPr>
                             </m:ctrlPr>
@@ -6156,6 +7404,9 @@
                           <m:e>
                             <m:r>
                               <a:rPr lang="en-GB" b="1">
+                                <a:solidFill>
+                                  <a:schemeClr val="accent4"/>
+                                </a:solidFill>
                                 <a:latin typeface="Cambria Math" panose="02040503050406030204" pitchFamily="18" charset="0"/>
                               </a:rPr>
                               <m:t>𝐯</m:t>
@@ -6164,6 +7415,9 @@
                           <m:sub>
                             <m:r>
                               <a:rPr lang="en-GB">
+                                <a:solidFill>
+                                  <a:schemeClr val="accent4"/>
+                                </a:solidFill>
                                 <a:latin typeface="Cambria Math" panose="02040503050406030204" pitchFamily="18" charset="0"/>
                               </a:rPr>
                               <m:t>1</m:t>
@@ -6172,6 +7426,9 @@
                         </m:sSub>
                         <m:r>
                           <a:rPr lang="en-GB" b="1" i="1">
+                            <a:solidFill>
+                              <a:schemeClr val="accent4"/>
+                            </a:solidFill>
                             <a:latin typeface="Cambria Math" panose="02040503050406030204" pitchFamily="18" charset="0"/>
                           </a:rPr>
                           <m:t>⋅</m:t>
@@ -6180,6 +7437,9 @@
                           <m:sSubPr>
                             <m:ctrlPr>
                               <a:rPr lang="en-GB" b="1" i="1">
+                                <a:solidFill>
+                                  <a:schemeClr val="accent4"/>
+                                </a:solidFill>
                                 <a:latin typeface="Cambria Math" panose="02040503050406030204" pitchFamily="18" charset="0"/>
                               </a:rPr>
                             </m:ctrlPr>
@@ -6187,6 +7447,9 @@
                           <m:e>
                             <m:r>
                               <a:rPr lang="en-GB" b="1">
+                                <a:solidFill>
+                                  <a:schemeClr val="accent4"/>
+                                </a:solidFill>
                                 <a:latin typeface="Cambria Math" panose="02040503050406030204" pitchFamily="18" charset="0"/>
                               </a:rPr>
                               <m:t>𝐯</m:t>
@@ -6195,6 +7458,9 @@
                           <m:sub>
                             <m:r>
                               <a:rPr lang="en-GB">
+                                <a:solidFill>
+                                  <a:schemeClr val="accent4"/>
+                                </a:solidFill>
                                 <a:latin typeface="Cambria Math" panose="02040503050406030204" pitchFamily="18" charset="0"/>
                               </a:rPr>
                               <m:t>2</m:t>
@@ -6209,6 +7475,9 @@
                             <m:endChr m:val="‖"/>
                             <m:ctrlPr>
                               <a:rPr lang="en-GB" b="1" i="1">
+                                <a:solidFill>
+                                  <a:schemeClr val="accent4"/>
+                                </a:solidFill>
                                 <a:latin typeface="Cambria Math" panose="02040503050406030204" pitchFamily="18" charset="0"/>
                               </a:rPr>
                             </m:ctrlPr>
@@ -6218,6 +7487,9 @@
                               <m:sSubPr>
                                 <m:ctrlPr>
                                   <a:rPr lang="en-GB" b="1" i="1">
+                                    <a:solidFill>
+                                      <a:schemeClr val="accent4"/>
+                                    </a:solidFill>
                                     <a:latin typeface="Cambria Math" panose="02040503050406030204" pitchFamily="18" charset="0"/>
                                   </a:rPr>
                                 </m:ctrlPr>
@@ -6225,6 +7497,9 @@
                               <m:e>
                                 <m:r>
                                   <a:rPr lang="en-GB" b="1">
+                                    <a:solidFill>
+                                      <a:schemeClr val="accent4"/>
+                                    </a:solidFill>
                                     <a:latin typeface="Cambria Math" panose="02040503050406030204" pitchFamily="18" charset="0"/>
                                   </a:rPr>
                                   <m:t>𝐯</m:t>
@@ -6233,6 +7508,9 @@
                               <m:sub>
                                 <m:r>
                                   <a:rPr lang="en-GB">
+                                    <a:solidFill>
+                                      <a:schemeClr val="accent4"/>
+                                    </a:solidFill>
                                     <a:latin typeface="Cambria Math" panose="02040503050406030204" pitchFamily="18" charset="0"/>
                                   </a:rPr>
                                   <m:t>2</m:t>
@@ -6284,7 +7562,7 @@
                 </a14:m>
                 <a:r>
                   <a:rPr lang="en-GB" dirty="0"/>
-                  <a:t> is a </a:t>
+                  <a:t> is a</a:t>
                 </a:r>
                 <a:r>
                   <a:rPr lang="en-GB" dirty="0">
@@ -6292,11 +7570,11 @@
                       <a:schemeClr val="accent4"/>
                     </a:solidFill>
                   </a:rPr>
-                  <a:t>unit vector </a:t>
+                  <a:t> unit vector</a:t>
                 </a:r>
                 <a:r>
                   <a:rPr lang="en-GB" dirty="0"/>
-                  <a:t>(so </a:t>
+                  <a:t> (so </a:t>
                 </a:r>
                 <a14:m>
                   <m:oMath xmlns:m="http://schemas.openxmlformats.org/officeDocument/2006/math">
@@ -6449,7 +7727,7 @@
             </p:txBody>
           </p:sp>
         </mc:Choice>
-        <mc:Fallback>
+        <mc:Fallback xmlns="">
           <p:sp>
             <p:nvSpPr>
               <p:cNvPr id="3" name="Content Placeholder 2">
@@ -6470,7 +7748,7 @@
               <a:blipFill>
                 <a:blip r:embed="rId3"/>
                 <a:stretch>
-                  <a:fillRect l="-1059" t="-1733"/>
+                  <a:fillRect l="-1059" t="-800"/>
                 </a:stretch>
               </a:blipFill>
             </p:spPr>
@@ -6509,8 +7787,8 @@
             <a:chExt cx="1550650" cy="1237415"/>
           </a:xfrm>
         </p:grpSpPr>
-        <mc:AlternateContent xmlns:mc="http://schemas.openxmlformats.org/markup-compatibility/2006">
-          <mc:Choice xmlns:a14="http://schemas.microsoft.com/office/drawing/2010/main" Requires="a14">
+        <mc:AlternateContent xmlns:mc="http://schemas.openxmlformats.org/markup-compatibility/2006" xmlns:a14="http://schemas.microsoft.com/office/drawing/2010/main">
+          <mc:Choice Requires="a14">
             <p:sp>
               <p:nvSpPr>
                 <p:cNvPr id="8" name="TextBox 7">
@@ -6563,7 +7841,7 @@
               </p:txBody>
             </p:sp>
           </mc:Choice>
-          <mc:Fallback>
+          <mc:Fallback xmlns="">
             <p:sp>
               <p:nvSpPr>
                 <p:cNvPr id="8" name="TextBox 7">
@@ -6663,7 +7941,7 @@
       </p:grpSp>
       <p:grpSp>
         <p:nvGrpSpPr>
-          <p:cNvPr id="21" name="Group 20">
+          <p:cNvPr id="21" name="Group 20" descr="Image of a vector projection and the Dot product.">
             <a:extLst>
               <a:ext uri="{FF2B5EF4-FFF2-40B4-BE49-F238E27FC236}">
                 <a16:creationId xmlns:a16="http://schemas.microsoft.com/office/drawing/2014/main" id="{9E741A7D-A8EE-444D-9BB7-F2F9325A005E}"/>
@@ -6687,6 +7965,9 @@
               <a:extLst>
                 <a:ext uri="{FF2B5EF4-FFF2-40B4-BE49-F238E27FC236}">
                   <a16:creationId xmlns:a16="http://schemas.microsoft.com/office/drawing/2014/main" id="{2D158D61-57FE-41A1-AAFA-FB238A68A5C9}"/>
+                </a:ext>
+                <a:ext uri="{C183D7F6-B498-43B3-948B-1728B52AA6E4}">
+                  <adec:decorative xmlns:adec="http://schemas.microsoft.com/office/drawing/2017/decorative" val="1"/>
                 </a:ext>
               </a:extLst>
             </p:cNvPr>
@@ -6723,50 +8004,6 @@
             </a:fontRef>
           </p:style>
         </p:cxnSp>
-        <p:cxnSp>
-          <p:nvCxnSpPr>
-            <p:cNvPr id="6" name="Straight Arrow Connector 5">
-              <a:extLst>
-                <a:ext uri="{FF2B5EF4-FFF2-40B4-BE49-F238E27FC236}">
-                  <a16:creationId xmlns:a16="http://schemas.microsoft.com/office/drawing/2014/main" id="{E5492940-1EAE-4C15-895A-960EB53B6790}"/>
-                </a:ext>
-              </a:extLst>
-            </p:cNvPr>
-            <p:cNvCxnSpPr>
-              <a:cxnSpLocks/>
-            </p:cNvCxnSpPr>
-            <p:nvPr/>
-          </p:nvCxnSpPr>
-          <p:spPr>
-            <a:xfrm flipV="1">
-              <a:off x="7987075" y="4940281"/>
-              <a:ext cx="3714774" cy="563419"/>
-            </a:xfrm>
-            <a:prstGeom prst="straightConnector1">
-              <a:avLst/>
-            </a:prstGeom>
-            <a:ln w="76200">
-              <a:solidFill>
-                <a:schemeClr val="accent4"/>
-              </a:solidFill>
-              <a:tailEnd type="triangle" w="lg" len="lg"/>
-            </a:ln>
-          </p:spPr>
-          <p:style>
-            <a:lnRef idx="1">
-              <a:schemeClr val="accent1"/>
-            </a:lnRef>
-            <a:fillRef idx="0">
-              <a:schemeClr val="accent1"/>
-            </a:fillRef>
-            <a:effectRef idx="0">
-              <a:schemeClr val="accent1"/>
-            </a:effectRef>
-            <a:fontRef idx="minor">
-              <a:schemeClr val="tx1"/>
-            </a:fontRef>
-          </p:style>
-        </p:cxnSp>
         <mc:AlternateContent xmlns:mc="http://schemas.openxmlformats.org/markup-compatibility/2006">
           <mc:Choice xmlns:a14="http://schemas.microsoft.com/office/drawing/2010/main" Requires="a14">
             <p:sp>
@@ -6775,6 +8012,9 @@
                   <a:extLst>
                     <a:ext uri="{FF2B5EF4-FFF2-40B4-BE49-F238E27FC236}">
                       <a16:creationId xmlns:a16="http://schemas.microsoft.com/office/drawing/2014/main" id="{93E04B15-F564-4666-A35C-F6B732073700}"/>
+                    </a:ext>
+                    <a:ext uri="{C183D7F6-B498-43B3-948B-1728B52AA6E4}">
+                      <adec:decorative xmlns:adec="http://schemas.microsoft.com/office/drawing/2017/decorative" val="1"/>
                     </a:ext>
                   </a:extLst>
                 </p:cNvPr>
@@ -6858,6 +8098,9 @@
                     <a:ext uri="{FF2B5EF4-FFF2-40B4-BE49-F238E27FC236}">
                       <a16:creationId xmlns:a16="http://schemas.microsoft.com/office/drawing/2014/main" id="{93E04B15-F564-4666-A35C-F6B732073700}"/>
                     </a:ext>
+                    <a:ext uri="{C183D7F6-B498-43B3-948B-1728B52AA6E4}">
+                      <adec:decorative xmlns:adec="http://schemas.microsoft.com/office/drawing/2017/decorative" val="1"/>
+                    </a:ext>
                   </a:extLst>
                 </p:cNvPr>
                 <p:cNvSpPr txBox="1">
@@ -6895,8 +8138,8 @@
             </p:sp>
           </mc:Fallback>
         </mc:AlternateContent>
-        <mc:AlternateContent xmlns:mc="http://schemas.openxmlformats.org/markup-compatibility/2006">
-          <mc:Choice xmlns:a14="http://schemas.microsoft.com/office/drawing/2010/main" Requires="a14">
+        <mc:AlternateContent xmlns:mc="http://schemas.openxmlformats.org/markup-compatibility/2006" xmlns:a14="http://schemas.microsoft.com/office/drawing/2010/main">
+          <mc:Choice Requires="a14">
             <p:sp>
               <p:nvSpPr>
                 <p:cNvPr id="10" name="TextBox 9">
@@ -6978,7 +8221,7 @@
               </p:txBody>
             </p:sp>
           </mc:Choice>
-          <mc:Fallback>
+          <mc:Fallback xmlns="">
             <p:sp>
               <p:nvSpPr>
                 <p:cNvPr id="10" name="TextBox 9">
@@ -7023,33 +8266,12 @@
             </p:sp>
           </mc:Fallback>
         </mc:AlternateContent>
-      </p:grpSp>
-      <p:grpSp>
-        <p:nvGrpSpPr>
-          <p:cNvPr id="20" name="Group 19">
-            <a:extLst>
-              <a:ext uri="{FF2B5EF4-FFF2-40B4-BE49-F238E27FC236}">
-                <a16:creationId xmlns:a16="http://schemas.microsoft.com/office/drawing/2014/main" id="{32F21D44-078D-45D2-868B-DCD1B3934EA6}"/>
-              </a:ext>
-            </a:extLst>
-          </p:cNvPr>
-          <p:cNvGrpSpPr/>
-          <p:nvPr/>
-        </p:nvGrpSpPr>
-        <p:grpSpPr>
-          <a:xfrm>
-            <a:off x="8002054" y="3249827"/>
-            <a:ext cx="2361349" cy="2575654"/>
-            <a:chOff x="8002054" y="3249827"/>
-            <a:chExt cx="2361349" cy="2575654"/>
-          </a:xfrm>
-        </p:grpSpPr>
         <p:cxnSp>
           <p:nvCxnSpPr>
-            <p:cNvPr id="12" name="Straight Connector 11">
+            <p:cNvPr id="6" name="Straight Arrow Connector 5">
               <a:extLst>
                 <a:ext uri="{FF2B5EF4-FFF2-40B4-BE49-F238E27FC236}">
-                  <a16:creationId xmlns:a16="http://schemas.microsoft.com/office/drawing/2014/main" id="{3FB61863-267F-43A9-ADDD-CA5A25F0A3DD}"/>
+                  <a16:creationId xmlns:a16="http://schemas.microsoft.com/office/drawing/2014/main" id="{E5492940-1EAE-4C15-895A-960EB53B6790}"/>
                 </a:ext>
               </a:extLst>
             </p:cNvPr>
@@ -7059,18 +8281,18 @@
             <p:nvPr/>
           </p:nvCxnSpPr>
           <p:spPr>
-            <a:xfrm>
-              <a:off x="9910119" y="3249827"/>
-              <a:ext cx="355079" cy="1908411"/>
+            <a:xfrm flipV="1">
+              <a:off x="7987075" y="4940281"/>
+              <a:ext cx="3714774" cy="563419"/>
             </a:xfrm>
-            <a:prstGeom prst="line">
+            <a:prstGeom prst="straightConnector1">
               <a:avLst/>
             </a:prstGeom>
-            <a:ln w="19050">
+            <a:ln w="76200">
               <a:solidFill>
-                <a:schemeClr val="accent3"/>
+                <a:schemeClr val="accent4"/>
               </a:solidFill>
-              <a:prstDash val="lgDash"/>
+              <a:tailEnd type="triangle" w="lg" len="lg"/>
             </a:ln>
           </p:spPr>
           <p:style>
@@ -7088,6 +8310,30 @@
             </a:fontRef>
           </p:style>
         </p:cxnSp>
+      </p:grpSp>
+      <p:grpSp>
+        <p:nvGrpSpPr>
+          <p:cNvPr id="20" name="Group 19">
+            <a:extLst>
+              <a:ext uri="{FF2B5EF4-FFF2-40B4-BE49-F238E27FC236}">
+                <a16:creationId xmlns:a16="http://schemas.microsoft.com/office/drawing/2014/main" id="{32F21D44-078D-45D2-868B-DCD1B3934EA6}"/>
+              </a:ext>
+              <a:ext uri="{C183D7F6-B498-43B3-948B-1728B52AA6E4}">
+                <adec:decorative xmlns:adec="http://schemas.microsoft.com/office/drawing/2017/decorative" val="1"/>
+              </a:ext>
+            </a:extLst>
+          </p:cNvPr>
+          <p:cNvGrpSpPr/>
+          <p:nvPr/>
+        </p:nvGrpSpPr>
+        <p:grpSpPr>
+          <a:xfrm>
+            <a:off x="8002054" y="3238252"/>
+            <a:ext cx="2361349" cy="2587229"/>
+            <a:chOff x="8002054" y="3238252"/>
+            <a:chExt cx="2361349" cy="2587229"/>
+          </a:xfrm>
+        </p:grpSpPr>
         <p:sp>
           <p:nvSpPr>
             <p:cNvPr id="14" name="Rectangle 13">
@@ -7101,8 +8347,8 @@
             <p:nvPr/>
           </p:nvSpPr>
           <p:spPr>
-            <a:xfrm rot="20908980">
-              <a:off x="10053411" y="4959101"/>
+            <a:xfrm rot="20978247">
+              <a:off x="10076561" y="4959101"/>
               <a:ext cx="195644" cy="181432"/>
             </a:xfrm>
             <a:prstGeom prst="rect">
@@ -7142,6 +8388,50 @@
             </a:p>
           </p:txBody>
         </p:sp>
+        <p:cxnSp>
+          <p:nvCxnSpPr>
+            <p:cNvPr id="12" name="Straight Connector 11">
+              <a:extLst>
+                <a:ext uri="{FF2B5EF4-FFF2-40B4-BE49-F238E27FC236}">
+                  <a16:creationId xmlns:a16="http://schemas.microsoft.com/office/drawing/2014/main" id="{3FB61863-267F-43A9-ADDD-CA5A25F0A3DD}"/>
+                </a:ext>
+              </a:extLst>
+            </p:cNvPr>
+            <p:cNvCxnSpPr>
+              <a:cxnSpLocks/>
+            </p:cNvCxnSpPr>
+            <p:nvPr/>
+          </p:nvCxnSpPr>
+          <p:spPr>
+            <a:xfrm>
+              <a:off x="9933269" y="3238252"/>
+              <a:ext cx="355079" cy="1908411"/>
+            </a:xfrm>
+            <a:prstGeom prst="line">
+              <a:avLst/>
+            </a:prstGeom>
+            <a:ln w="19050">
+              <a:solidFill>
+                <a:schemeClr val="accent3"/>
+              </a:solidFill>
+              <a:prstDash val="lgDash"/>
+            </a:ln>
+          </p:spPr>
+          <p:style>
+            <a:lnRef idx="1">
+              <a:schemeClr val="accent1"/>
+            </a:lnRef>
+            <a:fillRef idx="0">
+              <a:schemeClr val="accent1"/>
+            </a:fillRef>
+            <a:effectRef idx="0">
+              <a:schemeClr val="accent1"/>
+            </a:effectRef>
+            <a:fontRef idx="minor">
+              <a:schemeClr val="tx1"/>
+            </a:fontRef>
+          </p:style>
+        </p:cxnSp>
         <p:sp>
           <p:nvSpPr>
             <p:cNvPr id="19" name="Left Brace 18">
@@ -7195,10 +8485,2687 @@
           </p:txBody>
         </p:sp>
       </p:grpSp>
+      <p:grpSp>
+        <p:nvGrpSpPr>
+          <p:cNvPr id="4" name="Group 3">
+            <a:extLst>
+              <a:ext uri="{FF2B5EF4-FFF2-40B4-BE49-F238E27FC236}">
+                <a16:creationId xmlns:a16="http://schemas.microsoft.com/office/drawing/2014/main" id="{26B3E401-0DFC-46BA-AADC-EB8E73ED0EC6}"/>
+              </a:ext>
+              <a:ext uri="{C183D7F6-B498-43B3-948B-1728B52AA6E4}">
+                <adec:decorative xmlns:adec="http://schemas.microsoft.com/office/drawing/2017/decorative" val="1"/>
+              </a:ext>
+            </a:extLst>
+          </p:cNvPr>
+          <p:cNvGrpSpPr/>
+          <p:nvPr/>
+        </p:nvGrpSpPr>
+        <p:grpSpPr>
+          <a:xfrm>
+            <a:off x="7892777" y="2702722"/>
+            <a:ext cx="1056334" cy="2923711"/>
+            <a:chOff x="7892777" y="2702722"/>
+            <a:chExt cx="1056334" cy="2923711"/>
+          </a:xfrm>
+        </p:grpSpPr>
+        <mc:AlternateContent xmlns:mc="http://schemas.openxmlformats.org/markup-compatibility/2006" xmlns:a14="http://schemas.microsoft.com/office/drawing/2010/main">
+          <mc:Choice Requires="a14">
+            <p:sp>
+              <p:nvSpPr>
+                <p:cNvPr id="16" name="TextBox 15">
+                  <a:extLst>
+                    <a:ext uri="{FF2B5EF4-FFF2-40B4-BE49-F238E27FC236}">
+                      <a16:creationId xmlns:a16="http://schemas.microsoft.com/office/drawing/2014/main" id="{92AB4C95-C176-4FF6-9A1B-DA03A848B1A2}"/>
+                    </a:ext>
+                  </a:extLst>
+                </p:cNvPr>
+                <p:cNvSpPr txBox="1"/>
+                <p:nvPr/>
+              </p:nvSpPr>
+              <p:spPr>
+                <a:xfrm>
+                  <a:off x="7892777" y="3508433"/>
+                  <a:ext cx="993990" cy="523220"/>
+                </a:xfrm>
+                <a:prstGeom prst="rect">
+                  <a:avLst/>
+                </a:prstGeom>
+                <a:noFill/>
+              </p:spPr>
+              <p:txBody>
+                <a:bodyPr wrap="square" rtlCol="0">
+                  <a:spAutoFit/>
+                </a:bodyPr>
+                <a:lstStyle/>
+                <a:p>
+                  <a:pPr/>
+                  <a14:m>
+                    <m:oMathPara xmlns:m="http://schemas.openxmlformats.org/officeDocument/2006/math">
+                      <m:oMathParaPr>
+                        <m:jc m:val="centerGroup"/>
+                      </m:oMathParaPr>
+                      <m:oMath xmlns:m="http://schemas.openxmlformats.org/officeDocument/2006/math">
+                        <m:d>
+                          <m:dPr>
+                            <m:begChr m:val="‖"/>
+                            <m:endChr m:val="‖"/>
+                            <m:ctrlPr>
+                              <a:rPr lang="en-GB" sz="2800" i="1" smtClean="0">
+                                <a:solidFill>
+                                  <a:schemeClr val="accent5">
+                                    <a:lumMod val="60000"/>
+                                    <a:lumOff val="40000"/>
+                                  </a:schemeClr>
+                                </a:solidFill>
+                                <a:latin typeface="Cambria Math" panose="02040503050406030204" pitchFamily="18" charset="0"/>
+                              </a:rPr>
+                            </m:ctrlPr>
+                          </m:dPr>
+                          <m:e>
+                            <m:sSub>
+                              <m:sSubPr>
+                                <m:ctrlPr>
+                                  <a:rPr lang="en-GB" sz="2800" b="1" i="1">
+                                    <a:solidFill>
+                                      <a:schemeClr val="accent5">
+                                        <a:lumMod val="60000"/>
+                                        <a:lumOff val="40000"/>
+                                      </a:schemeClr>
+                                    </a:solidFill>
+                                    <a:latin typeface="Cambria Math" panose="02040503050406030204" pitchFamily="18" charset="0"/>
+                                  </a:rPr>
+                                </m:ctrlPr>
+                              </m:sSubPr>
+                              <m:e>
+                                <m:r>
+                                  <a:rPr lang="en-GB" sz="2800" b="1">
+                                    <a:solidFill>
+                                      <a:schemeClr val="accent5">
+                                        <a:lumMod val="60000"/>
+                                        <a:lumOff val="40000"/>
+                                      </a:schemeClr>
+                                    </a:solidFill>
+                                    <a:latin typeface="Cambria Math" panose="02040503050406030204" pitchFamily="18" charset="0"/>
+                                  </a:rPr>
+                                  <m:t>𝐯</m:t>
+                                </m:r>
+                              </m:e>
+                              <m:sub>
+                                <m:r>
+                                  <a:rPr lang="en-GB" sz="2800" i="1">
+                                    <a:solidFill>
+                                      <a:schemeClr val="accent5">
+                                        <a:lumMod val="60000"/>
+                                        <a:lumOff val="40000"/>
+                                      </a:schemeClr>
+                                    </a:solidFill>
+                                    <a:latin typeface="Cambria Math" panose="02040503050406030204" pitchFamily="18" charset="0"/>
+                                  </a:rPr>
+                                  <m:t>1</m:t>
+                                </m:r>
+                              </m:sub>
+                            </m:sSub>
+                          </m:e>
+                        </m:d>
+                      </m:oMath>
+                    </m:oMathPara>
+                  </a14:m>
+                  <a:endParaRPr lang="en-GB" sz="2800" dirty="0">
+                    <a:solidFill>
+                      <a:schemeClr val="accent4"/>
+                    </a:solidFill>
+                  </a:endParaRPr>
+                </a:p>
+              </p:txBody>
+            </p:sp>
+          </mc:Choice>
+          <mc:Fallback xmlns="">
+            <p:sp>
+              <p:nvSpPr>
+                <p:cNvPr id="16" name="TextBox 15">
+                  <a:extLst>
+                    <a:ext uri="{FF2B5EF4-FFF2-40B4-BE49-F238E27FC236}">
+                      <a16:creationId xmlns:a16="http://schemas.microsoft.com/office/drawing/2014/main" id="{92AB4C95-C176-4FF6-9A1B-DA03A848B1A2}"/>
+                    </a:ext>
+                  </a:extLst>
+                </p:cNvPr>
+                <p:cNvSpPr txBox="1">
+                  <a:spLocks noRot="1" noChangeAspect="1" noMove="1" noResize="1" noEditPoints="1" noAdjustHandles="1" noChangeArrowheads="1" noChangeShapeType="1" noTextEdit="1"/>
+                </p:cNvSpPr>
+                <p:nvPr/>
+              </p:nvSpPr>
+              <p:spPr>
+                <a:xfrm>
+                  <a:off x="7892777" y="3508433"/>
+                  <a:ext cx="993990" cy="523220"/>
+                </a:xfrm>
+                <a:prstGeom prst="rect">
+                  <a:avLst/>
+                </a:prstGeom>
+                <a:blipFill>
+                  <a:blip r:embed="rId7"/>
+                  <a:stretch>
+                    <a:fillRect/>
+                  </a:stretch>
+                </a:blipFill>
+              </p:spPr>
+              <p:txBody>
+                <a:bodyPr/>
+                <a:lstStyle/>
+                <a:p>
+                  <a:r>
+                    <a:rPr lang="en-GB">
+                      <a:noFill/>
+                    </a:rPr>
+                    <a:t> </a:t>
+                  </a:r>
+                </a:p>
+              </p:txBody>
+            </p:sp>
+          </mc:Fallback>
+        </mc:AlternateContent>
+        <p:sp>
+          <p:nvSpPr>
+            <p:cNvPr id="17" name="Left Brace 16">
+              <a:extLst>
+                <a:ext uri="{FF2B5EF4-FFF2-40B4-BE49-F238E27FC236}">
+                  <a16:creationId xmlns:a16="http://schemas.microsoft.com/office/drawing/2014/main" id="{A3A1B059-F6D1-4E6B-8BE3-0669E971E31F}"/>
+                </a:ext>
+                <a:ext uri="{C183D7F6-B498-43B3-948B-1728B52AA6E4}">
+                  <adec:decorative xmlns:adec="http://schemas.microsoft.com/office/drawing/2017/decorative" val="1"/>
+                </a:ext>
+              </a:extLst>
+            </p:cNvPr>
+            <p:cNvSpPr/>
+            <p:nvPr/>
+          </p:nvSpPr>
+          <p:spPr>
+            <a:xfrm rot="2518117">
+              <a:off x="8565558" y="2702722"/>
+              <a:ext cx="383553" cy="2923711"/>
+            </a:xfrm>
+            <a:prstGeom prst="leftBrace">
+              <a:avLst>
+                <a:gd name="adj1" fmla="val 63936"/>
+                <a:gd name="adj2" fmla="val 50000"/>
+              </a:avLst>
+            </a:prstGeom>
+            <a:ln w="19050">
+              <a:solidFill>
+                <a:schemeClr val="accent5">
+                  <a:lumMod val="60000"/>
+                  <a:lumOff val="40000"/>
+                </a:schemeClr>
+              </a:solidFill>
+            </a:ln>
+          </p:spPr>
+          <p:style>
+            <a:lnRef idx="1">
+              <a:schemeClr val="accent1"/>
+            </a:lnRef>
+            <a:fillRef idx="0">
+              <a:schemeClr val="accent1"/>
+            </a:fillRef>
+            <a:effectRef idx="0">
+              <a:schemeClr val="accent1"/>
+            </a:effectRef>
+            <a:fontRef idx="minor">
+              <a:schemeClr val="tx1"/>
+            </a:fontRef>
+          </p:style>
+          <p:txBody>
+            <a:bodyPr rtlCol="0" anchor="ctr"/>
+            <a:lstStyle/>
+            <a:p>
+              <a:pPr algn="ctr"/>
+              <a:endParaRPr lang="en-GB">
+                <a:solidFill>
+                  <a:schemeClr val="accent5">
+                    <a:lumMod val="60000"/>
+                    <a:lumOff val="40000"/>
+                  </a:schemeClr>
+                </a:solidFill>
+              </a:endParaRPr>
+            </a:p>
+          </p:txBody>
+        </p:sp>
+      </p:grpSp>
+      <mc:AlternateContent xmlns:mc="http://schemas.openxmlformats.org/markup-compatibility/2006" xmlns:a14="http://schemas.microsoft.com/office/drawing/2010/main">
+        <mc:Choice Requires="a14">
+          <p:sp>
+            <p:nvSpPr>
+              <p:cNvPr id="23" name="TextBox 22">
+                <a:extLst>
+                  <a:ext uri="{FF2B5EF4-FFF2-40B4-BE49-F238E27FC236}">
+                    <a16:creationId xmlns:a16="http://schemas.microsoft.com/office/drawing/2014/main" id="{95AEE620-61AB-4CDA-99EC-69C01A7B42A3}"/>
+                  </a:ext>
+                </a:extLst>
+              </p:cNvPr>
+              <p:cNvSpPr txBox="1"/>
+              <p:nvPr/>
+            </p:nvSpPr>
+            <p:spPr>
+              <a:xfrm>
+                <a:off x="8726033" y="5808314"/>
+                <a:ext cx="993990" cy="523220"/>
+              </a:xfrm>
+              <a:prstGeom prst="rect">
+                <a:avLst/>
+              </a:prstGeom>
+              <a:noFill/>
+            </p:spPr>
+            <p:txBody>
+              <a:bodyPr wrap="square" rtlCol="0">
+                <a:spAutoFit/>
+              </a:bodyPr>
+              <a:lstStyle/>
+              <a:p>
+                <a:pPr/>
+                <a14:m>
+                  <m:oMathPara xmlns:m="http://schemas.openxmlformats.org/officeDocument/2006/math">
+                    <m:oMathParaPr>
+                      <m:jc m:val="centerGroup"/>
+                    </m:oMathParaPr>
+                    <m:oMath xmlns:m="http://schemas.openxmlformats.org/officeDocument/2006/math">
+                      <m:r>
+                        <a:rPr lang="en-GB" sz="2800" b="0" i="1" smtClean="0">
+                          <a:solidFill>
+                            <a:schemeClr val="accent4">
+                              <a:lumMod val="20000"/>
+                              <a:lumOff val="80000"/>
+                            </a:schemeClr>
+                          </a:solidFill>
+                          <a:latin typeface="Cambria Math" panose="02040503050406030204" pitchFamily="18" charset="0"/>
+                        </a:rPr>
+                        <m:t>?</m:t>
+                      </m:r>
+                    </m:oMath>
+                  </m:oMathPara>
+                </a14:m>
+                <a:endParaRPr lang="en-GB" sz="2800" dirty="0">
+                  <a:solidFill>
+                    <a:schemeClr val="accent4">
+                      <a:lumMod val="20000"/>
+                      <a:lumOff val="80000"/>
+                    </a:schemeClr>
+                  </a:solidFill>
+                </a:endParaRPr>
+              </a:p>
+            </p:txBody>
+          </p:sp>
+        </mc:Choice>
+        <mc:Fallback xmlns="">
+          <p:sp>
+            <p:nvSpPr>
+              <p:cNvPr id="23" name="TextBox 22">
+                <a:extLst>
+                  <a:ext uri="{FF2B5EF4-FFF2-40B4-BE49-F238E27FC236}">
+                    <a16:creationId xmlns:a16="http://schemas.microsoft.com/office/drawing/2014/main" id="{95AEE620-61AB-4CDA-99EC-69C01A7B42A3}"/>
+                  </a:ext>
+                </a:extLst>
+              </p:cNvPr>
+              <p:cNvSpPr txBox="1">
+                <a:spLocks noRot="1" noChangeAspect="1" noMove="1" noResize="1" noEditPoints="1" noAdjustHandles="1" noChangeArrowheads="1" noChangeShapeType="1" noTextEdit="1"/>
+              </p:cNvSpPr>
+              <p:nvPr/>
+            </p:nvSpPr>
+            <p:spPr>
+              <a:xfrm>
+                <a:off x="8726033" y="5808314"/>
+                <a:ext cx="993990" cy="523220"/>
+              </a:xfrm>
+              <a:prstGeom prst="rect">
+                <a:avLst/>
+              </a:prstGeom>
+              <a:blipFill>
+                <a:blip r:embed="rId8"/>
+                <a:stretch>
+                  <a:fillRect/>
+                </a:stretch>
+              </a:blipFill>
+            </p:spPr>
+            <p:txBody>
+              <a:bodyPr/>
+              <a:lstStyle/>
+              <a:p>
+                <a:r>
+                  <a:rPr lang="en-GB">
+                    <a:noFill/>
+                  </a:rPr>
+                  <a:t> </a:t>
+                </a:r>
+              </a:p>
+            </p:txBody>
+          </p:sp>
+        </mc:Fallback>
+      </mc:AlternateContent>
     </p:spTree>
     <p:extLst>
       <p:ext uri="{BB962C8B-B14F-4D97-AF65-F5344CB8AC3E}">
         <p14:creationId xmlns:p14="http://schemas.microsoft.com/office/powerpoint/2010/main" val="3936620563"/>
+      </p:ext>
+    </p:extLst>
+  </p:cSld>
+  <p:clrMapOvr>
+    <a:masterClrMapping/>
+  </p:clrMapOvr>
+  <mc:AlternateContent xmlns:mc="http://schemas.openxmlformats.org/markup-compatibility/2006" xmlns:p14="http://schemas.microsoft.com/office/powerpoint/2010/main">
+    <mc:Choice Requires="p14">
+      <p:transition spd="med" p14:dur="700">
+        <p:fade/>
+      </p:transition>
+    </mc:Choice>
+    <mc:Fallback xmlns="">
+      <p:transition spd="med">
+        <p:fade/>
+      </p:transition>
+    </mc:Fallback>
+  </mc:AlternateContent>
+  <p:timing>
+    <p:tnLst>
+      <p:par>
+        <p:cTn id="1" dur="indefinite" restart="never" nodeType="tmRoot">
+          <p:childTnLst>
+            <p:seq concurrent="1" nextAc="seek">
+              <p:cTn id="2" dur="indefinite" nodeType="mainSeq">
+                <p:childTnLst>
+                  <p:par>
+                    <p:cTn id="3" fill="hold">
+                      <p:stCondLst>
+                        <p:cond delay="indefinite"/>
+                      </p:stCondLst>
+                      <p:childTnLst>
+                        <p:par>
+                          <p:cTn id="4" fill="hold">
+                            <p:stCondLst>
+                              <p:cond delay="0"/>
+                            </p:stCondLst>
+                            <p:childTnLst>
+                              <p:par>
+                                <p:cTn id="5" presetID="45" presetClass="entr" presetSubtype="0" fill="hold" grpId="0" nodeType="clickEffect">
+                                  <p:stCondLst>
+                                    <p:cond delay="0"/>
+                                  </p:stCondLst>
+                                  <p:childTnLst>
+                                    <p:set>
+                                      <p:cBhvr>
+                                        <p:cTn id="6" dur="1" fill="hold">
+                                          <p:stCondLst>
+                                            <p:cond delay="0"/>
+                                          </p:stCondLst>
+                                        </p:cTn>
+                                        <p:tgtEl>
+                                          <p:spTgt spid="23"/>
+                                        </p:tgtEl>
+                                        <p:attrNameLst>
+                                          <p:attrName>style.visibility</p:attrName>
+                                        </p:attrNameLst>
+                                      </p:cBhvr>
+                                      <p:to>
+                                        <p:strVal val="visible"/>
+                                      </p:to>
+                                    </p:set>
+                                    <p:animEffect transition="in" filter="fade">
+                                      <p:cBhvr>
+                                        <p:cTn id="7" dur="500"/>
+                                        <p:tgtEl>
+                                          <p:spTgt spid="23"/>
+                                        </p:tgtEl>
+                                      </p:cBhvr>
+                                    </p:animEffect>
+                                    <p:anim calcmode="lin" valueType="num">
+                                      <p:cBhvr>
+                                        <p:cTn id="8" dur="500" fill="hold"/>
+                                        <p:tgtEl>
+                                          <p:spTgt spid="23"/>
+                                        </p:tgtEl>
+                                        <p:attrNameLst>
+                                          <p:attrName>ppt_w</p:attrName>
+                                        </p:attrNameLst>
+                                      </p:cBhvr>
+                                      <p:tavLst>
+                                        <p:tav tm="0" fmla="#ppt_w*sin(2.5*pi*$)">
+                                          <p:val>
+                                            <p:fltVal val="0"/>
+                                          </p:val>
+                                        </p:tav>
+                                        <p:tav tm="100000">
+                                          <p:val>
+                                            <p:fltVal val="1"/>
+                                          </p:val>
+                                        </p:tav>
+                                      </p:tavLst>
+                                    </p:anim>
+                                    <p:anim calcmode="lin" valueType="num">
+                                      <p:cBhvr>
+                                        <p:cTn id="9" dur="500" fill="hold"/>
+                                        <p:tgtEl>
+                                          <p:spTgt spid="23"/>
+                                        </p:tgtEl>
+                                        <p:attrNameLst>
+                                          <p:attrName>ppt_h</p:attrName>
+                                        </p:attrNameLst>
+                                      </p:cBhvr>
+                                      <p:tavLst>
+                                        <p:tav tm="0">
+                                          <p:val>
+                                            <p:strVal val="#ppt_h"/>
+                                          </p:val>
+                                        </p:tav>
+                                        <p:tav tm="100000">
+                                          <p:val>
+                                            <p:strVal val="#ppt_h"/>
+                                          </p:val>
+                                        </p:tav>
+                                      </p:tavLst>
+                                    </p:anim>
+                                  </p:childTnLst>
+                                </p:cTn>
+                              </p:par>
+                            </p:childTnLst>
+                          </p:cTn>
+                        </p:par>
+                      </p:childTnLst>
+                    </p:cTn>
+                  </p:par>
+                  <p:par>
+                    <p:cTn id="10" fill="hold">
+                      <p:stCondLst>
+                        <p:cond delay="indefinite"/>
+                      </p:stCondLst>
+                      <p:childTnLst>
+                        <p:par>
+                          <p:cTn id="11" fill="hold">
+                            <p:stCondLst>
+                              <p:cond delay="0"/>
+                            </p:stCondLst>
+                            <p:childTnLst>
+                              <p:par>
+                                <p:cTn id="12" presetID="2" presetClass="entr" presetSubtype="1" fill="hold" nodeType="clickEffect">
+                                  <p:stCondLst>
+                                    <p:cond delay="0"/>
+                                  </p:stCondLst>
+                                  <p:childTnLst>
+                                    <p:set>
+                                      <p:cBhvr>
+                                        <p:cTn id="13" dur="1" fill="hold">
+                                          <p:stCondLst>
+                                            <p:cond delay="0"/>
+                                          </p:stCondLst>
+                                        </p:cTn>
+                                        <p:tgtEl>
+                                          <p:spTgt spid="4"/>
+                                        </p:tgtEl>
+                                        <p:attrNameLst>
+                                          <p:attrName>style.visibility</p:attrName>
+                                        </p:attrNameLst>
+                                      </p:cBhvr>
+                                      <p:to>
+                                        <p:strVal val="visible"/>
+                                      </p:to>
+                                    </p:set>
+                                    <p:anim calcmode="lin" valueType="num">
+                                      <p:cBhvr additive="base">
+                                        <p:cTn id="14" dur="500" fill="hold"/>
+                                        <p:tgtEl>
+                                          <p:spTgt spid="4"/>
+                                        </p:tgtEl>
+                                        <p:attrNameLst>
+                                          <p:attrName>ppt_x</p:attrName>
+                                        </p:attrNameLst>
+                                      </p:cBhvr>
+                                      <p:tavLst>
+                                        <p:tav tm="0">
+                                          <p:val>
+                                            <p:strVal val="#ppt_x"/>
+                                          </p:val>
+                                        </p:tav>
+                                        <p:tav tm="100000">
+                                          <p:val>
+                                            <p:strVal val="#ppt_x"/>
+                                          </p:val>
+                                        </p:tav>
+                                      </p:tavLst>
+                                    </p:anim>
+                                    <p:anim calcmode="lin" valueType="num">
+                                      <p:cBhvr additive="base">
+                                        <p:cTn id="15" dur="500" fill="hold"/>
+                                        <p:tgtEl>
+                                          <p:spTgt spid="4"/>
+                                        </p:tgtEl>
+                                        <p:attrNameLst>
+                                          <p:attrName>ppt_y</p:attrName>
+                                        </p:attrNameLst>
+                                      </p:cBhvr>
+                                      <p:tavLst>
+                                        <p:tav tm="0">
+                                          <p:val>
+                                            <p:strVal val="0-#ppt_h/2"/>
+                                          </p:val>
+                                        </p:tav>
+                                        <p:tav tm="100000">
+                                          <p:val>
+                                            <p:strVal val="#ppt_y"/>
+                                          </p:val>
+                                        </p:tav>
+                                      </p:tavLst>
+                                    </p:anim>
+                                  </p:childTnLst>
+                                </p:cTn>
+                              </p:par>
+                            </p:childTnLst>
+                          </p:cTn>
+                        </p:par>
+                      </p:childTnLst>
+                    </p:cTn>
+                  </p:par>
+                  <p:par>
+                    <p:cTn id="16" fill="hold">
+                      <p:stCondLst>
+                        <p:cond delay="indefinite"/>
+                      </p:stCondLst>
+                      <p:childTnLst>
+                        <p:par>
+                          <p:cTn id="17" fill="hold">
+                            <p:stCondLst>
+                              <p:cond delay="0"/>
+                            </p:stCondLst>
+                            <p:childTnLst>
+                              <p:par>
+                                <p:cTn id="18" presetID="10" presetClass="entr" presetSubtype="0" fill="hold" grpId="0" nodeType="clickEffect">
+                                  <p:stCondLst>
+                                    <p:cond delay="0"/>
+                                  </p:stCondLst>
+                                  <p:childTnLst>
+                                    <p:set>
+                                      <p:cBhvr>
+                                        <p:cTn id="19" dur="1" fill="hold">
+                                          <p:stCondLst>
+                                            <p:cond delay="0"/>
+                                          </p:stCondLst>
+                                        </p:cTn>
+                                        <p:tgtEl>
+                                          <p:spTgt spid="3">
+                                            <p:txEl>
+                                              <p:pRg st="0" end="0"/>
+                                            </p:txEl>
+                                          </p:spTgt>
+                                        </p:tgtEl>
+                                        <p:attrNameLst>
+                                          <p:attrName>style.visibility</p:attrName>
+                                        </p:attrNameLst>
+                                      </p:cBhvr>
+                                      <p:to>
+                                        <p:strVal val="visible"/>
+                                      </p:to>
+                                    </p:set>
+                                    <p:animEffect transition="in" filter="fade">
+                                      <p:cBhvr>
+                                        <p:cTn id="20" dur="500"/>
+                                        <p:tgtEl>
+                                          <p:spTgt spid="3">
+                                            <p:txEl>
+                                              <p:pRg st="0" end="0"/>
+                                            </p:txEl>
+                                          </p:spTgt>
+                                        </p:tgtEl>
+                                      </p:cBhvr>
+                                    </p:animEffect>
+                                  </p:childTnLst>
+                                </p:cTn>
+                              </p:par>
+                              <p:par>
+                                <p:cTn id="21" presetID="10" presetClass="entr" presetSubtype="0" fill="hold" nodeType="withEffect">
+                                  <p:stCondLst>
+                                    <p:cond delay="0"/>
+                                  </p:stCondLst>
+                                  <p:childTnLst>
+                                    <p:set>
+                                      <p:cBhvr>
+                                        <p:cTn id="22" dur="1" fill="hold">
+                                          <p:stCondLst>
+                                            <p:cond delay="0"/>
+                                          </p:stCondLst>
+                                        </p:cTn>
+                                        <p:tgtEl>
+                                          <p:spTgt spid="22"/>
+                                        </p:tgtEl>
+                                        <p:attrNameLst>
+                                          <p:attrName>style.visibility</p:attrName>
+                                        </p:attrNameLst>
+                                      </p:cBhvr>
+                                      <p:to>
+                                        <p:strVal val="visible"/>
+                                      </p:to>
+                                    </p:set>
+                                    <p:animEffect transition="in" filter="fade">
+                                      <p:cBhvr>
+                                        <p:cTn id="23" dur="500"/>
+                                        <p:tgtEl>
+                                          <p:spTgt spid="22"/>
+                                        </p:tgtEl>
+                                      </p:cBhvr>
+                                    </p:animEffect>
+                                  </p:childTnLst>
+                                </p:cTn>
+                              </p:par>
+                            </p:childTnLst>
+                          </p:cTn>
+                        </p:par>
+                      </p:childTnLst>
+                    </p:cTn>
+                  </p:par>
+                  <p:par>
+                    <p:cTn id="24" fill="hold">
+                      <p:stCondLst>
+                        <p:cond delay="indefinite"/>
+                      </p:stCondLst>
+                      <p:childTnLst>
+                        <p:par>
+                          <p:cTn id="25" fill="hold">
+                            <p:stCondLst>
+                              <p:cond delay="0"/>
+                            </p:stCondLst>
+                            <p:childTnLst>
+                              <p:par>
+                                <p:cTn id="26" presetID="10" presetClass="entr" presetSubtype="0" fill="hold" grpId="0" nodeType="clickEffect">
+                                  <p:stCondLst>
+                                    <p:cond delay="0"/>
+                                  </p:stCondLst>
+                                  <p:childTnLst>
+                                    <p:set>
+                                      <p:cBhvr>
+                                        <p:cTn id="27" dur="1" fill="hold">
+                                          <p:stCondLst>
+                                            <p:cond delay="0"/>
+                                          </p:stCondLst>
+                                        </p:cTn>
+                                        <p:tgtEl>
+                                          <p:spTgt spid="3">
+                                            <p:txEl>
+                                              <p:pRg st="1" end="1"/>
+                                            </p:txEl>
+                                          </p:spTgt>
+                                        </p:tgtEl>
+                                        <p:attrNameLst>
+                                          <p:attrName>style.visibility</p:attrName>
+                                        </p:attrNameLst>
+                                      </p:cBhvr>
+                                      <p:to>
+                                        <p:strVal val="visible"/>
+                                      </p:to>
+                                    </p:set>
+                                    <p:animEffect transition="in" filter="fade">
+                                      <p:cBhvr>
+                                        <p:cTn id="28" dur="500"/>
+                                        <p:tgtEl>
+                                          <p:spTgt spid="3">
+                                            <p:txEl>
+                                              <p:pRg st="1" end="1"/>
+                                            </p:txEl>
+                                          </p:spTgt>
+                                        </p:tgtEl>
+                                      </p:cBhvr>
+                                    </p:animEffect>
+                                  </p:childTnLst>
+                                </p:cTn>
+                              </p:par>
+                            </p:childTnLst>
+                          </p:cTn>
+                        </p:par>
+                      </p:childTnLst>
+                    </p:cTn>
+                  </p:par>
+                  <p:par>
+                    <p:cTn id="29" fill="hold">
+                      <p:stCondLst>
+                        <p:cond delay="indefinite"/>
+                      </p:stCondLst>
+                      <p:childTnLst>
+                        <p:par>
+                          <p:cTn id="30" fill="hold">
+                            <p:stCondLst>
+                              <p:cond delay="0"/>
+                            </p:stCondLst>
+                            <p:childTnLst>
+                              <p:par>
+                                <p:cTn id="31" presetID="10" presetClass="entr" presetSubtype="0" fill="hold" grpId="0" nodeType="clickEffect">
+                                  <p:stCondLst>
+                                    <p:cond delay="0"/>
+                                  </p:stCondLst>
+                                  <p:childTnLst>
+                                    <p:set>
+                                      <p:cBhvr>
+                                        <p:cTn id="32" dur="1" fill="hold">
+                                          <p:stCondLst>
+                                            <p:cond delay="0"/>
+                                          </p:stCondLst>
+                                        </p:cTn>
+                                        <p:tgtEl>
+                                          <p:spTgt spid="3">
+                                            <p:txEl>
+                                              <p:pRg st="2" end="2"/>
+                                            </p:txEl>
+                                          </p:spTgt>
+                                        </p:tgtEl>
+                                        <p:attrNameLst>
+                                          <p:attrName>style.visibility</p:attrName>
+                                        </p:attrNameLst>
+                                      </p:cBhvr>
+                                      <p:to>
+                                        <p:strVal val="visible"/>
+                                      </p:to>
+                                    </p:set>
+                                    <p:animEffect transition="in" filter="fade">
+                                      <p:cBhvr>
+                                        <p:cTn id="33" dur="500"/>
+                                        <p:tgtEl>
+                                          <p:spTgt spid="3">
+                                            <p:txEl>
+                                              <p:pRg st="2" end="2"/>
+                                            </p:txEl>
+                                          </p:spTgt>
+                                        </p:tgtEl>
+                                      </p:cBhvr>
+                                    </p:animEffect>
+                                  </p:childTnLst>
+                                </p:cTn>
+                              </p:par>
+                            </p:childTnLst>
+                          </p:cTn>
+                        </p:par>
+                      </p:childTnLst>
+                    </p:cTn>
+                  </p:par>
+                  <p:par>
+                    <p:cTn id="34" fill="hold">
+                      <p:stCondLst>
+                        <p:cond delay="indefinite"/>
+                      </p:stCondLst>
+                      <p:childTnLst>
+                        <p:par>
+                          <p:cTn id="35" fill="hold">
+                            <p:stCondLst>
+                              <p:cond delay="0"/>
+                            </p:stCondLst>
+                            <p:childTnLst>
+                              <p:par>
+                                <p:cTn id="36" presetID="10" presetClass="entr" presetSubtype="0" fill="hold" grpId="0" nodeType="clickEffect">
+                                  <p:stCondLst>
+                                    <p:cond delay="0"/>
+                                  </p:stCondLst>
+                                  <p:childTnLst>
+                                    <p:set>
+                                      <p:cBhvr>
+                                        <p:cTn id="37" dur="1" fill="hold">
+                                          <p:stCondLst>
+                                            <p:cond delay="0"/>
+                                          </p:stCondLst>
+                                        </p:cTn>
+                                        <p:tgtEl>
+                                          <p:spTgt spid="3">
+                                            <p:txEl>
+                                              <p:pRg st="3" end="3"/>
+                                            </p:txEl>
+                                          </p:spTgt>
+                                        </p:tgtEl>
+                                        <p:attrNameLst>
+                                          <p:attrName>style.visibility</p:attrName>
+                                        </p:attrNameLst>
+                                      </p:cBhvr>
+                                      <p:to>
+                                        <p:strVal val="visible"/>
+                                      </p:to>
+                                    </p:set>
+                                    <p:animEffect transition="in" filter="fade">
+                                      <p:cBhvr>
+                                        <p:cTn id="38" dur="500"/>
+                                        <p:tgtEl>
+                                          <p:spTgt spid="3">
+                                            <p:txEl>
+                                              <p:pRg st="3" end="3"/>
+                                            </p:txEl>
+                                          </p:spTgt>
+                                        </p:tgtEl>
+                                      </p:cBhvr>
+                                    </p:animEffect>
+                                  </p:childTnLst>
+                                </p:cTn>
+                              </p:par>
+                            </p:childTnLst>
+                          </p:cTn>
+                        </p:par>
+                      </p:childTnLst>
+                    </p:cTn>
+                  </p:par>
+                </p:childTnLst>
+              </p:cTn>
+              <p:prevCondLst>
+                <p:cond evt="onPrev" delay="0">
+                  <p:tgtEl>
+                    <p:sldTgt/>
+                  </p:tgtEl>
+                </p:cond>
+              </p:prevCondLst>
+              <p:nextCondLst>
+                <p:cond evt="onNext" delay="0">
+                  <p:tgtEl>
+                    <p:sldTgt/>
+                  </p:tgtEl>
+                </p:cond>
+              </p:nextCondLst>
+            </p:seq>
+          </p:childTnLst>
+        </p:cTn>
+      </p:par>
+    </p:tnLst>
+    <p:bldLst>
+      <p:bldP spid="3" grpId="0" uiExpand="1" build="p"/>
+      <p:bldP spid="23" grpId="0"/>
+    </p:bldLst>
+  </p:timing>
+</p:sld>
+</file>
+
+<file path=ppt/slides/slide12.xml><?xml version="1.0" encoding="utf-8"?>
+<p:sld xmlns:a="http://schemas.openxmlformats.org/drawingml/2006/main" xmlns:r="http://schemas.openxmlformats.org/officeDocument/2006/relationships" xmlns:p="http://schemas.openxmlformats.org/presentationml/2006/main">
+  <p:cSld>
+    <p:spTree>
+      <p:nvGrpSpPr>
+        <p:cNvPr id="1" name=""/>
+        <p:cNvGrpSpPr/>
+        <p:nvPr/>
+      </p:nvGrpSpPr>
+      <p:grpSpPr>
+        <a:xfrm>
+          <a:off x="0" y="0"/>
+          <a:ext cx="0" cy="0"/>
+          <a:chOff x="0" y="0"/>
+          <a:chExt cx="0" cy="0"/>
+        </a:xfrm>
+      </p:grpSpPr>
+      <p:sp>
+        <p:nvSpPr>
+          <p:cNvPr id="2" name="Title 1">
+            <a:extLst>
+              <a:ext uri="{FF2B5EF4-FFF2-40B4-BE49-F238E27FC236}">
+                <a16:creationId xmlns:a16="http://schemas.microsoft.com/office/drawing/2014/main" id="{B0B8CDBC-AB8C-4DA7-8840-519679F542F9}"/>
+              </a:ext>
+            </a:extLst>
+          </p:cNvPr>
+          <p:cNvSpPr>
+            <a:spLocks noGrp="1"/>
+          </p:cNvSpPr>
+          <p:nvPr>
+            <p:ph type="title"/>
+          </p:nvPr>
+        </p:nvSpPr>
+        <p:spPr/>
+        <p:txBody>
+          <a:bodyPr/>
+          <a:lstStyle/>
+          <a:p>
+            <a:r>
+              <a:rPr lang="en-GB" b="1" dirty="0"/>
+              <a:t>Unit vectors and normalisation</a:t>
+            </a:r>
+          </a:p>
+        </p:txBody>
+      </p:sp>
+      <mc:AlternateContent xmlns:mc="http://schemas.openxmlformats.org/markup-compatibility/2006" xmlns:a14="http://schemas.microsoft.com/office/drawing/2010/main">
+        <mc:Choice Requires="a14">
+          <p:sp>
+            <p:nvSpPr>
+              <p:cNvPr id="3" name="Content Placeholder 2">
+                <a:extLst>
+                  <a:ext uri="{FF2B5EF4-FFF2-40B4-BE49-F238E27FC236}">
+                    <a16:creationId xmlns:a16="http://schemas.microsoft.com/office/drawing/2014/main" id="{F3912CA7-22A6-438F-9E7C-0A5B9739AADA}"/>
+                  </a:ext>
+                </a:extLst>
+              </p:cNvPr>
+              <p:cNvSpPr>
+                <a:spLocks noGrp="1"/>
+              </p:cNvSpPr>
+              <p:nvPr>
+                <p:ph idx="1"/>
+              </p:nvPr>
+            </p:nvSpPr>
+            <p:spPr>
+              <a:xfrm>
+                <a:off x="1219200" y="1783560"/>
+                <a:ext cx="10530164" cy="4814010"/>
+              </a:xfrm>
+            </p:spPr>
+            <p:txBody>
+              <a:bodyPr>
+                <a:normAutofit fontScale="85000" lnSpcReduction="10000"/>
+              </a:bodyPr>
+              <a:lstStyle/>
+              <a:p>
+                <a:r>
+                  <a:rPr lang="en-GB" b="1" dirty="0"/>
+                  <a:t>Theorem</a:t>
+                </a:r>
+                <a:r>
+                  <a:rPr lang="en-GB" dirty="0"/>
+                  <a:t>: if </a:t>
+                </a:r>
+                <a14:m>
+                  <m:oMath xmlns:m="http://schemas.openxmlformats.org/officeDocument/2006/math">
+                    <m:r>
+                      <a:rPr lang="en-GB" b="1" i="0" smtClean="0">
+                        <a:latin typeface="Cambria Math" panose="02040503050406030204" pitchFamily="18" charset="0"/>
+                      </a:rPr>
+                      <m:t>𝐯</m:t>
+                    </m:r>
+                  </m:oMath>
+                </a14:m>
+                <a:r>
+                  <a:rPr lang="en-GB" b="1" dirty="0"/>
+                  <a:t> </a:t>
+                </a:r>
+                <a:r>
+                  <a:rPr lang="en-GB" dirty="0"/>
+                  <a:t>is a vector of any length, then </a:t>
+                </a:r>
+                <a14:m>
+                  <m:oMath xmlns:m="http://schemas.openxmlformats.org/officeDocument/2006/math">
+                    <m:acc>
+                      <m:accPr>
+                        <m:chr m:val="̂"/>
+                        <m:ctrlPr>
+                          <a:rPr lang="en-GB" i="1" smtClean="0">
+                            <a:solidFill>
+                              <a:schemeClr val="accent4"/>
+                            </a:solidFill>
+                            <a:latin typeface="Cambria Math" panose="02040503050406030204" pitchFamily="18" charset="0"/>
+                          </a:rPr>
+                        </m:ctrlPr>
+                      </m:accPr>
+                      <m:e>
+                        <m:r>
+                          <a:rPr lang="en-GB" b="1" i="0" smtClean="0">
+                            <a:solidFill>
+                              <a:schemeClr val="accent4"/>
+                            </a:solidFill>
+                            <a:latin typeface="Cambria Math" panose="02040503050406030204" pitchFamily="18" charset="0"/>
+                          </a:rPr>
+                          <m:t>𝐯</m:t>
+                        </m:r>
+                      </m:e>
+                    </m:acc>
+                    <m:r>
+                      <a:rPr lang="en-GB" b="0" i="1" smtClean="0">
+                        <a:solidFill>
+                          <a:schemeClr val="accent4"/>
+                        </a:solidFill>
+                        <a:latin typeface="Cambria Math" panose="02040503050406030204" pitchFamily="18" charset="0"/>
+                      </a:rPr>
+                      <m:t>=</m:t>
+                    </m:r>
+                    <m:f>
+                      <m:fPr>
+                        <m:ctrlPr>
+                          <a:rPr lang="en-GB" b="0" i="1" smtClean="0">
+                            <a:solidFill>
+                              <a:schemeClr val="accent4"/>
+                            </a:solidFill>
+                            <a:latin typeface="Cambria Math" panose="02040503050406030204" pitchFamily="18" charset="0"/>
+                          </a:rPr>
+                        </m:ctrlPr>
+                      </m:fPr>
+                      <m:num>
+                        <m:r>
+                          <a:rPr lang="en-GB" b="1">
+                            <a:solidFill>
+                              <a:schemeClr val="accent4"/>
+                            </a:solidFill>
+                            <a:latin typeface="Cambria Math" panose="02040503050406030204" pitchFamily="18" charset="0"/>
+                          </a:rPr>
+                          <m:t>𝐯</m:t>
+                        </m:r>
+                      </m:num>
+                      <m:den>
+                        <m:d>
+                          <m:dPr>
+                            <m:begChr m:val="‖"/>
+                            <m:endChr m:val="‖"/>
+                            <m:ctrlPr>
+                              <a:rPr lang="en-GB" b="0" i="1" smtClean="0">
+                                <a:solidFill>
+                                  <a:schemeClr val="accent4"/>
+                                </a:solidFill>
+                                <a:latin typeface="Cambria Math" panose="02040503050406030204" pitchFamily="18" charset="0"/>
+                              </a:rPr>
+                            </m:ctrlPr>
+                          </m:dPr>
+                          <m:e>
+                            <m:r>
+                              <a:rPr lang="en-GB" b="1">
+                                <a:solidFill>
+                                  <a:schemeClr val="accent4"/>
+                                </a:solidFill>
+                                <a:latin typeface="Cambria Math" panose="02040503050406030204" pitchFamily="18" charset="0"/>
+                              </a:rPr>
+                              <m:t>𝐯</m:t>
+                            </m:r>
+                          </m:e>
+                        </m:d>
+                      </m:den>
+                    </m:f>
+                  </m:oMath>
+                </a14:m>
+                <a:r>
+                  <a:rPr lang="en-GB" b="1" dirty="0">
+                    <a:solidFill>
+                      <a:schemeClr val="accent4"/>
+                    </a:solidFill>
+                  </a:rPr>
+                  <a:t> </a:t>
+                </a:r>
+                <a:r>
+                  <a:rPr lang="en-GB" dirty="0"/>
+                  <a:t>is a </a:t>
+                </a:r>
+                <a:r>
+                  <a:rPr lang="en-GB" b="1" dirty="0">
+                    <a:solidFill>
+                      <a:schemeClr val="accent4"/>
+                    </a:solidFill>
+                    <a:hlinkClick r:id="rId3"/>
+                  </a:rPr>
+                  <a:t>unit vector</a:t>
+                </a:r>
+                <a:endParaRPr lang="en-GB" b="1" dirty="0">
+                  <a:solidFill>
+                    <a:schemeClr val="accent4"/>
+                  </a:solidFill>
+                </a:endParaRPr>
+              </a:p>
+              <a:p>
+                <a:r>
+                  <a:rPr lang="en-GB" b="1" dirty="0"/>
+                  <a:t>Proof</a:t>
+                </a:r>
+                <a:r>
+                  <a:rPr lang="en-GB" dirty="0"/>
+                  <a:t>:</a:t>
+                </a:r>
+              </a:p>
+              <a:p>
+                <a:pPr lvl="1"/>
+                <a:r>
+                  <a:rPr lang="en-GB" dirty="0"/>
+                  <a:t>Let </a:t>
+                </a:r>
+                <a14:m>
+                  <m:oMath xmlns:m="http://schemas.openxmlformats.org/officeDocument/2006/math">
+                    <m:r>
+                      <a:rPr lang="en-GB" b="1" i="0" smtClean="0">
+                        <a:latin typeface="Cambria Math" panose="02040503050406030204" pitchFamily="18" charset="0"/>
+                      </a:rPr>
+                      <m:t>𝐯</m:t>
+                    </m:r>
+                    <m:r>
+                      <a:rPr lang="en-GB" b="0" i="1" smtClean="0">
+                        <a:latin typeface="Cambria Math" panose="02040503050406030204" pitchFamily="18" charset="0"/>
+                      </a:rPr>
+                      <m:t>=</m:t>
+                    </m:r>
+                    <m:d>
+                      <m:dPr>
+                        <m:ctrlPr>
+                          <a:rPr lang="en-GB" b="0" i="1" smtClean="0">
+                            <a:latin typeface="Cambria Math" panose="02040503050406030204" pitchFamily="18" charset="0"/>
+                          </a:rPr>
+                        </m:ctrlPr>
+                      </m:dPr>
+                      <m:e>
+                        <m:m>
+                          <m:mPr>
+                            <m:mcs>
+                              <m:mc>
+                                <m:mcPr>
+                                  <m:count m:val="1"/>
+                                  <m:mcJc m:val="center"/>
+                                </m:mcPr>
+                              </m:mc>
+                            </m:mcs>
+                            <m:ctrlPr>
+                              <a:rPr lang="en-GB" b="0" i="1" smtClean="0">
+                                <a:latin typeface="Cambria Math" panose="02040503050406030204" pitchFamily="18" charset="0"/>
+                              </a:rPr>
+                            </m:ctrlPr>
+                          </m:mPr>
+                          <m:mr>
+                            <m:e>
+                              <m:r>
+                                <m:rPr>
+                                  <m:brk m:alnAt="7"/>
+                                </m:rPr>
+                                <a:rPr lang="en-GB" b="0" i="1" smtClean="0">
+                                  <a:latin typeface="Cambria Math" panose="02040503050406030204" pitchFamily="18" charset="0"/>
+                                </a:rPr>
+                                <m:t>𝑥</m:t>
+                              </m:r>
+                            </m:e>
+                          </m:mr>
+                          <m:mr>
+                            <m:e>
+                              <m:r>
+                                <a:rPr lang="en-GB" b="0" i="1" smtClean="0">
+                                  <a:latin typeface="Cambria Math" panose="02040503050406030204" pitchFamily="18" charset="0"/>
+                                </a:rPr>
+                                <m:t>𝑦</m:t>
+                              </m:r>
+                            </m:e>
+                          </m:mr>
+                        </m:m>
+                      </m:e>
+                    </m:d>
+                  </m:oMath>
+                </a14:m>
+                <a:endParaRPr lang="en-GB" b="0" dirty="0"/>
+              </a:p>
+              <a:p>
+                <a:pPr lvl="1"/>
+                <a:r>
+                  <a:rPr lang="en-GB" dirty="0">
+                    <a:solidFill>
+                      <a:schemeClr val="tx1"/>
+                    </a:solidFill>
+                  </a:rPr>
+                  <a:t>Then </a:t>
+                </a:r>
+                <a14:m>
+                  <m:oMath xmlns:m="http://schemas.openxmlformats.org/officeDocument/2006/math">
+                    <m:acc>
+                      <m:accPr>
+                        <m:chr m:val="̂"/>
+                        <m:ctrlPr>
+                          <a:rPr lang="en-GB" i="1">
+                            <a:solidFill>
+                              <a:schemeClr val="tx1"/>
+                            </a:solidFill>
+                            <a:latin typeface="Cambria Math" panose="02040503050406030204" pitchFamily="18" charset="0"/>
+                          </a:rPr>
+                        </m:ctrlPr>
+                      </m:accPr>
+                      <m:e>
+                        <m:r>
+                          <a:rPr lang="en-GB" b="1">
+                            <a:solidFill>
+                              <a:schemeClr val="tx1"/>
+                            </a:solidFill>
+                            <a:latin typeface="Cambria Math" panose="02040503050406030204" pitchFamily="18" charset="0"/>
+                          </a:rPr>
+                          <m:t>𝐯</m:t>
+                        </m:r>
+                      </m:e>
+                    </m:acc>
+                    <m:r>
+                      <a:rPr lang="en-GB" i="1">
+                        <a:solidFill>
+                          <a:schemeClr val="tx1"/>
+                        </a:solidFill>
+                        <a:latin typeface="Cambria Math" panose="02040503050406030204" pitchFamily="18" charset="0"/>
+                      </a:rPr>
+                      <m:t>=</m:t>
+                    </m:r>
+                    <m:f>
+                      <m:fPr>
+                        <m:ctrlPr>
+                          <a:rPr lang="en-GB" i="1">
+                            <a:solidFill>
+                              <a:schemeClr val="tx1"/>
+                            </a:solidFill>
+                            <a:latin typeface="Cambria Math" panose="02040503050406030204" pitchFamily="18" charset="0"/>
+                          </a:rPr>
+                        </m:ctrlPr>
+                      </m:fPr>
+                      <m:num>
+                        <m:r>
+                          <a:rPr lang="en-GB" b="1">
+                            <a:solidFill>
+                              <a:schemeClr val="tx1"/>
+                            </a:solidFill>
+                            <a:latin typeface="Cambria Math" panose="02040503050406030204" pitchFamily="18" charset="0"/>
+                          </a:rPr>
+                          <m:t>𝐯</m:t>
+                        </m:r>
+                      </m:num>
+                      <m:den>
+                        <m:d>
+                          <m:dPr>
+                            <m:begChr m:val="‖"/>
+                            <m:endChr m:val="‖"/>
+                            <m:ctrlPr>
+                              <a:rPr lang="en-GB" i="1">
+                                <a:solidFill>
+                                  <a:schemeClr val="tx1"/>
+                                </a:solidFill>
+                                <a:latin typeface="Cambria Math" panose="02040503050406030204" pitchFamily="18" charset="0"/>
+                              </a:rPr>
+                            </m:ctrlPr>
+                          </m:dPr>
+                          <m:e>
+                            <m:r>
+                              <a:rPr lang="en-GB" b="1">
+                                <a:solidFill>
+                                  <a:schemeClr val="tx1"/>
+                                </a:solidFill>
+                                <a:latin typeface="Cambria Math" panose="02040503050406030204" pitchFamily="18" charset="0"/>
+                              </a:rPr>
+                              <m:t>𝐯</m:t>
+                            </m:r>
+                          </m:e>
+                        </m:d>
+                      </m:den>
+                    </m:f>
+                    <m:r>
+                      <a:rPr lang="en-GB" b="0" i="1" smtClean="0">
+                        <a:solidFill>
+                          <a:schemeClr val="tx1"/>
+                        </a:solidFill>
+                        <a:latin typeface="Cambria Math" panose="02040503050406030204" pitchFamily="18" charset="0"/>
+                      </a:rPr>
+                      <m:t>=</m:t>
+                    </m:r>
+                    <m:f>
+                      <m:fPr>
+                        <m:ctrlPr>
+                          <a:rPr lang="en-GB" b="0" i="1" smtClean="0">
+                            <a:solidFill>
+                              <a:schemeClr val="tx1"/>
+                            </a:solidFill>
+                            <a:latin typeface="Cambria Math" panose="02040503050406030204" pitchFamily="18" charset="0"/>
+                          </a:rPr>
+                        </m:ctrlPr>
+                      </m:fPr>
+                      <m:num>
+                        <m:r>
+                          <a:rPr lang="en-GB" b="0" i="1" smtClean="0">
+                            <a:solidFill>
+                              <a:schemeClr val="tx1"/>
+                            </a:solidFill>
+                            <a:latin typeface="Cambria Math" panose="02040503050406030204" pitchFamily="18" charset="0"/>
+                          </a:rPr>
+                          <m:t>1</m:t>
+                        </m:r>
+                      </m:num>
+                      <m:den>
+                        <m:rad>
+                          <m:radPr>
+                            <m:degHide m:val="on"/>
+                            <m:ctrlPr>
+                              <a:rPr lang="en-GB" b="0" i="1" smtClean="0">
+                                <a:solidFill>
+                                  <a:schemeClr val="tx1"/>
+                                </a:solidFill>
+                                <a:latin typeface="Cambria Math" panose="02040503050406030204" pitchFamily="18" charset="0"/>
+                              </a:rPr>
+                            </m:ctrlPr>
+                          </m:radPr>
+                          <m:deg/>
+                          <m:e>
+                            <m:sSup>
+                              <m:sSupPr>
+                                <m:ctrlPr>
+                                  <a:rPr lang="en-GB" b="0" i="1" smtClean="0">
+                                    <a:solidFill>
+                                      <a:schemeClr val="tx1"/>
+                                    </a:solidFill>
+                                    <a:latin typeface="Cambria Math" panose="02040503050406030204" pitchFamily="18" charset="0"/>
+                                  </a:rPr>
+                                </m:ctrlPr>
+                              </m:sSupPr>
+                              <m:e>
+                                <m:r>
+                                  <a:rPr lang="en-GB" b="0" i="1" smtClean="0">
+                                    <a:solidFill>
+                                      <a:schemeClr val="tx1"/>
+                                    </a:solidFill>
+                                    <a:latin typeface="Cambria Math" panose="02040503050406030204" pitchFamily="18" charset="0"/>
+                                  </a:rPr>
+                                  <m:t>𝑥</m:t>
+                                </m:r>
+                              </m:e>
+                              <m:sup>
+                                <m:r>
+                                  <a:rPr lang="en-GB" b="0" i="1" smtClean="0">
+                                    <a:solidFill>
+                                      <a:schemeClr val="tx1"/>
+                                    </a:solidFill>
+                                    <a:latin typeface="Cambria Math" panose="02040503050406030204" pitchFamily="18" charset="0"/>
+                                  </a:rPr>
+                                  <m:t>2</m:t>
+                                </m:r>
+                              </m:sup>
+                            </m:sSup>
+                            <m:r>
+                              <a:rPr lang="en-GB" b="0" i="1" smtClean="0">
+                                <a:solidFill>
+                                  <a:schemeClr val="tx1"/>
+                                </a:solidFill>
+                                <a:latin typeface="Cambria Math" panose="02040503050406030204" pitchFamily="18" charset="0"/>
+                              </a:rPr>
+                              <m:t>+</m:t>
+                            </m:r>
+                            <m:sSup>
+                              <m:sSupPr>
+                                <m:ctrlPr>
+                                  <a:rPr lang="en-GB" b="0" i="1" smtClean="0">
+                                    <a:solidFill>
+                                      <a:schemeClr val="tx1"/>
+                                    </a:solidFill>
+                                    <a:latin typeface="Cambria Math" panose="02040503050406030204" pitchFamily="18" charset="0"/>
+                                  </a:rPr>
+                                </m:ctrlPr>
+                              </m:sSupPr>
+                              <m:e>
+                                <m:r>
+                                  <a:rPr lang="en-GB" b="0" i="1" smtClean="0">
+                                    <a:solidFill>
+                                      <a:schemeClr val="tx1"/>
+                                    </a:solidFill>
+                                    <a:latin typeface="Cambria Math" panose="02040503050406030204" pitchFamily="18" charset="0"/>
+                                  </a:rPr>
+                                  <m:t>𝑦</m:t>
+                                </m:r>
+                              </m:e>
+                              <m:sup>
+                                <m:r>
+                                  <a:rPr lang="en-GB" b="0" i="1" smtClean="0">
+                                    <a:solidFill>
+                                      <a:schemeClr val="tx1"/>
+                                    </a:solidFill>
+                                    <a:latin typeface="Cambria Math" panose="02040503050406030204" pitchFamily="18" charset="0"/>
+                                  </a:rPr>
+                                  <m:t>2</m:t>
+                                </m:r>
+                              </m:sup>
+                            </m:sSup>
+                          </m:e>
+                        </m:rad>
+                      </m:den>
+                    </m:f>
+                    <m:d>
+                      <m:dPr>
+                        <m:ctrlPr>
+                          <a:rPr lang="en-GB" i="1">
+                            <a:latin typeface="Cambria Math" panose="02040503050406030204" pitchFamily="18" charset="0"/>
+                          </a:rPr>
+                        </m:ctrlPr>
+                      </m:dPr>
+                      <m:e>
+                        <m:m>
+                          <m:mPr>
+                            <m:mcs>
+                              <m:mc>
+                                <m:mcPr>
+                                  <m:count m:val="1"/>
+                                  <m:mcJc m:val="center"/>
+                                </m:mcPr>
+                              </m:mc>
+                            </m:mcs>
+                            <m:ctrlPr>
+                              <a:rPr lang="en-GB" i="1">
+                                <a:latin typeface="Cambria Math" panose="02040503050406030204" pitchFamily="18" charset="0"/>
+                              </a:rPr>
+                            </m:ctrlPr>
+                          </m:mPr>
+                          <m:mr>
+                            <m:e>
+                              <m:r>
+                                <m:rPr>
+                                  <m:brk m:alnAt="7"/>
+                                </m:rPr>
+                                <a:rPr lang="en-GB" b="0" i="1">
+                                  <a:latin typeface="Cambria Math" panose="02040503050406030204" pitchFamily="18" charset="0"/>
+                                </a:rPr>
+                                <m:t>𝑥</m:t>
+                              </m:r>
+                            </m:e>
+                          </m:mr>
+                          <m:mr>
+                            <m:e>
+                              <m:r>
+                                <a:rPr lang="en-GB" b="0" i="1">
+                                  <a:latin typeface="Cambria Math" panose="02040503050406030204" pitchFamily="18" charset="0"/>
+                                </a:rPr>
+                                <m:t>𝑦</m:t>
+                              </m:r>
+                            </m:e>
+                          </m:mr>
+                        </m:m>
+                      </m:e>
+                    </m:d>
+                    <m:r>
+                      <a:rPr lang="en-GB" b="0" i="1" smtClean="0">
+                        <a:latin typeface="Cambria Math" panose="02040503050406030204" pitchFamily="18" charset="0"/>
+                      </a:rPr>
+                      <m:t>=</m:t>
+                    </m:r>
+                  </m:oMath>
+                </a14:m>
+                <a:r>
+                  <a:rPr lang="en-GB" dirty="0"/>
+                  <a:t> </a:t>
+                </a:r>
+                <a14:m>
+                  <m:oMath xmlns:m="http://schemas.openxmlformats.org/officeDocument/2006/math">
+                    <m:d>
+                      <m:dPr>
+                        <m:ctrlPr>
+                          <a:rPr lang="en-GB" i="1" smtClean="0">
+                            <a:latin typeface="Cambria Math" panose="02040503050406030204" pitchFamily="18" charset="0"/>
+                          </a:rPr>
+                        </m:ctrlPr>
+                      </m:dPr>
+                      <m:e>
+                        <m:m>
+                          <m:mPr>
+                            <m:mcs>
+                              <m:mc>
+                                <m:mcPr>
+                                  <m:count m:val="1"/>
+                                  <m:mcJc m:val="center"/>
+                                </m:mcPr>
+                              </m:mc>
+                            </m:mcs>
+                            <m:ctrlPr>
+                              <a:rPr lang="en-GB" i="1">
+                                <a:latin typeface="Cambria Math" panose="02040503050406030204" pitchFamily="18" charset="0"/>
+                              </a:rPr>
+                            </m:ctrlPr>
+                          </m:mPr>
+                          <m:mr>
+                            <m:e>
+                              <m:box>
+                                <m:boxPr>
+                                  <m:ctrlPr>
+                                    <a:rPr lang="en-GB" i="1" smtClean="0">
+                                      <a:latin typeface="Cambria Math" panose="02040503050406030204" pitchFamily="18" charset="0"/>
+                                    </a:rPr>
+                                  </m:ctrlPr>
+                                </m:boxPr>
+                                <m:e>
+                                  <m:argPr>
+                                    <m:argSz m:val="-1"/>
+                                  </m:argPr>
+                                  <m:f>
+                                    <m:fPr>
+                                      <m:ctrlPr>
+                                        <a:rPr lang="en-GB" i="1" smtClean="0">
+                                          <a:latin typeface="Cambria Math" panose="02040503050406030204" pitchFamily="18" charset="0"/>
+                                        </a:rPr>
+                                      </m:ctrlPr>
+                                    </m:fPr>
+                                    <m:num>
+                                      <m:r>
+                                        <a:rPr lang="en-GB" b="0" i="1" smtClean="0">
+                                          <a:latin typeface="Cambria Math" panose="02040503050406030204" pitchFamily="18" charset="0"/>
+                                        </a:rPr>
+                                        <m:t>𝑥</m:t>
+                                      </m:r>
+                                    </m:num>
+                                    <m:den>
+                                      <m:rad>
+                                        <m:radPr>
+                                          <m:degHide m:val="on"/>
+                                          <m:ctrlPr>
+                                            <a:rPr lang="en-GB" i="1">
+                                              <a:latin typeface="Cambria Math" panose="02040503050406030204" pitchFamily="18" charset="0"/>
+                                            </a:rPr>
+                                          </m:ctrlPr>
+                                        </m:radPr>
+                                        <m:deg/>
+                                        <m:e>
+                                          <m:sSup>
+                                            <m:sSupPr>
+                                              <m:ctrlPr>
+                                                <a:rPr lang="en-GB" i="1">
+                                                  <a:latin typeface="Cambria Math" panose="02040503050406030204" pitchFamily="18" charset="0"/>
+                                                </a:rPr>
+                                              </m:ctrlPr>
+                                            </m:sSupPr>
+                                            <m:e>
+                                              <m:r>
+                                                <a:rPr lang="en-GB" i="1">
+                                                  <a:latin typeface="Cambria Math" panose="02040503050406030204" pitchFamily="18" charset="0"/>
+                                                </a:rPr>
+                                                <m:t>𝑥</m:t>
+                                              </m:r>
+                                            </m:e>
+                                            <m:sup>
+                                              <m:r>
+                                                <a:rPr lang="en-GB" i="1">
+                                                  <a:latin typeface="Cambria Math" panose="02040503050406030204" pitchFamily="18" charset="0"/>
+                                                </a:rPr>
+                                                <m:t>2</m:t>
+                                              </m:r>
+                                            </m:sup>
+                                          </m:sSup>
+                                          <m:r>
+                                            <a:rPr lang="en-GB" i="1">
+                                              <a:latin typeface="Cambria Math" panose="02040503050406030204" pitchFamily="18" charset="0"/>
+                                            </a:rPr>
+                                            <m:t>+</m:t>
+                                          </m:r>
+                                          <m:sSup>
+                                            <m:sSupPr>
+                                              <m:ctrlPr>
+                                                <a:rPr lang="en-GB" i="1">
+                                                  <a:latin typeface="Cambria Math" panose="02040503050406030204" pitchFamily="18" charset="0"/>
+                                                </a:rPr>
+                                              </m:ctrlPr>
+                                            </m:sSupPr>
+                                            <m:e>
+                                              <m:r>
+                                                <a:rPr lang="en-GB" i="1">
+                                                  <a:latin typeface="Cambria Math" panose="02040503050406030204" pitchFamily="18" charset="0"/>
+                                                </a:rPr>
+                                                <m:t>𝑦</m:t>
+                                              </m:r>
+                                            </m:e>
+                                            <m:sup>
+                                              <m:r>
+                                                <a:rPr lang="en-GB" i="1">
+                                                  <a:latin typeface="Cambria Math" panose="02040503050406030204" pitchFamily="18" charset="0"/>
+                                                </a:rPr>
+                                                <m:t>2</m:t>
+                                              </m:r>
+                                            </m:sup>
+                                          </m:sSup>
+                                        </m:e>
+                                      </m:rad>
+                                    </m:den>
+                                  </m:f>
+                                </m:e>
+                              </m:box>
+                            </m:e>
+                          </m:mr>
+                          <m:mr>
+                            <m:e>
+                              <m:box>
+                                <m:boxPr>
+                                  <m:ctrlPr>
+                                    <a:rPr lang="en-GB" i="1" smtClean="0">
+                                      <a:latin typeface="Cambria Math" panose="02040503050406030204" pitchFamily="18" charset="0"/>
+                                    </a:rPr>
+                                  </m:ctrlPr>
+                                </m:boxPr>
+                                <m:e>
+                                  <m:argPr>
+                                    <m:argSz m:val="-1"/>
+                                  </m:argPr>
+                                  <m:f>
+                                    <m:fPr>
+                                      <m:ctrlPr>
+                                        <a:rPr lang="en-GB" i="1" smtClean="0">
+                                          <a:latin typeface="Cambria Math" panose="02040503050406030204" pitchFamily="18" charset="0"/>
+                                        </a:rPr>
+                                      </m:ctrlPr>
+                                    </m:fPr>
+                                    <m:num>
+                                      <m:r>
+                                        <a:rPr lang="en-GB" b="0" i="1" smtClean="0">
+                                          <a:latin typeface="Cambria Math" panose="02040503050406030204" pitchFamily="18" charset="0"/>
+                                        </a:rPr>
+                                        <m:t>𝑦</m:t>
+                                      </m:r>
+                                    </m:num>
+                                    <m:den>
+                                      <m:rad>
+                                        <m:radPr>
+                                          <m:degHide m:val="on"/>
+                                          <m:ctrlPr>
+                                            <a:rPr lang="en-GB" i="1">
+                                              <a:latin typeface="Cambria Math" panose="02040503050406030204" pitchFamily="18" charset="0"/>
+                                            </a:rPr>
+                                          </m:ctrlPr>
+                                        </m:radPr>
+                                        <m:deg/>
+                                        <m:e>
+                                          <m:sSup>
+                                            <m:sSupPr>
+                                              <m:ctrlPr>
+                                                <a:rPr lang="en-GB" i="1">
+                                                  <a:latin typeface="Cambria Math" panose="02040503050406030204" pitchFamily="18" charset="0"/>
+                                                </a:rPr>
+                                              </m:ctrlPr>
+                                            </m:sSupPr>
+                                            <m:e>
+                                              <m:r>
+                                                <a:rPr lang="en-GB" i="1">
+                                                  <a:latin typeface="Cambria Math" panose="02040503050406030204" pitchFamily="18" charset="0"/>
+                                                </a:rPr>
+                                                <m:t>𝑥</m:t>
+                                              </m:r>
+                                            </m:e>
+                                            <m:sup>
+                                              <m:r>
+                                                <a:rPr lang="en-GB" i="1">
+                                                  <a:latin typeface="Cambria Math" panose="02040503050406030204" pitchFamily="18" charset="0"/>
+                                                </a:rPr>
+                                                <m:t>2</m:t>
+                                              </m:r>
+                                            </m:sup>
+                                          </m:sSup>
+                                          <m:r>
+                                            <a:rPr lang="en-GB" i="1">
+                                              <a:latin typeface="Cambria Math" panose="02040503050406030204" pitchFamily="18" charset="0"/>
+                                            </a:rPr>
+                                            <m:t>+</m:t>
+                                          </m:r>
+                                          <m:sSup>
+                                            <m:sSupPr>
+                                              <m:ctrlPr>
+                                                <a:rPr lang="en-GB" i="1">
+                                                  <a:latin typeface="Cambria Math" panose="02040503050406030204" pitchFamily="18" charset="0"/>
+                                                </a:rPr>
+                                              </m:ctrlPr>
+                                            </m:sSupPr>
+                                            <m:e>
+                                              <m:r>
+                                                <a:rPr lang="en-GB" i="1">
+                                                  <a:latin typeface="Cambria Math" panose="02040503050406030204" pitchFamily="18" charset="0"/>
+                                                </a:rPr>
+                                                <m:t>𝑦</m:t>
+                                              </m:r>
+                                            </m:e>
+                                            <m:sup>
+                                              <m:r>
+                                                <a:rPr lang="en-GB" i="1">
+                                                  <a:latin typeface="Cambria Math" panose="02040503050406030204" pitchFamily="18" charset="0"/>
+                                                </a:rPr>
+                                                <m:t>2</m:t>
+                                              </m:r>
+                                            </m:sup>
+                                          </m:sSup>
+                                        </m:e>
+                                      </m:rad>
+                                    </m:den>
+                                  </m:f>
+                                </m:e>
+                              </m:box>
+                            </m:e>
+                          </m:mr>
+                        </m:m>
+                      </m:e>
+                    </m:d>
+                  </m:oMath>
+                </a14:m>
+                <a:endParaRPr lang="en-GB" i="1" dirty="0">
+                  <a:latin typeface="Cambria Math" panose="02040503050406030204" pitchFamily="18" charset="0"/>
+                </a:endParaRPr>
+              </a:p>
+              <a:p>
+                <a:pPr lvl="1"/>
+                <a14:m>
+                  <m:oMath xmlns:m="http://schemas.openxmlformats.org/officeDocument/2006/math">
+                    <m:d>
+                      <m:dPr>
+                        <m:begChr m:val="‖"/>
+                        <m:endChr m:val="‖"/>
+                        <m:ctrlPr>
+                          <a:rPr lang="en-GB" i="1">
+                            <a:latin typeface="Cambria Math" panose="02040503050406030204" pitchFamily="18" charset="0"/>
+                          </a:rPr>
+                        </m:ctrlPr>
+                      </m:dPr>
+                      <m:e>
+                        <m:acc>
+                          <m:accPr>
+                            <m:chr m:val="̂"/>
+                            <m:ctrlPr>
+                              <a:rPr lang="en-GB" i="1">
+                                <a:latin typeface="Cambria Math" panose="02040503050406030204" pitchFamily="18" charset="0"/>
+                              </a:rPr>
+                            </m:ctrlPr>
+                          </m:accPr>
+                          <m:e>
+                            <m:r>
+                              <a:rPr lang="en-GB" b="1">
+                                <a:latin typeface="Cambria Math" panose="02040503050406030204" pitchFamily="18" charset="0"/>
+                              </a:rPr>
+                              <m:t>𝐯</m:t>
+                            </m:r>
+                          </m:e>
+                        </m:acc>
+                      </m:e>
+                    </m:d>
+                    <m:r>
+                      <a:rPr lang="en-GB" b="1" i="1" smtClean="0">
+                        <a:latin typeface="Cambria Math" panose="02040503050406030204" pitchFamily="18" charset="0"/>
+                      </a:rPr>
+                      <m:t>=</m:t>
+                    </m:r>
+                    <m:rad>
+                      <m:radPr>
+                        <m:degHide m:val="on"/>
+                        <m:ctrlPr>
+                          <a:rPr lang="en-GB" i="1" smtClean="0">
+                            <a:latin typeface="Cambria Math" panose="02040503050406030204" pitchFamily="18" charset="0"/>
+                          </a:rPr>
+                        </m:ctrlPr>
+                      </m:radPr>
+                      <m:deg/>
+                      <m:e>
+                        <m:sSup>
+                          <m:sSupPr>
+                            <m:ctrlPr>
+                              <a:rPr lang="en-GB" i="1" smtClean="0">
+                                <a:latin typeface="Cambria Math" panose="02040503050406030204" pitchFamily="18" charset="0"/>
+                              </a:rPr>
+                            </m:ctrlPr>
+                          </m:sSupPr>
+                          <m:e>
+                            <m:d>
+                              <m:dPr>
+                                <m:ctrlPr>
+                                  <a:rPr lang="en-GB" i="1" smtClean="0">
+                                    <a:latin typeface="Cambria Math" panose="02040503050406030204" pitchFamily="18" charset="0"/>
+                                  </a:rPr>
+                                </m:ctrlPr>
+                              </m:dPr>
+                              <m:e>
+                                <m:f>
+                                  <m:fPr>
+                                    <m:ctrlPr>
+                                      <a:rPr lang="en-GB" i="1">
+                                        <a:latin typeface="Cambria Math" panose="02040503050406030204" pitchFamily="18" charset="0"/>
+                                      </a:rPr>
+                                    </m:ctrlPr>
+                                  </m:fPr>
+                                  <m:num>
+                                    <m:r>
+                                      <a:rPr lang="en-GB" b="0" i="1">
+                                        <a:latin typeface="Cambria Math" panose="02040503050406030204" pitchFamily="18" charset="0"/>
+                                      </a:rPr>
+                                      <m:t>𝑥</m:t>
+                                    </m:r>
+                                  </m:num>
+                                  <m:den>
+                                    <m:rad>
+                                      <m:radPr>
+                                        <m:degHide m:val="on"/>
+                                        <m:ctrlPr>
+                                          <a:rPr lang="en-GB" i="1">
+                                            <a:latin typeface="Cambria Math" panose="02040503050406030204" pitchFamily="18" charset="0"/>
+                                          </a:rPr>
+                                        </m:ctrlPr>
+                                      </m:radPr>
+                                      <m:deg/>
+                                      <m:e>
+                                        <m:sSup>
+                                          <m:sSupPr>
+                                            <m:ctrlPr>
+                                              <a:rPr lang="en-GB" i="1">
+                                                <a:latin typeface="Cambria Math" panose="02040503050406030204" pitchFamily="18" charset="0"/>
+                                              </a:rPr>
+                                            </m:ctrlPr>
+                                          </m:sSupPr>
+                                          <m:e>
+                                            <m:r>
+                                              <a:rPr lang="en-GB" b="0" i="1">
+                                                <a:latin typeface="Cambria Math" panose="02040503050406030204" pitchFamily="18" charset="0"/>
+                                              </a:rPr>
+                                              <m:t>𝑥</m:t>
+                                            </m:r>
+                                          </m:e>
+                                          <m:sup>
+                                            <m:r>
+                                              <a:rPr lang="en-GB" b="0" i="1">
+                                                <a:latin typeface="Cambria Math" panose="02040503050406030204" pitchFamily="18" charset="0"/>
+                                              </a:rPr>
+                                              <m:t>2</m:t>
+                                            </m:r>
+                                          </m:sup>
+                                        </m:sSup>
+                                        <m:r>
+                                          <a:rPr lang="en-GB" b="0" i="1">
+                                            <a:latin typeface="Cambria Math" panose="02040503050406030204" pitchFamily="18" charset="0"/>
+                                          </a:rPr>
+                                          <m:t>+</m:t>
+                                        </m:r>
+                                        <m:sSup>
+                                          <m:sSupPr>
+                                            <m:ctrlPr>
+                                              <a:rPr lang="en-GB" i="1">
+                                                <a:latin typeface="Cambria Math" panose="02040503050406030204" pitchFamily="18" charset="0"/>
+                                              </a:rPr>
+                                            </m:ctrlPr>
+                                          </m:sSupPr>
+                                          <m:e>
+                                            <m:r>
+                                              <a:rPr lang="en-GB" b="0" i="1">
+                                                <a:latin typeface="Cambria Math" panose="02040503050406030204" pitchFamily="18" charset="0"/>
+                                              </a:rPr>
+                                              <m:t>𝑦</m:t>
+                                            </m:r>
+                                          </m:e>
+                                          <m:sup>
+                                            <m:r>
+                                              <a:rPr lang="en-GB" b="0" i="1">
+                                                <a:latin typeface="Cambria Math" panose="02040503050406030204" pitchFamily="18" charset="0"/>
+                                              </a:rPr>
+                                              <m:t>2</m:t>
+                                            </m:r>
+                                          </m:sup>
+                                        </m:sSup>
+                                      </m:e>
+                                    </m:rad>
+                                  </m:den>
+                                </m:f>
+                              </m:e>
+                            </m:d>
+                          </m:e>
+                          <m:sup>
+                            <m:r>
+                              <a:rPr lang="en-GB" b="0" i="1" smtClean="0">
+                                <a:latin typeface="Cambria Math" panose="02040503050406030204" pitchFamily="18" charset="0"/>
+                              </a:rPr>
+                              <m:t>2</m:t>
+                            </m:r>
+                          </m:sup>
+                        </m:sSup>
+                        <m:r>
+                          <a:rPr lang="en-GB" b="0" i="1" smtClean="0">
+                            <a:latin typeface="Cambria Math" panose="02040503050406030204" pitchFamily="18" charset="0"/>
+                          </a:rPr>
+                          <m:t>+</m:t>
+                        </m:r>
+                        <m:sSup>
+                          <m:sSupPr>
+                            <m:ctrlPr>
+                              <a:rPr lang="en-GB" i="1">
+                                <a:latin typeface="Cambria Math" panose="02040503050406030204" pitchFamily="18" charset="0"/>
+                              </a:rPr>
+                            </m:ctrlPr>
+                          </m:sSupPr>
+                          <m:e>
+                            <m:d>
+                              <m:dPr>
+                                <m:ctrlPr>
+                                  <a:rPr lang="en-GB" i="1">
+                                    <a:latin typeface="Cambria Math" panose="02040503050406030204" pitchFamily="18" charset="0"/>
+                                  </a:rPr>
+                                </m:ctrlPr>
+                              </m:dPr>
+                              <m:e>
+                                <m:f>
+                                  <m:fPr>
+                                    <m:ctrlPr>
+                                      <a:rPr lang="en-GB" i="1">
+                                        <a:latin typeface="Cambria Math" panose="02040503050406030204" pitchFamily="18" charset="0"/>
+                                      </a:rPr>
+                                    </m:ctrlPr>
+                                  </m:fPr>
+                                  <m:num>
+                                    <m:r>
+                                      <a:rPr lang="en-GB" b="0" i="1">
+                                        <a:latin typeface="Cambria Math" panose="02040503050406030204" pitchFamily="18" charset="0"/>
+                                      </a:rPr>
+                                      <m:t>𝑥</m:t>
+                                    </m:r>
+                                  </m:num>
+                                  <m:den>
+                                    <m:rad>
+                                      <m:radPr>
+                                        <m:degHide m:val="on"/>
+                                        <m:ctrlPr>
+                                          <a:rPr lang="en-GB" i="1">
+                                            <a:latin typeface="Cambria Math" panose="02040503050406030204" pitchFamily="18" charset="0"/>
+                                          </a:rPr>
+                                        </m:ctrlPr>
+                                      </m:radPr>
+                                      <m:deg/>
+                                      <m:e>
+                                        <m:sSup>
+                                          <m:sSupPr>
+                                            <m:ctrlPr>
+                                              <a:rPr lang="en-GB" i="1">
+                                                <a:latin typeface="Cambria Math" panose="02040503050406030204" pitchFamily="18" charset="0"/>
+                                              </a:rPr>
+                                            </m:ctrlPr>
+                                          </m:sSupPr>
+                                          <m:e>
+                                            <m:r>
+                                              <a:rPr lang="en-GB" b="0" i="1">
+                                                <a:latin typeface="Cambria Math" panose="02040503050406030204" pitchFamily="18" charset="0"/>
+                                              </a:rPr>
+                                              <m:t>𝑥</m:t>
+                                            </m:r>
+                                          </m:e>
+                                          <m:sup>
+                                            <m:r>
+                                              <a:rPr lang="en-GB" b="0" i="1">
+                                                <a:latin typeface="Cambria Math" panose="02040503050406030204" pitchFamily="18" charset="0"/>
+                                              </a:rPr>
+                                              <m:t>2</m:t>
+                                            </m:r>
+                                          </m:sup>
+                                        </m:sSup>
+                                        <m:r>
+                                          <a:rPr lang="en-GB" b="0" i="1">
+                                            <a:latin typeface="Cambria Math" panose="02040503050406030204" pitchFamily="18" charset="0"/>
+                                          </a:rPr>
+                                          <m:t>+</m:t>
+                                        </m:r>
+                                        <m:sSup>
+                                          <m:sSupPr>
+                                            <m:ctrlPr>
+                                              <a:rPr lang="en-GB" i="1">
+                                                <a:latin typeface="Cambria Math" panose="02040503050406030204" pitchFamily="18" charset="0"/>
+                                              </a:rPr>
+                                            </m:ctrlPr>
+                                          </m:sSupPr>
+                                          <m:e>
+                                            <m:r>
+                                              <a:rPr lang="en-GB" b="0" i="1">
+                                                <a:latin typeface="Cambria Math" panose="02040503050406030204" pitchFamily="18" charset="0"/>
+                                              </a:rPr>
+                                              <m:t>𝑦</m:t>
+                                            </m:r>
+                                          </m:e>
+                                          <m:sup>
+                                            <m:r>
+                                              <a:rPr lang="en-GB" b="0" i="1">
+                                                <a:latin typeface="Cambria Math" panose="02040503050406030204" pitchFamily="18" charset="0"/>
+                                              </a:rPr>
+                                              <m:t>2</m:t>
+                                            </m:r>
+                                          </m:sup>
+                                        </m:sSup>
+                                      </m:e>
+                                    </m:rad>
+                                  </m:den>
+                                </m:f>
+                              </m:e>
+                            </m:d>
+                          </m:e>
+                          <m:sup>
+                            <m:r>
+                              <a:rPr lang="en-GB" b="0" i="1">
+                                <a:latin typeface="Cambria Math" panose="02040503050406030204" pitchFamily="18" charset="0"/>
+                              </a:rPr>
+                              <m:t>2</m:t>
+                            </m:r>
+                          </m:sup>
+                        </m:sSup>
+                      </m:e>
+                    </m:rad>
+                    <m:r>
+                      <a:rPr lang="en-GB" b="0" i="1" smtClean="0">
+                        <a:latin typeface="Cambria Math" panose="02040503050406030204" pitchFamily="18" charset="0"/>
+                      </a:rPr>
+                      <m:t>=</m:t>
+                    </m:r>
+                    <m:rad>
+                      <m:radPr>
+                        <m:degHide m:val="on"/>
+                        <m:ctrlPr>
+                          <a:rPr lang="en-GB" i="1" smtClean="0">
+                            <a:latin typeface="Cambria Math" panose="02040503050406030204" pitchFamily="18" charset="0"/>
+                          </a:rPr>
+                        </m:ctrlPr>
+                      </m:radPr>
+                      <m:deg/>
+                      <m:e>
+                        <m:f>
+                          <m:fPr>
+                            <m:ctrlPr>
+                              <a:rPr lang="en-GB" i="1" smtClean="0">
+                                <a:latin typeface="Cambria Math" panose="02040503050406030204" pitchFamily="18" charset="0"/>
+                              </a:rPr>
+                            </m:ctrlPr>
+                          </m:fPr>
+                          <m:num>
+                            <m:sSup>
+                              <m:sSupPr>
+                                <m:ctrlPr>
+                                  <a:rPr lang="en-GB" i="1" smtClean="0">
+                                    <a:latin typeface="Cambria Math" panose="02040503050406030204" pitchFamily="18" charset="0"/>
+                                  </a:rPr>
+                                </m:ctrlPr>
+                              </m:sSupPr>
+                              <m:e>
+                                <m:r>
+                                  <a:rPr lang="en-GB" b="0" i="1" smtClean="0">
+                                    <a:latin typeface="Cambria Math" panose="02040503050406030204" pitchFamily="18" charset="0"/>
+                                  </a:rPr>
+                                  <m:t>𝑥</m:t>
+                                </m:r>
+                              </m:e>
+                              <m:sup>
+                                <m:r>
+                                  <a:rPr lang="en-GB" b="0" i="1" smtClean="0">
+                                    <a:latin typeface="Cambria Math" panose="02040503050406030204" pitchFamily="18" charset="0"/>
+                                  </a:rPr>
+                                  <m:t>2</m:t>
+                                </m:r>
+                              </m:sup>
+                            </m:sSup>
+                          </m:num>
+                          <m:den>
+                            <m:sSup>
+                              <m:sSupPr>
+                                <m:ctrlPr>
+                                  <a:rPr lang="en-GB" i="1">
+                                    <a:latin typeface="Cambria Math" panose="02040503050406030204" pitchFamily="18" charset="0"/>
+                                  </a:rPr>
+                                </m:ctrlPr>
+                              </m:sSupPr>
+                              <m:e>
+                                <m:r>
+                                  <a:rPr lang="en-GB" b="0" i="1" smtClean="0">
+                                    <a:latin typeface="Cambria Math" panose="02040503050406030204" pitchFamily="18" charset="0"/>
+                                  </a:rPr>
+                                  <m:t>𝑥</m:t>
+                                </m:r>
+                              </m:e>
+                              <m:sup>
+                                <m:r>
+                                  <a:rPr lang="en-GB" b="0" i="1">
+                                    <a:latin typeface="Cambria Math" panose="02040503050406030204" pitchFamily="18" charset="0"/>
+                                  </a:rPr>
+                                  <m:t>2</m:t>
+                                </m:r>
+                              </m:sup>
+                            </m:sSup>
+                            <m:r>
+                              <a:rPr lang="en-GB" b="0" i="1" smtClean="0">
+                                <a:latin typeface="Cambria Math" panose="02040503050406030204" pitchFamily="18" charset="0"/>
+                              </a:rPr>
+                              <m:t>+</m:t>
+                            </m:r>
+                            <m:sSup>
+                              <m:sSupPr>
+                                <m:ctrlPr>
+                                  <a:rPr lang="en-GB" i="1">
+                                    <a:latin typeface="Cambria Math" panose="02040503050406030204" pitchFamily="18" charset="0"/>
+                                  </a:rPr>
+                                </m:ctrlPr>
+                              </m:sSupPr>
+                              <m:e>
+                                <m:r>
+                                  <a:rPr lang="en-GB" b="0" i="1" smtClean="0">
+                                    <a:latin typeface="Cambria Math" panose="02040503050406030204" pitchFamily="18" charset="0"/>
+                                  </a:rPr>
+                                  <m:t>𝑦</m:t>
+                                </m:r>
+                              </m:e>
+                              <m:sup>
+                                <m:r>
+                                  <a:rPr lang="en-GB" b="0" i="1">
+                                    <a:latin typeface="Cambria Math" panose="02040503050406030204" pitchFamily="18" charset="0"/>
+                                  </a:rPr>
+                                  <m:t>2</m:t>
+                                </m:r>
+                              </m:sup>
+                            </m:sSup>
+                          </m:den>
+                        </m:f>
+                        <m:r>
+                          <a:rPr lang="en-GB" b="0" i="1" smtClean="0">
+                            <a:latin typeface="Cambria Math" panose="02040503050406030204" pitchFamily="18" charset="0"/>
+                          </a:rPr>
+                          <m:t>+</m:t>
+                        </m:r>
+                        <m:f>
+                          <m:fPr>
+                            <m:ctrlPr>
+                              <a:rPr lang="en-GB" i="1">
+                                <a:latin typeface="Cambria Math" panose="02040503050406030204" pitchFamily="18" charset="0"/>
+                              </a:rPr>
+                            </m:ctrlPr>
+                          </m:fPr>
+                          <m:num>
+                            <m:sSup>
+                              <m:sSupPr>
+                                <m:ctrlPr>
+                                  <a:rPr lang="en-GB" i="1">
+                                    <a:latin typeface="Cambria Math" panose="02040503050406030204" pitchFamily="18" charset="0"/>
+                                  </a:rPr>
+                                </m:ctrlPr>
+                              </m:sSupPr>
+                              <m:e>
+                                <m:r>
+                                  <a:rPr lang="en-GB" b="0" i="1" smtClean="0">
+                                    <a:latin typeface="Cambria Math" panose="02040503050406030204" pitchFamily="18" charset="0"/>
+                                  </a:rPr>
+                                  <m:t>𝑦</m:t>
+                                </m:r>
+                              </m:e>
+                              <m:sup>
+                                <m:r>
+                                  <a:rPr lang="en-GB" b="0" i="1">
+                                    <a:latin typeface="Cambria Math" panose="02040503050406030204" pitchFamily="18" charset="0"/>
+                                  </a:rPr>
+                                  <m:t>2</m:t>
+                                </m:r>
+                              </m:sup>
+                            </m:sSup>
+                          </m:num>
+                          <m:den>
+                            <m:sSup>
+                              <m:sSupPr>
+                                <m:ctrlPr>
+                                  <a:rPr lang="en-GB" i="1">
+                                    <a:latin typeface="Cambria Math" panose="02040503050406030204" pitchFamily="18" charset="0"/>
+                                  </a:rPr>
+                                </m:ctrlPr>
+                              </m:sSupPr>
+                              <m:e>
+                                <m:r>
+                                  <a:rPr lang="en-GB" b="0" i="1">
+                                    <a:latin typeface="Cambria Math" panose="02040503050406030204" pitchFamily="18" charset="0"/>
+                                  </a:rPr>
+                                  <m:t>𝑥</m:t>
+                                </m:r>
+                              </m:e>
+                              <m:sup>
+                                <m:r>
+                                  <a:rPr lang="en-GB" b="0" i="1">
+                                    <a:latin typeface="Cambria Math" panose="02040503050406030204" pitchFamily="18" charset="0"/>
+                                  </a:rPr>
+                                  <m:t>2</m:t>
+                                </m:r>
+                              </m:sup>
+                            </m:sSup>
+                            <m:r>
+                              <a:rPr lang="en-GB" b="0" i="1">
+                                <a:latin typeface="Cambria Math" panose="02040503050406030204" pitchFamily="18" charset="0"/>
+                              </a:rPr>
+                              <m:t>+</m:t>
+                            </m:r>
+                            <m:sSup>
+                              <m:sSupPr>
+                                <m:ctrlPr>
+                                  <a:rPr lang="en-GB" i="1">
+                                    <a:latin typeface="Cambria Math" panose="02040503050406030204" pitchFamily="18" charset="0"/>
+                                  </a:rPr>
+                                </m:ctrlPr>
+                              </m:sSupPr>
+                              <m:e>
+                                <m:r>
+                                  <a:rPr lang="en-GB" b="0" i="1">
+                                    <a:latin typeface="Cambria Math" panose="02040503050406030204" pitchFamily="18" charset="0"/>
+                                  </a:rPr>
+                                  <m:t>𝑦</m:t>
+                                </m:r>
+                              </m:e>
+                              <m:sup>
+                                <m:r>
+                                  <a:rPr lang="en-GB" b="0" i="1">
+                                    <a:latin typeface="Cambria Math" panose="02040503050406030204" pitchFamily="18" charset="0"/>
+                                  </a:rPr>
+                                  <m:t>2</m:t>
+                                </m:r>
+                              </m:sup>
+                            </m:sSup>
+                          </m:den>
+                        </m:f>
+                      </m:e>
+                    </m:rad>
+                    <m:r>
+                      <a:rPr lang="en-GB" b="0" i="1" smtClean="0">
+                        <a:latin typeface="Cambria Math" panose="02040503050406030204" pitchFamily="18" charset="0"/>
+                      </a:rPr>
+                      <m:t>=1</m:t>
+                    </m:r>
+                  </m:oMath>
+                </a14:m>
+                <a:endParaRPr lang="en-GB" dirty="0">
+                  <a:solidFill>
+                    <a:schemeClr val="tx1"/>
+                  </a:solidFill>
+                </a:endParaRPr>
+              </a:p>
+              <a:p>
+                <a:pPr lvl="1"/>
+                <a:r>
+                  <a:rPr lang="en-GB" dirty="0"/>
+                  <a:t>QED</a:t>
+                </a:r>
+                <a:endParaRPr lang="en-GB" dirty="0">
+                  <a:solidFill>
+                    <a:schemeClr val="tx1"/>
+                  </a:solidFill>
+                </a:endParaRPr>
+              </a:p>
+            </p:txBody>
+          </p:sp>
+        </mc:Choice>
+        <mc:Fallback xmlns="">
+          <p:sp>
+            <p:nvSpPr>
+              <p:cNvPr id="3" name="Content Placeholder 2">
+                <a:extLst>
+                  <a:ext uri="{FF2B5EF4-FFF2-40B4-BE49-F238E27FC236}">
+                    <a16:creationId xmlns:a16="http://schemas.microsoft.com/office/drawing/2014/main" id="{F3912CA7-22A6-438F-9E7C-0A5B9739AADA}"/>
+                  </a:ext>
+                </a:extLst>
+              </p:cNvPr>
+              <p:cNvSpPr>
+                <a:spLocks noGrp="1" noRot="1" noChangeAspect="1" noMove="1" noResize="1" noEditPoints="1" noAdjustHandles="1" noChangeArrowheads="1" noChangeShapeType="1" noTextEdit="1"/>
+              </p:cNvSpPr>
+              <p:nvPr>
+                <p:ph idx="1"/>
+              </p:nvPr>
+            </p:nvSpPr>
+            <p:spPr>
+              <a:xfrm>
+                <a:off x="1219200" y="1783560"/>
+                <a:ext cx="10530164" cy="4814010"/>
+              </a:xfrm>
+              <a:blipFill>
+                <a:blip r:embed="rId4"/>
+                <a:stretch>
+                  <a:fillRect l="-174" t="-1394"/>
+                </a:stretch>
+              </a:blipFill>
+            </p:spPr>
+            <p:txBody>
+              <a:bodyPr/>
+              <a:lstStyle/>
+              <a:p>
+                <a:r>
+                  <a:rPr lang="en-GB">
+                    <a:noFill/>
+                  </a:rPr>
+                  <a:t> </a:t>
+                </a:r>
+              </a:p>
+            </p:txBody>
+          </p:sp>
+        </mc:Fallback>
+      </mc:AlternateContent>
+      <mc:AlternateContent xmlns:mc="http://schemas.openxmlformats.org/markup-compatibility/2006" xmlns:a14="http://schemas.microsoft.com/office/drawing/2010/main">
+        <mc:Choice Requires="a14">
+          <p:sp>
+            <p:nvSpPr>
+              <p:cNvPr id="4" name="Speech Bubble: Rectangle 3">
+                <a:extLst>
+                  <a:ext uri="{FF2B5EF4-FFF2-40B4-BE49-F238E27FC236}">
+                    <a16:creationId xmlns:a16="http://schemas.microsoft.com/office/drawing/2014/main" id="{135EE5EC-D133-46F4-B233-2C4AC0B21F8F}"/>
+                  </a:ext>
+                  <a:ext uri="{C183D7F6-B498-43B3-948B-1728B52AA6E4}">
+                    <adec:decorative xmlns:adec="http://schemas.microsoft.com/office/drawing/2017/decorative" val="1"/>
+                  </a:ext>
+                </a:extLst>
+              </p:cNvPr>
+              <p:cNvSpPr/>
+              <p:nvPr/>
+            </p:nvSpPr>
+            <p:spPr>
+              <a:xfrm>
+                <a:off x="8728887" y="1092520"/>
+                <a:ext cx="1368643" cy="612929"/>
+              </a:xfrm>
+              <a:prstGeom prst="wedgeRectCallout">
+                <a:avLst>
+                  <a:gd name="adj1" fmla="val 75445"/>
+                  <a:gd name="adj2" fmla="val 70226"/>
+                </a:avLst>
+              </a:prstGeom>
+              <a:solidFill>
+                <a:srgbClr val="4E67C8">
+                  <a:alpha val="30196"/>
+                </a:srgbClr>
+              </a:solidFill>
+            </p:spPr>
+            <p:style>
+              <a:lnRef idx="2">
+                <a:schemeClr val="accent1">
+                  <a:shade val="50000"/>
+                </a:schemeClr>
+              </a:lnRef>
+              <a:fillRef idx="1">
+                <a:schemeClr val="accent1"/>
+              </a:fillRef>
+              <a:effectRef idx="0">
+                <a:schemeClr val="accent1"/>
+              </a:effectRef>
+              <a:fontRef idx="minor">
+                <a:schemeClr val="lt1"/>
+              </a:fontRef>
+            </p:style>
+            <p:txBody>
+              <a:bodyPr rtlCol="0" anchor="ctr"/>
+              <a:lstStyle/>
+              <a:p>
+                <a:r>
+                  <a:rPr lang="en-GB" dirty="0"/>
+                  <a:t>i.e. </a:t>
+                </a:r>
+                <a14:m>
+                  <m:oMath xmlns:m="http://schemas.openxmlformats.org/officeDocument/2006/math">
+                    <m:d>
+                      <m:dPr>
+                        <m:begChr m:val="‖"/>
+                        <m:endChr m:val="‖"/>
+                        <m:ctrlPr>
+                          <a:rPr lang="en-GB" i="1">
+                            <a:latin typeface="Cambria Math" panose="02040503050406030204" pitchFamily="18" charset="0"/>
+                          </a:rPr>
+                        </m:ctrlPr>
+                      </m:dPr>
+                      <m:e>
+                        <m:acc>
+                          <m:accPr>
+                            <m:chr m:val="̂"/>
+                            <m:ctrlPr>
+                              <a:rPr lang="en-GB" i="1">
+                                <a:latin typeface="Cambria Math" panose="02040503050406030204" pitchFamily="18" charset="0"/>
+                              </a:rPr>
+                            </m:ctrlPr>
+                          </m:accPr>
+                          <m:e>
+                            <m:r>
+                              <a:rPr lang="en-GB" b="1">
+                                <a:latin typeface="Cambria Math" panose="02040503050406030204" pitchFamily="18" charset="0"/>
+                              </a:rPr>
+                              <m:t>𝐯</m:t>
+                            </m:r>
+                          </m:e>
+                        </m:acc>
+                      </m:e>
+                    </m:d>
+                    <m:r>
+                      <a:rPr lang="en-GB" i="1">
+                        <a:latin typeface="Cambria Math" panose="02040503050406030204" pitchFamily="18" charset="0"/>
+                      </a:rPr>
+                      <m:t>=1</m:t>
+                    </m:r>
+                  </m:oMath>
+                </a14:m>
+                <a:endParaRPr lang="en-GB" dirty="0"/>
+              </a:p>
+            </p:txBody>
+          </p:sp>
+        </mc:Choice>
+        <mc:Fallback xmlns="">
+          <p:sp>
+            <p:nvSpPr>
+              <p:cNvPr id="4" name="Speech Bubble: Rectangle 3">
+                <a:extLst>
+                  <a:ext uri="{FF2B5EF4-FFF2-40B4-BE49-F238E27FC236}">
+                    <a16:creationId xmlns:a16="http://schemas.microsoft.com/office/drawing/2014/main" id="{135EE5EC-D133-46F4-B233-2C4AC0B21F8F}"/>
+                  </a:ext>
+                  <a:ext uri="{C183D7F6-B498-43B3-948B-1728B52AA6E4}">
+                    <adec:decorative xmlns:adec="http://schemas.microsoft.com/office/drawing/2017/decorative" val="1"/>
+                  </a:ext>
+                </a:extLst>
+              </p:cNvPr>
+              <p:cNvSpPr>
+                <a:spLocks noRot="1" noChangeAspect="1" noMove="1" noResize="1" noEditPoints="1" noAdjustHandles="1" noChangeArrowheads="1" noChangeShapeType="1" noTextEdit="1"/>
+              </p:cNvSpPr>
+              <p:nvPr/>
+            </p:nvSpPr>
+            <p:spPr>
+              <a:xfrm>
+                <a:off x="8728887" y="1092520"/>
+                <a:ext cx="1368643" cy="612929"/>
+              </a:xfrm>
+              <a:prstGeom prst="wedgeRectCallout">
+                <a:avLst>
+                  <a:gd name="adj1" fmla="val 75445"/>
+                  <a:gd name="adj2" fmla="val 70226"/>
+                </a:avLst>
+              </a:prstGeom>
+              <a:blipFill>
+                <a:blip r:embed="rId5"/>
+                <a:stretch>
+                  <a:fillRect l="-1724"/>
+                </a:stretch>
+              </a:blipFill>
+            </p:spPr>
+            <p:txBody>
+              <a:bodyPr/>
+              <a:lstStyle/>
+              <a:p>
+                <a:r>
+                  <a:rPr lang="en-GB">
+                    <a:noFill/>
+                  </a:rPr>
+                  <a:t> </a:t>
+                </a:r>
+              </a:p>
+            </p:txBody>
+          </p:sp>
+        </mc:Fallback>
+      </mc:AlternateContent>
+      <mc:AlternateContent xmlns:mc="http://schemas.openxmlformats.org/markup-compatibility/2006">
+        <mc:Choice xmlns:a14="http://schemas.microsoft.com/office/drawing/2010/main" Requires="a14">
+          <p:sp>
+            <p:nvSpPr>
+              <p:cNvPr id="6" name="Cloud 5" descr="Finding 𝐯 ̂ is known as normalisation; often performed by functions normalize() (in-place) and normalized() (returns 𝐯 ̂ keeping 𝐯 intact).">
+                <a:extLst>
+                  <a:ext uri="{FF2B5EF4-FFF2-40B4-BE49-F238E27FC236}">
+                    <a16:creationId xmlns:a16="http://schemas.microsoft.com/office/drawing/2014/main" id="{7D88A771-6E31-4358-B107-38FA76A2B349}"/>
+                  </a:ext>
+                </a:extLst>
+              </p:cNvPr>
+              <p:cNvSpPr/>
+              <p:nvPr/>
+            </p:nvSpPr>
+            <p:spPr>
+              <a:xfrm>
+                <a:off x="7077051" y="2467326"/>
+                <a:ext cx="4672313" cy="2868603"/>
+              </a:xfrm>
+              <a:prstGeom prst="cloud">
+                <a:avLst/>
+              </a:prstGeom>
+              <a:solidFill>
+                <a:srgbClr val="4E67C8">
+                  <a:alpha val="30196"/>
+                </a:srgbClr>
+              </a:solidFill>
+            </p:spPr>
+            <p:style>
+              <a:lnRef idx="2">
+                <a:schemeClr val="accent1">
+                  <a:shade val="50000"/>
+                </a:schemeClr>
+              </a:lnRef>
+              <a:fillRef idx="1">
+                <a:schemeClr val="accent1"/>
+              </a:fillRef>
+              <a:effectRef idx="0">
+                <a:schemeClr val="accent1"/>
+              </a:effectRef>
+              <a:fontRef idx="minor">
+                <a:schemeClr val="lt1"/>
+              </a:fontRef>
+            </p:style>
+            <p:txBody>
+              <a:bodyPr rtlCol="0" anchor="ctr"/>
+              <a:lstStyle/>
+              <a:p>
+                <a:pPr algn="ctr"/>
+                <a:br>
+                  <a:rPr lang="en-GB" dirty="0"/>
+                </a:br>
+                <a:r>
+                  <a:rPr lang="en-GB" dirty="0"/>
+                  <a:t>Finding </a:t>
+                </a:r>
+                <a14:m>
+                  <m:oMath xmlns:m="http://schemas.openxmlformats.org/officeDocument/2006/math">
+                    <m:acc>
+                      <m:accPr>
+                        <m:chr m:val="̂"/>
+                        <m:ctrlPr>
+                          <a:rPr lang="en-GB" i="1">
+                            <a:solidFill>
+                              <a:schemeClr val="tx1"/>
+                            </a:solidFill>
+                            <a:latin typeface="Cambria Math" panose="02040503050406030204" pitchFamily="18" charset="0"/>
+                          </a:rPr>
+                        </m:ctrlPr>
+                      </m:accPr>
+                      <m:e>
+                        <m:r>
+                          <a:rPr lang="en-GB" b="1">
+                            <a:solidFill>
+                              <a:schemeClr val="tx1"/>
+                            </a:solidFill>
+                            <a:latin typeface="Cambria Math" panose="02040503050406030204" pitchFamily="18" charset="0"/>
+                          </a:rPr>
+                          <m:t>𝐯</m:t>
+                        </m:r>
+                      </m:e>
+                    </m:acc>
+                  </m:oMath>
+                </a14:m>
+                <a:r>
+                  <a:rPr lang="en-GB" dirty="0"/>
+                  <a:t> is known as </a:t>
+                </a:r>
+                <a:r>
+                  <a:rPr lang="en-GB" b="1" dirty="0">
+                    <a:solidFill>
+                      <a:schemeClr val="accent2"/>
+                    </a:solidFill>
+                  </a:rPr>
+                  <a:t>normalisation</a:t>
+                </a:r>
+                <a:r>
+                  <a:rPr lang="en-GB" dirty="0"/>
+                  <a:t>; often performed by functions </a:t>
+                </a:r>
+                <a:r>
+                  <a:rPr lang="en-GB" dirty="0">
+                    <a:solidFill>
+                      <a:schemeClr val="accent4"/>
+                    </a:solidFill>
+                    <a:latin typeface="Consolas" panose="020B0609020204030204" pitchFamily="49" charset="0"/>
+                  </a:rPr>
+                  <a:t>normalize() </a:t>
+                </a:r>
+                <a:r>
+                  <a:rPr lang="en-GB" dirty="0"/>
+                  <a:t>(in-place) and </a:t>
+                </a:r>
+                <a:r>
+                  <a:rPr lang="en-GB" dirty="0">
+                    <a:solidFill>
+                      <a:schemeClr val="accent4"/>
+                    </a:solidFill>
+                    <a:latin typeface="Consolas" panose="020B0609020204030204" pitchFamily="49" charset="0"/>
+                  </a:rPr>
+                  <a:t>normalized() </a:t>
+                </a:r>
+                <a:r>
+                  <a:rPr lang="en-GB" dirty="0"/>
+                  <a:t>(returns </a:t>
+                </a:r>
+                <a14:m>
+                  <m:oMath xmlns:m="http://schemas.openxmlformats.org/officeDocument/2006/math">
+                    <m:acc>
+                      <m:accPr>
+                        <m:chr m:val="̂"/>
+                        <m:ctrlPr>
+                          <a:rPr lang="en-GB" i="1">
+                            <a:solidFill>
+                              <a:schemeClr val="tx1"/>
+                            </a:solidFill>
+                            <a:latin typeface="Cambria Math" panose="02040503050406030204" pitchFamily="18" charset="0"/>
+                          </a:rPr>
+                        </m:ctrlPr>
+                      </m:accPr>
+                      <m:e>
+                        <m:r>
+                          <a:rPr lang="en-GB" b="1">
+                            <a:solidFill>
+                              <a:schemeClr val="tx1"/>
+                            </a:solidFill>
+                            <a:latin typeface="Cambria Math" panose="02040503050406030204" pitchFamily="18" charset="0"/>
+                          </a:rPr>
+                          <m:t>𝐯</m:t>
+                        </m:r>
+                      </m:e>
+                    </m:acc>
+                  </m:oMath>
+                </a14:m>
+                <a:r>
+                  <a:rPr lang="en-GB" dirty="0"/>
+                  <a:t> keeping </a:t>
+                </a:r>
+                <a14:m>
+                  <m:oMath xmlns:m="http://schemas.openxmlformats.org/officeDocument/2006/math">
+                    <m:r>
+                      <a:rPr lang="en-GB" b="1">
+                        <a:latin typeface="Cambria Math" panose="02040503050406030204" pitchFamily="18" charset="0"/>
+                      </a:rPr>
+                      <m:t>𝐯</m:t>
+                    </m:r>
+                  </m:oMath>
+                </a14:m>
+                <a:r>
+                  <a:rPr lang="en-GB" dirty="0"/>
+                  <a:t> intact).</a:t>
+                </a:r>
+              </a:p>
+              <a:p>
+                <a:pPr algn="ctr"/>
+                <a:endParaRPr lang="en-GB" dirty="0"/>
+              </a:p>
+            </p:txBody>
+          </p:sp>
+        </mc:Choice>
+        <mc:Fallback>
+          <p:sp>
+            <p:nvSpPr>
+              <p:cNvPr id="6" name="Cloud 5" descr="Finding 𝐯 ̂ is known as normalisation; often performed by functions normalize() (in-place) and normalized() (returns 𝐯 ̂ keeping 𝐯 intact).">
+                <a:extLst>
+                  <a:ext uri="{FF2B5EF4-FFF2-40B4-BE49-F238E27FC236}">
+                    <a16:creationId xmlns:a16="http://schemas.microsoft.com/office/drawing/2014/main" id="{7D88A771-6E31-4358-B107-38FA76A2B349}"/>
+                  </a:ext>
+                </a:extLst>
+              </p:cNvPr>
+              <p:cNvSpPr>
+                <a:spLocks noRot="1" noChangeAspect="1" noMove="1" noResize="1" noEditPoints="1" noAdjustHandles="1" noChangeArrowheads="1" noChangeShapeType="1" noTextEdit="1"/>
+              </p:cNvSpPr>
+              <p:nvPr/>
+            </p:nvSpPr>
+            <p:spPr>
+              <a:xfrm>
+                <a:off x="7077051" y="2467326"/>
+                <a:ext cx="4672313" cy="2868603"/>
+              </a:xfrm>
+              <a:prstGeom prst="cloud">
+                <a:avLst/>
+              </a:prstGeom>
+              <a:blipFill>
+                <a:blip r:embed="rId6"/>
+                <a:stretch>
+                  <a:fillRect/>
+                </a:stretch>
+              </a:blipFill>
+            </p:spPr>
+            <p:txBody>
+              <a:bodyPr/>
+              <a:lstStyle/>
+              <a:p>
+                <a:r>
+                  <a:rPr lang="en-GB">
+                    <a:noFill/>
+                  </a:rPr>
+                  <a:t> </a:t>
+                </a:r>
+              </a:p>
+            </p:txBody>
+          </p:sp>
+        </mc:Fallback>
+      </mc:AlternateContent>
+    </p:spTree>
+    <p:extLst>
+      <p:ext uri="{BB962C8B-B14F-4D97-AF65-F5344CB8AC3E}">
+        <p14:creationId xmlns:p14="http://schemas.microsoft.com/office/powerpoint/2010/main" val="2926657243"/>
       </p:ext>
     </p:extLst>
   </p:cSld>
@@ -7280,41 +11247,6 @@
                                   </p:childTnLst>
                                 </p:cTn>
                               </p:par>
-                              <p:par>
-                                <p:cTn id="8" presetID="10" presetClass="entr" presetSubtype="0" fill="hold" nodeType="withEffect">
-                                  <p:stCondLst>
-                                    <p:cond delay="0"/>
-                                  </p:stCondLst>
-                                  <p:childTnLst>
-                                    <p:set>
-                                      <p:cBhvr>
-                                        <p:cTn id="9" dur="1" fill="hold">
-                                          <p:stCondLst>
-                                            <p:cond delay="0"/>
-                                          </p:stCondLst>
-                                        </p:cTn>
-                                        <p:tgtEl>
-                                          <p:spTgt spid="22"/>
-                                        </p:tgtEl>
-                                        <p:attrNameLst>
-                                          <p:attrName>style.visibility</p:attrName>
-                                        </p:attrNameLst>
-                                      </p:cBhvr>
-                                      <p:to>
-                                        <p:strVal val="visible"/>
-                                      </p:to>
-                                    </p:set>
-                                    <p:animEffect transition="in" filter="fade">
-                                      <p:cBhvr>
-                                        <p:cTn id="10" dur="500"/>
-                                        <p:tgtEl>
-                                          <p:spTgt spid="22"/>
-                                        </p:tgtEl>
-                                      </p:cBhvr>
-                                    </p:animEffect>
-                                  </p:childTnLst>
-                                </p:cTn>
-                              </p:par>
                             </p:childTnLst>
                           </p:cTn>
                         </p:par>
@@ -7322,26 +11254,26 @@
                     </p:cTn>
                   </p:par>
                   <p:par>
-                    <p:cTn id="11" fill="hold">
+                    <p:cTn id="8" fill="hold">
                       <p:stCondLst>
                         <p:cond delay="indefinite"/>
                       </p:stCondLst>
                       <p:childTnLst>
                         <p:par>
-                          <p:cTn id="12" fill="hold">
+                          <p:cTn id="9" fill="hold">
                             <p:stCondLst>
                               <p:cond delay="0"/>
                             </p:stCondLst>
                             <p:childTnLst>
                               <p:par>
-                                <p:cTn id="13" presetID="10" presetClass="entr" presetSubtype="0" fill="hold" grpId="0" nodeType="clickEffect">
+                                <p:cTn id="10" presetID="10" presetClass="entr" presetSubtype="0" fill="hold" grpId="0" nodeType="clickEffect">
                                   <p:stCondLst>
                                     <p:cond delay="0"/>
                                   </p:stCondLst>
                                   <p:childTnLst>
                                     <p:set>
                                       <p:cBhvr>
-                                        <p:cTn id="14" dur="1" fill="hold">
+                                        <p:cTn id="11" dur="1" fill="hold">
                                           <p:stCondLst>
                                             <p:cond delay="0"/>
                                           </p:stCondLst>
@@ -7363,11 +11295,54 @@
                                     </p:set>
                                     <p:animEffect transition="in" filter="fade">
                                       <p:cBhvr>
+                                        <p:cTn id="12" dur="500"/>
+                                        <p:tgtEl>
+                                          <p:spTgt spid="3">
+                                            <p:txEl>
+                                              <p:pRg st="1" end="1"/>
+                                            </p:txEl>
+                                          </p:spTgt>
+                                        </p:tgtEl>
+                                      </p:cBhvr>
+                                    </p:animEffect>
+                                  </p:childTnLst>
+                                </p:cTn>
+                              </p:par>
+                              <p:par>
+                                <p:cTn id="13" presetID="10" presetClass="entr" presetSubtype="0" fill="hold" grpId="0" nodeType="withEffect">
+                                  <p:stCondLst>
+                                    <p:cond delay="0"/>
+                                  </p:stCondLst>
+                                  <p:childTnLst>
+                                    <p:set>
+                                      <p:cBhvr>
+                                        <p:cTn id="14" dur="1" fill="hold">
+                                          <p:stCondLst>
+                                            <p:cond delay="0"/>
+                                          </p:stCondLst>
+                                        </p:cTn>
+                                        <p:tgtEl>
+                                          <p:spTgt spid="3">
+                                            <p:txEl>
+                                              <p:pRg st="2" end="2"/>
+                                            </p:txEl>
+                                          </p:spTgt>
+                                        </p:tgtEl>
+                                        <p:attrNameLst>
+                                          <p:attrName>style.visibility</p:attrName>
+                                        </p:attrNameLst>
+                                      </p:cBhvr>
+                                      <p:to>
+                                        <p:strVal val="visible"/>
+                                      </p:to>
+                                    </p:set>
+                                    <p:animEffect transition="in" filter="fade">
+                                      <p:cBhvr>
                                         <p:cTn id="15" dur="500"/>
                                         <p:tgtEl>
                                           <p:spTgt spid="3">
                                             <p:txEl>
-                                              <p:pRg st="1" end="1"/>
+                                              <p:pRg st="2" end="2"/>
                                             </p:txEl>
                                           </p:spTgt>
                                         </p:tgtEl>
@@ -7410,7 +11385,7 @@
                                         <p:tgtEl>
                                           <p:spTgt spid="3">
                                             <p:txEl>
-                                              <p:pRg st="2" end="2"/>
+                                              <p:pRg st="3" end="3"/>
                                             </p:txEl>
                                           </p:spTgt>
                                         </p:tgtEl>
@@ -7428,9 +11403,219 @@
                                         <p:tgtEl>
                                           <p:spTgt spid="3">
                                             <p:txEl>
-                                              <p:pRg st="2" end="2"/>
+                                              <p:pRg st="3" end="3"/>
                                             </p:txEl>
                                           </p:spTgt>
+                                        </p:tgtEl>
+                                      </p:cBhvr>
+                                    </p:animEffect>
+                                  </p:childTnLst>
+                                </p:cTn>
+                              </p:par>
+                            </p:childTnLst>
+                          </p:cTn>
+                        </p:par>
+                      </p:childTnLst>
+                    </p:cTn>
+                  </p:par>
+                  <p:par>
+                    <p:cTn id="21" fill="hold">
+                      <p:stCondLst>
+                        <p:cond delay="indefinite"/>
+                      </p:stCondLst>
+                      <p:childTnLst>
+                        <p:par>
+                          <p:cTn id="22" fill="hold">
+                            <p:stCondLst>
+                              <p:cond delay="0"/>
+                            </p:stCondLst>
+                            <p:childTnLst>
+                              <p:par>
+                                <p:cTn id="23" presetID="10" presetClass="entr" presetSubtype="0" fill="hold" grpId="0" nodeType="clickEffect">
+                                  <p:stCondLst>
+                                    <p:cond delay="0"/>
+                                  </p:stCondLst>
+                                  <p:childTnLst>
+                                    <p:set>
+                                      <p:cBhvr>
+                                        <p:cTn id="24" dur="1" fill="hold">
+                                          <p:stCondLst>
+                                            <p:cond delay="0"/>
+                                          </p:stCondLst>
+                                        </p:cTn>
+                                        <p:tgtEl>
+                                          <p:spTgt spid="3">
+                                            <p:txEl>
+                                              <p:pRg st="4" end="4"/>
+                                            </p:txEl>
+                                          </p:spTgt>
+                                        </p:tgtEl>
+                                        <p:attrNameLst>
+                                          <p:attrName>style.visibility</p:attrName>
+                                        </p:attrNameLst>
+                                      </p:cBhvr>
+                                      <p:to>
+                                        <p:strVal val="visible"/>
+                                      </p:to>
+                                    </p:set>
+                                    <p:animEffect transition="in" filter="fade">
+                                      <p:cBhvr>
+                                        <p:cTn id="25" dur="500"/>
+                                        <p:tgtEl>
+                                          <p:spTgt spid="3">
+                                            <p:txEl>
+                                              <p:pRg st="4" end="4"/>
+                                            </p:txEl>
+                                          </p:spTgt>
+                                        </p:tgtEl>
+                                      </p:cBhvr>
+                                    </p:animEffect>
+                                  </p:childTnLst>
+                                </p:cTn>
+                              </p:par>
+                            </p:childTnLst>
+                          </p:cTn>
+                        </p:par>
+                      </p:childTnLst>
+                    </p:cTn>
+                  </p:par>
+                  <p:par>
+                    <p:cTn id="26" fill="hold">
+                      <p:stCondLst>
+                        <p:cond delay="indefinite"/>
+                      </p:stCondLst>
+                      <p:childTnLst>
+                        <p:par>
+                          <p:cTn id="27" fill="hold">
+                            <p:stCondLst>
+                              <p:cond delay="0"/>
+                            </p:stCondLst>
+                            <p:childTnLst>
+                              <p:par>
+                                <p:cTn id="28" presetID="10" presetClass="entr" presetSubtype="0" fill="hold" grpId="0" nodeType="clickEffect">
+                                  <p:stCondLst>
+                                    <p:cond delay="0"/>
+                                  </p:stCondLst>
+                                  <p:childTnLst>
+                                    <p:set>
+                                      <p:cBhvr>
+                                        <p:cTn id="29" dur="1" fill="hold">
+                                          <p:stCondLst>
+                                            <p:cond delay="0"/>
+                                          </p:stCondLst>
+                                        </p:cTn>
+                                        <p:tgtEl>
+                                          <p:spTgt spid="3">
+                                            <p:txEl>
+                                              <p:pRg st="5" end="5"/>
+                                            </p:txEl>
+                                          </p:spTgt>
+                                        </p:tgtEl>
+                                        <p:attrNameLst>
+                                          <p:attrName>style.visibility</p:attrName>
+                                        </p:attrNameLst>
+                                      </p:cBhvr>
+                                      <p:to>
+                                        <p:strVal val="visible"/>
+                                      </p:to>
+                                    </p:set>
+                                    <p:animEffect transition="in" filter="fade">
+                                      <p:cBhvr>
+                                        <p:cTn id="30" dur="500"/>
+                                        <p:tgtEl>
+                                          <p:spTgt spid="3">
+                                            <p:txEl>
+                                              <p:pRg st="5" end="5"/>
+                                            </p:txEl>
+                                          </p:spTgt>
+                                        </p:tgtEl>
+                                      </p:cBhvr>
+                                    </p:animEffect>
+                                  </p:childTnLst>
+                                </p:cTn>
+                              </p:par>
+                              <p:par>
+                                <p:cTn id="31" presetID="10" presetClass="entr" presetSubtype="0" fill="hold" grpId="0" nodeType="withEffect">
+                                  <p:stCondLst>
+                                    <p:cond delay="0"/>
+                                  </p:stCondLst>
+                                  <p:childTnLst>
+                                    <p:set>
+                                      <p:cBhvr>
+                                        <p:cTn id="32" dur="1" fill="hold">
+                                          <p:stCondLst>
+                                            <p:cond delay="0"/>
+                                          </p:stCondLst>
+                                        </p:cTn>
+                                        <p:tgtEl>
+                                          <p:spTgt spid="4"/>
+                                        </p:tgtEl>
+                                        <p:attrNameLst>
+                                          <p:attrName>style.visibility</p:attrName>
+                                        </p:attrNameLst>
+                                      </p:cBhvr>
+                                      <p:to>
+                                        <p:strVal val="visible"/>
+                                      </p:to>
+                                    </p:set>
+                                    <p:animEffect transition="in" filter="fade">
+                                      <p:cBhvr>
+                                        <p:cTn id="33" dur="500"/>
+                                        <p:tgtEl>
+                                          <p:spTgt spid="4"/>
+                                        </p:tgtEl>
+                                      </p:cBhvr>
+                                    </p:animEffect>
+                                  </p:childTnLst>
+                                </p:cTn>
+                              </p:par>
+                            </p:childTnLst>
+                          </p:cTn>
+                        </p:par>
+                      </p:childTnLst>
+                    </p:cTn>
+                  </p:par>
+                  <p:par>
+                    <p:cTn id="34" fill="hold">
+                      <p:stCondLst>
+                        <p:cond delay="indefinite"/>
+                      </p:stCondLst>
+                      <p:childTnLst>
+                        <p:par>
+                          <p:cTn id="35" fill="hold">
+                            <p:stCondLst>
+                              <p:cond delay="0"/>
+                            </p:stCondLst>
+                            <p:childTnLst>
+                              <p:par>
+                                <p:cTn id="36" presetID="10" presetClass="entr" presetSubtype="0" fill="hold" grpId="0" nodeType="clickEffect">
+                                  <p:stCondLst>
+                                    <p:cond delay="0"/>
+                                  </p:stCondLst>
+                                  <p:childTnLst>
+                                    <p:set>
+                                      <p:cBhvr>
+                                        <p:cTn id="37" dur="1" fill="hold">
+                                          <p:stCondLst>
+                                            <p:cond delay="0"/>
+                                          </p:stCondLst>
+                                        </p:cTn>
+                                        <p:tgtEl>
+                                          <p:spTgt spid="6"/>
+                                        </p:tgtEl>
+                                        <p:attrNameLst>
+                                          <p:attrName>style.visibility</p:attrName>
+                                        </p:attrNameLst>
+                                      </p:cBhvr>
+                                      <p:to>
+                                        <p:strVal val="visible"/>
+                                      </p:to>
+                                    </p:set>
+                                    <p:animEffect transition="in" filter="fade">
+                                      <p:cBhvr>
+                                        <p:cTn id="38" dur="500"/>
+                                        <p:tgtEl>
+                                          <p:spTgt spid="6"/>
                                         </p:tgtEl>
                                       </p:cBhvr>
                                     </p:animEffect>
@@ -7466,6 +11651,8 @@
     </p:tnLst>
     <p:bldLst>
       <p:bldP spid="3" grpId="0" uiExpand="1" build="p"/>
+      <p:bldP spid="4" grpId="0" animBg="1"/>
+      <p:bldP spid="6" grpId="0" animBg="1"/>
     </p:bldLst>
   </p:timing>
 </p:sld>
@@ -7536,7 +11723,19 @@
             </a:r>
             <a:r>
               <a:rPr lang="en-US" dirty="0"/>
-              <a:t>the dot product vector operator</a:t>
+              <a:t>the </a:t>
+            </a:r>
+            <a:r>
+              <a:rPr lang="en-US" dirty="0">
+                <a:solidFill>
+                  <a:schemeClr val="accent2"/>
+                </a:solidFill>
+              </a:rPr>
+              <a:t>dot product </a:t>
+            </a:r>
+            <a:r>
+              <a:rPr lang="en-US" dirty="0"/>
+              <a:t>vector operator</a:t>
             </a:r>
             <a:endParaRPr lang="en-US" b="1" dirty="0">
               <a:solidFill>
@@ -7635,8 +11834,8 @@
           </a:p>
         </p:txBody>
       </p:sp>
-      <mc:AlternateContent xmlns:mc="http://schemas.openxmlformats.org/markup-compatibility/2006">
-        <mc:Choice xmlns:a14="http://schemas.microsoft.com/office/drawing/2010/main" Requires="a14">
+      <mc:AlternateContent xmlns:mc="http://schemas.openxmlformats.org/markup-compatibility/2006" xmlns:a14="http://schemas.microsoft.com/office/drawing/2010/main">
+        <mc:Choice Requires="a14">
           <p:sp>
             <p:nvSpPr>
               <p:cNvPr id="3" name="Content Placeholder 2">
@@ -7701,6 +11900,18 @@
                 </a:r>
                 <a14:m>
                   <m:oMath xmlns:m="http://schemas.openxmlformats.org/officeDocument/2006/math">
+                    <m:r>
+                      <a:rPr lang="en-GB" b="1" i="0" smtClean="0">
+                        <a:latin typeface="Cambria Math" panose="02040503050406030204" pitchFamily="18" charset="0"/>
+                      </a:rPr>
+                      <m:t>𝐯</m:t>
+                    </m:r>
+                    <m:r>
+                      <a:rPr lang="en-GB" b="0" i="1" smtClean="0">
+                        <a:latin typeface="Cambria Math" panose="02040503050406030204" pitchFamily="18" charset="0"/>
+                      </a:rPr>
+                      <m:t>=</m:t>
+                    </m:r>
                     <m:d>
                       <m:dPr>
                         <m:ctrlPr>
@@ -8046,7 +12257,7 @@
             </p:txBody>
           </p:sp>
         </mc:Choice>
-        <mc:Fallback>
+        <mc:Fallback xmlns="">
           <p:sp>
             <p:nvSpPr>
               <p:cNvPr id="3" name="Content Placeholder 2">
@@ -8069,7 +12280,7 @@
                 <a:ext cx="10363200" cy="4745577"/>
               </a:xfrm>
               <a:blipFill>
-                <a:blip r:embed="rId2"/>
+                <a:blip r:embed="rId3"/>
                 <a:stretch>
                   <a:fillRect l="-412" t="-1671"/>
                 </a:stretch>
@@ -8294,6 +12505,9 @@
                 <a:ext uri="{FF2B5EF4-FFF2-40B4-BE49-F238E27FC236}">
                   <a16:creationId xmlns:a16="http://schemas.microsoft.com/office/drawing/2014/main" id="{BC543703-4E49-4960-9EC7-D2D51C80C794}"/>
                 </a:ext>
+                <a:ext uri="{C183D7F6-B498-43B3-948B-1728B52AA6E4}">
+                  <adec:decorative xmlns:adec="http://schemas.microsoft.com/office/drawing/2017/decorative" val="1"/>
+                </a:ext>
               </a:extLst>
             </p:cNvPr>
             <p:cNvCxnSpPr/>
@@ -8370,8 +12584,8 @@
             </a:p>
           </p:txBody>
         </p:sp>
-        <mc:AlternateContent xmlns:mc="http://schemas.openxmlformats.org/markup-compatibility/2006">
-          <mc:Choice xmlns:a14="http://schemas.microsoft.com/office/drawing/2010/main" Requires="a14">
+        <mc:AlternateContent xmlns:mc="http://schemas.openxmlformats.org/markup-compatibility/2006" xmlns:a14="http://schemas.microsoft.com/office/drawing/2010/main">
+          <mc:Choice Requires="a14">
             <p:sp>
               <p:nvSpPr>
                 <p:cNvPr id="13" name="TextBox 12">
@@ -8400,6 +12614,7 @@
                 </a:bodyPr>
                 <a:lstStyle/>
                 <a:p>
+                  <a:pPr/>
                   <a14:m>
                     <m:oMathPara xmlns:m="http://schemas.openxmlformats.org/officeDocument/2006/math">
                       <m:oMathParaPr>
@@ -8433,7 +12648,7 @@
               </p:txBody>
             </p:sp>
           </mc:Choice>
-          <mc:Fallback>
+          <mc:Fallback xmlns="">
             <p:sp>
               <p:nvSpPr>
                 <p:cNvPr id="13" name="TextBox 12">
@@ -8457,7 +12672,7 @@
                   <a:avLst/>
                 </a:prstGeom>
                 <a:blipFill>
-                  <a:blip r:embed="rId3"/>
+                  <a:blip r:embed="rId4"/>
                   <a:stretch>
                     <a:fillRect/>
                   </a:stretch>
@@ -8484,6 +12699,9 @@
               <a:extLst>
                 <a:ext uri="{FF2B5EF4-FFF2-40B4-BE49-F238E27FC236}">
                   <a16:creationId xmlns:a16="http://schemas.microsoft.com/office/drawing/2014/main" id="{37196D52-E0A6-47C0-8812-249D77F0F156}"/>
+                </a:ext>
+                <a:ext uri="{C183D7F6-B498-43B3-948B-1728B52AA6E4}">
+                  <adec:decorative xmlns:adec="http://schemas.microsoft.com/office/drawing/2017/decorative" val="1"/>
                 </a:ext>
               </a:extLst>
             </p:cNvPr>
@@ -8535,6 +12753,9 @@
                   <a:extLst>
                     <a:ext uri="{FF2B5EF4-FFF2-40B4-BE49-F238E27FC236}">
                       <a16:creationId xmlns:a16="http://schemas.microsoft.com/office/drawing/2014/main" id="{01EEDBE1-3B93-492A-8B20-0B29DF3BF4BE}"/>
+                    </a:ext>
+                    <a:ext uri="{C183D7F6-B498-43B3-948B-1728B52AA6E4}">
+                      <adec:decorative xmlns:adec="http://schemas.microsoft.com/office/drawing/2017/decorative" val="1"/>
                     </a:ext>
                   </a:extLst>
                 </p:cNvPr>
@@ -8599,6 +12820,9 @@
                     <a:ext uri="{FF2B5EF4-FFF2-40B4-BE49-F238E27FC236}">
                       <a16:creationId xmlns:a16="http://schemas.microsoft.com/office/drawing/2014/main" id="{01EEDBE1-3B93-492A-8B20-0B29DF3BF4BE}"/>
                     </a:ext>
+                    <a:ext uri="{C183D7F6-B498-43B3-948B-1728B52AA6E4}">
+                      <adec:decorative xmlns:adec="http://schemas.microsoft.com/office/drawing/2017/decorative" val="1"/>
+                    </a:ext>
                   </a:extLst>
                 </p:cNvPr>
                 <p:cNvSpPr txBox="1">
@@ -8615,7 +12839,7 @@
                   <a:avLst/>
                 </a:prstGeom>
                 <a:blipFill>
-                  <a:blip r:embed="rId4"/>
+                  <a:blip r:embed="rId5"/>
                   <a:stretch>
                     <a:fillRect/>
                   </a:stretch>
@@ -8644,6 +12868,9 @@
               <a:ext uri="{FF2B5EF4-FFF2-40B4-BE49-F238E27FC236}">
                 <a16:creationId xmlns:a16="http://schemas.microsoft.com/office/drawing/2014/main" id="{DF86D297-8686-4D3D-B1D9-C40744D1B6CD}"/>
               </a:ext>
+              <a:ext uri="{C183D7F6-B498-43B3-948B-1728B52AA6E4}">
+                <adec:decorative xmlns:adec="http://schemas.microsoft.com/office/drawing/2017/decorative" val="1"/>
+              </a:ext>
             </a:extLst>
           </p:cNvPr>
           <p:cNvGrpSpPr/>
@@ -8666,6 +12893,9 @@
                     <a:ext uri="{FF2B5EF4-FFF2-40B4-BE49-F238E27FC236}">
                       <a16:creationId xmlns:a16="http://schemas.microsoft.com/office/drawing/2014/main" id="{CED711F1-DBD1-43C7-9636-506075A05E96}"/>
                     </a:ext>
+                    <a:ext uri="{C183D7F6-B498-43B3-948B-1728B52AA6E4}">
+                      <adec:decorative xmlns:adec="http://schemas.microsoft.com/office/drawing/2017/decorative" val="1"/>
+                    </a:ext>
                   </a:extLst>
                 </p:cNvPr>
                 <p:cNvSpPr txBox="1"/>
@@ -8687,6 +12917,7 @@
                 </a:bodyPr>
                 <a:lstStyle/>
                 <a:p>
+                  <a:pPr/>
                   <a14:m>
                     <m:oMathPara xmlns:m="http://schemas.openxmlformats.org/officeDocument/2006/math">
                       <m:oMathParaPr>
@@ -8810,6 +13041,9 @@
                     <a:ext uri="{FF2B5EF4-FFF2-40B4-BE49-F238E27FC236}">
                       <a16:creationId xmlns:a16="http://schemas.microsoft.com/office/drawing/2014/main" id="{CED711F1-DBD1-43C7-9636-506075A05E96}"/>
                     </a:ext>
+                    <a:ext uri="{C183D7F6-B498-43B3-948B-1728B52AA6E4}">
+                      <adec:decorative xmlns:adec="http://schemas.microsoft.com/office/drawing/2017/decorative" val="1"/>
+                    </a:ext>
                   </a:extLst>
                 </p:cNvPr>
                 <p:cNvSpPr txBox="1">
@@ -8826,7 +13060,7 @@
                   <a:avLst/>
                 </a:prstGeom>
                 <a:blipFill>
-                  <a:blip r:embed="rId5"/>
+                  <a:blip r:embed="rId6"/>
                   <a:stretch>
                     <a:fillRect/>
                   </a:stretch>
@@ -8853,6 +13087,9 @@
               <a:extLst>
                 <a:ext uri="{FF2B5EF4-FFF2-40B4-BE49-F238E27FC236}">
                   <a16:creationId xmlns:a16="http://schemas.microsoft.com/office/drawing/2014/main" id="{5FE5510E-37F1-4358-9925-65EA47009778}"/>
+                </a:ext>
+                <a:ext uri="{C183D7F6-B498-43B3-948B-1728B52AA6E4}">
+                  <adec:decorative xmlns:adec="http://schemas.microsoft.com/office/drawing/2017/decorative" val="1"/>
                 </a:ext>
               </a:extLst>
             </p:cNvPr>
@@ -8903,6 +13140,9 @@
             <a:extLst>
               <a:ext uri="{FF2B5EF4-FFF2-40B4-BE49-F238E27FC236}">
                 <a16:creationId xmlns:a16="http://schemas.microsoft.com/office/drawing/2014/main" id="{FE0F7075-BED2-4196-848E-C8E336E26BB2}"/>
+              </a:ext>
+              <a:ext uri="{C183D7F6-B498-43B3-948B-1728B52AA6E4}">
+                <adec:decorative xmlns:adec="http://schemas.microsoft.com/office/drawing/2017/decorative" val="1"/>
               </a:ext>
             </a:extLst>
           </p:cNvPr>
@@ -9059,8 +13299,8 @@
             </a:fontRef>
           </p:style>
         </p:cxnSp>
-        <mc:AlternateContent xmlns:mc="http://schemas.openxmlformats.org/markup-compatibility/2006">
-          <mc:Choice xmlns:a14="http://schemas.microsoft.com/office/drawing/2010/main" Requires="a14">
+        <mc:AlternateContent xmlns:mc="http://schemas.openxmlformats.org/markup-compatibility/2006" xmlns:a14="http://schemas.microsoft.com/office/drawing/2010/main">
+          <mc:Choice Requires="a14">
             <p:sp>
               <p:nvSpPr>
                 <p:cNvPr id="53" name="TextBox 52">
@@ -9089,6 +13329,7 @@
                 </a:bodyPr>
                 <a:lstStyle/>
                 <a:p>
+                  <a:pPr/>
                   <a14:m>
                     <m:oMathPara xmlns:m="http://schemas.openxmlformats.org/officeDocument/2006/math">
                       <m:oMathParaPr>
@@ -9098,7 +13339,7 @@
                         <m:r>
                           <a:rPr lang="en-GB" sz="2800" b="0" i="1" smtClean="0">
                             <a:solidFill>
-                              <a:schemeClr val="accent4"/>
+                              <a:srgbClr val="5DCEAF"/>
                             </a:solidFill>
                             <a:latin typeface="Cambria Math" panose="02040503050406030204" pitchFamily="18" charset="0"/>
                           </a:rPr>
@@ -9109,14 +13350,14 @@
                   </a14:m>
                   <a:endParaRPr lang="en-GB" sz="2800" dirty="0">
                     <a:solidFill>
-                      <a:schemeClr val="accent4"/>
+                      <a:srgbClr val="5DCEAF"/>
                     </a:solidFill>
                   </a:endParaRPr>
                 </a:p>
               </p:txBody>
             </p:sp>
           </mc:Choice>
-          <mc:Fallback>
+          <mc:Fallback xmlns="">
             <p:sp>
               <p:nvSpPr>
                 <p:cNvPr id="53" name="TextBox 52">
@@ -9140,7 +13381,7 @@
                   <a:avLst/>
                 </a:prstGeom>
                 <a:blipFill>
-                  <a:blip r:embed="rId6"/>
+                  <a:blip r:embed="rId7"/>
                   <a:stretch>
                     <a:fillRect/>
                   </a:stretch>
@@ -9161,8 +13402,8 @@
             </p:sp>
           </mc:Fallback>
         </mc:AlternateContent>
-        <mc:AlternateContent xmlns:mc="http://schemas.openxmlformats.org/markup-compatibility/2006">
-          <mc:Choice xmlns:a14="http://schemas.microsoft.com/office/drawing/2010/main" Requires="a14">
+        <mc:AlternateContent xmlns:mc="http://schemas.openxmlformats.org/markup-compatibility/2006" xmlns:a14="http://schemas.microsoft.com/office/drawing/2010/main">
+          <mc:Choice Requires="a14">
             <p:sp>
               <p:nvSpPr>
                 <p:cNvPr id="54" name="TextBox 53">
@@ -9201,7 +13442,7 @@
                         <m:r>
                           <a:rPr lang="en-GB" sz="2800" b="0" i="1" smtClean="0">
                             <a:solidFill>
-                              <a:schemeClr val="accent4"/>
+                              <a:srgbClr val="34AC8B"/>
                             </a:solidFill>
                             <a:latin typeface="Cambria Math" panose="02040503050406030204" pitchFamily="18" charset="0"/>
                           </a:rPr>
@@ -9219,7 +13460,7 @@
               </p:txBody>
             </p:sp>
           </mc:Choice>
-          <mc:Fallback>
+          <mc:Fallback xmlns="">
             <p:sp>
               <p:nvSpPr>
                 <p:cNvPr id="54" name="TextBox 53">
@@ -9243,7 +13484,7 @@
                   <a:avLst/>
                 </a:prstGeom>
                 <a:blipFill>
-                  <a:blip r:embed="rId7"/>
+                  <a:blip r:embed="rId8"/>
                   <a:stretch>
                     <a:fillRect/>
                   </a:stretch>
@@ -9639,84 +13880,14 @@
                                 </p:cTn>
                               </p:par>
                               <p:par>
-                                <p:cTn id="32" presetID="10" presetClass="exit" presetSubtype="0" fill="hold" nodeType="withEffect">
-                                  <p:stCondLst>
-                                    <p:cond delay="0"/>
-                                  </p:stCondLst>
-                                  <p:childTnLst>
-                                    <p:animEffect transition="out" filter="fade">
-                                      <p:cBhvr>
-                                        <p:cTn id="33" dur="500"/>
-                                        <p:tgtEl>
-                                          <p:spTgt spid="10"/>
-                                        </p:tgtEl>
-                                      </p:cBhvr>
-                                    </p:animEffect>
-                                    <p:set>
-                                      <p:cBhvr>
-                                        <p:cTn id="34" dur="1" fill="hold">
-                                          <p:stCondLst>
-                                            <p:cond delay="499"/>
-                                          </p:stCondLst>
-                                        </p:cTn>
-                                        <p:tgtEl>
-                                          <p:spTgt spid="10"/>
-                                        </p:tgtEl>
-                                        <p:attrNameLst>
-                                          <p:attrName>style.visibility</p:attrName>
-                                        </p:attrNameLst>
-                                      </p:cBhvr>
-                                      <p:to>
-                                        <p:strVal val="hidden"/>
-                                      </p:to>
-                                    </p:set>
-                                  </p:childTnLst>
-                                </p:cTn>
-                              </p:par>
-                              <p:par>
-                                <p:cTn id="35" presetID="10" presetClass="exit" presetSubtype="0" fill="hold" nodeType="withEffect">
-                                  <p:stCondLst>
-                                    <p:cond delay="0"/>
-                                  </p:stCondLst>
-                                  <p:childTnLst>
-                                    <p:animEffect transition="out" filter="fade">
-                                      <p:cBhvr>
-                                        <p:cTn id="36" dur="500"/>
-                                        <p:tgtEl>
-                                          <p:spTgt spid="24"/>
-                                        </p:tgtEl>
-                                      </p:cBhvr>
-                                    </p:animEffect>
-                                    <p:set>
-                                      <p:cBhvr>
-                                        <p:cTn id="37" dur="1" fill="hold">
-                                          <p:stCondLst>
-                                            <p:cond delay="499"/>
-                                          </p:stCondLst>
-                                        </p:cTn>
-                                        <p:tgtEl>
-                                          <p:spTgt spid="24"/>
-                                        </p:tgtEl>
-                                        <p:attrNameLst>
-                                          <p:attrName>style.visibility</p:attrName>
-                                        </p:attrNameLst>
-                                      </p:cBhvr>
-                                      <p:to>
-                                        <p:strVal val="hidden"/>
-                                      </p:to>
-                                    </p:set>
-                                  </p:childTnLst>
-                                </p:cTn>
-                              </p:par>
-                              <p:par>
-                                <p:cTn id="38" presetID="10" presetClass="entr" presetSubtype="0" fill="hold" nodeType="withEffect">
+                                <p:cTn id="32" presetID="10" presetClass="entr" presetSubtype="0" fill="hold" nodeType="withEffect">
                                   <p:stCondLst>
                                     <p:cond delay="0"/>
                                   </p:stCondLst>
                                   <p:childTnLst>
                                     <p:set>
                                       <p:cBhvr>
-                                        <p:cTn id="39" dur="1" fill="hold">
+                                        <p:cTn id="33" dur="1" fill="hold">
                                           <p:stCondLst>
                                             <p:cond delay="0"/>
                                           </p:stCondLst>
@@ -9734,7 +13905,7 @@
                                     </p:set>
                                     <p:animEffect transition="in" filter="fade">
                                       <p:cBhvr>
-                                        <p:cTn id="40" dur="500"/>
+                                        <p:cTn id="34" dur="500"/>
                                         <p:tgtEl>
                                           <p:spTgt spid="55"/>
                                         </p:tgtEl>
@@ -9989,8 +14160,8 @@
           </a:p>
         </p:txBody>
       </p:sp>
-      <mc:AlternateContent xmlns:mc="http://schemas.openxmlformats.org/markup-compatibility/2006">
-        <mc:Choice xmlns:a14="http://schemas.microsoft.com/office/drawing/2010/main" Requires="a14">
+      <mc:AlternateContent xmlns:mc="http://schemas.openxmlformats.org/markup-compatibility/2006" xmlns:a14="http://schemas.microsoft.com/office/drawing/2010/main">
+        <mc:Choice Requires="a14">
           <p:sp>
             <p:nvSpPr>
               <p:cNvPr id="3" name="Content Placeholder 2">
@@ -10888,7 +15059,7 @@
             </p:txBody>
           </p:sp>
         </mc:Choice>
-        <mc:Fallback>
+        <mc:Fallback xmlns="">
           <p:sp>
             <p:nvSpPr>
               <p:cNvPr id="3" name="Content Placeholder 2">
@@ -10907,7 +15078,7 @@
             </p:nvSpPr>
             <p:spPr>
               <a:blipFill>
-                <a:blip r:embed="rId2"/>
+                <a:blip r:embed="rId3"/>
                 <a:stretch>
                   <a:fillRect l="-412"/>
                 </a:stretch>
@@ -11091,7 +15262,7 @@
       </p:grpSp>
       <p:grpSp>
         <p:nvGrpSpPr>
-          <p:cNvPr id="18" name="Group 17">
+          <p:cNvPr id="18" name="Group 17" descr="Image of a vector arithmetic.">
             <a:extLst>
               <a:ext uri="{FF2B5EF4-FFF2-40B4-BE49-F238E27FC236}">
                 <a16:creationId xmlns:a16="http://schemas.microsoft.com/office/drawing/2014/main" id="{421732C7-CF80-4573-BDC1-9305351BCD9B}"/>
@@ -11264,7 +15435,7 @@
                                         <p:tgtEl>
                                           <p:spTgt spid="3">
                                             <p:txEl>
-                                              <p:pRg st="0" end="0"/>
+                                              <p:pRg st="1" end="1"/>
                                             </p:txEl>
                                           </p:spTgt>
                                         </p:tgtEl>
@@ -11282,7 +15453,7 @@
                                         <p:tgtEl>
                                           <p:spTgt spid="3">
                                             <p:txEl>
-                                              <p:pRg st="0" end="0"/>
+                                              <p:pRg st="1" end="1"/>
                                             </p:txEl>
                                           </p:spTgt>
                                         </p:tgtEl>
@@ -11305,7 +15476,7 @@
                                           </p:stCondLst>
                                         </p:cTn>
                                         <p:tgtEl>
-                                          <p:spTgt spid="18"/>
+                                          <p:spTgt spid="13"/>
                                         </p:tgtEl>
                                         <p:attrNameLst>
                                           <p:attrName>style.visibility</p:attrName>
@@ -11319,7 +15490,7 @@
                                       <p:cBhvr>
                                         <p:cTn id="10" dur="500"/>
                                         <p:tgtEl>
-                                          <p:spTgt spid="18"/>
+                                          <p:spTgt spid="13"/>
                                         </p:tgtEl>
                                       </p:cBhvr>
                                     </p:animEffect>
@@ -11360,7 +15531,7 @@
                                         <p:tgtEl>
                                           <p:spTgt spid="3">
                                             <p:txEl>
-                                              <p:pRg st="1" end="1"/>
+                                              <p:pRg st="2" end="2"/>
                                             </p:txEl>
                                           </p:spTgt>
                                         </p:tgtEl>
@@ -11378,7 +15549,7 @@
                                         <p:tgtEl>
                                           <p:spTgt spid="3">
                                             <p:txEl>
-                                              <p:pRg st="1" end="1"/>
+                                              <p:pRg st="2" end="2"/>
                                             </p:txEl>
                                           </p:spTgt>
                                         </p:tgtEl>
@@ -11401,7 +15572,7 @@
                                           </p:stCondLst>
                                         </p:cTn>
                                         <p:tgtEl>
-                                          <p:spTgt spid="13"/>
+                                          <p:spTgt spid="9"/>
                                         </p:tgtEl>
                                         <p:attrNameLst>
                                           <p:attrName>style.visibility</p:attrName>
@@ -11414,102 +15585,6 @@
                                     <p:animEffect transition="in" filter="fade">
                                       <p:cBhvr>
                                         <p:cTn id="18" dur="500"/>
-                                        <p:tgtEl>
-                                          <p:spTgt spid="13"/>
-                                        </p:tgtEl>
-                                      </p:cBhvr>
-                                    </p:animEffect>
-                                  </p:childTnLst>
-                                </p:cTn>
-                              </p:par>
-                            </p:childTnLst>
-                          </p:cTn>
-                        </p:par>
-                      </p:childTnLst>
-                    </p:cTn>
-                  </p:par>
-                  <p:par>
-                    <p:cTn id="19" fill="hold">
-                      <p:stCondLst>
-                        <p:cond delay="indefinite"/>
-                      </p:stCondLst>
-                      <p:childTnLst>
-                        <p:par>
-                          <p:cTn id="20" fill="hold">
-                            <p:stCondLst>
-                              <p:cond delay="0"/>
-                            </p:stCondLst>
-                            <p:childTnLst>
-                              <p:par>
-                                <p:cTn id="21" presetID="10" presetClass="entr" presetSubtype="0" fill="hold" grpId="0" nodeType="clickEffect">
-                                  <p:stCondLst>
-                                    <p:cond delay="0"/>
-                                  </p:stCondLst>
-                                  <p:childTnLst>
-                                    <p:set>
-                                      <p:cBhvr>
-                                        <p:cTn id="22" dur="1" fill="hold">
-                                          <p:stCondLst>
-                                            <p:cond delay="0"/>
-                                          </p:stCondLst>
-                                        </p:cTn>
-                                        <p:tgtEl>
-                                          <p:spTgt spid="3">
-                                            <p:txEl>
-                                              <p:pRg st="2" end="2"/>
-                                            </p:txEl>
-                                          </p:spTgt>
-                                        </p:tgtEl>
-                                        <p:attrNameLst>
-                                          <p:attrName>style.visibility</p:attrName>
-                                        </p:attrNameLst>
-                                      </p:cBhvr>
-                                      <p:to>
-                                        <p:strVal val="visible"/>
-                                      </p:to>
-                                    </p:set>
-                                    <p:animEffect transition="in" filter="fade">
-                                      <p:cBhvr>
-                                        <p:cTn id="23" dur="500"/>
-                                        <p:tgtEl>
-                                          <p:spTgt spid="3">
-                                            <p:txEl>
-                                              <p:pRg st="2" end="2"/>
-                                            </p:txEl>
-                                          </p:spTgt>
-                                        </p:tgtEl>
-                                      </p:cBhvr>
-                                    </p:animEffect>
-                                  </p:childTnLst>
-                                </p:cTn>
-                              </p:par>
-                              <p:par>
-                                <p:cTn id="24" presetID="10" presetClass="entr" presetSubtype="0" fill="hold" nodeType="withEffect">
-                                  <p:stCondLst>
-                                    <p:cond delay="0"/>
-                                  </p:stCondLst>
-                                  <p:childTnLst>
-                                    <p:set>
-                                      <p:cBhvr>
-                                        <p:cTn id="25" dur="1" fill="hold">
-                                          <p:stCondLst>
-                                            <p:cond delay="0"/>
-                                          </p:stCondLst>
-                                        </p:cTn>
-                                        <p:tgtEl>
-                                          <p:spTgt spid="9"/>
-                                        </p:tgtEl>
-                                        <p:attrNameLst>
-                                          <p:attrName>style.visibility</p:attrName>
-                                        </p:attrNameLst>
-                                      </p:cBhvr>
-                                      <p:to>
-                                        <p:strVal val="visible"/>
-                                      </p:to>
-                                    </p:set>
-                                    <p:animEffect transition="in" filter="fade">
-                                      <p:cBhvr>
-                                        <p:cTn id="26" dur="500"/>
                                         <p:tgtEl>
                                           <p:spTgt spid="9"/>
                                         </p:tgtEl>
@@ -11597,8 +15672,8 @@
           </a:p>
         </p:txBody>
       </p:sp>
-      <mc:AlternateContent xmlns:mc="http://schemas.openxmlformats.org/markup-compatibility/2006">
-        <mc:Choice xmlns:a14="http://schemas.microsoft.com/office/drawing/2010/main" Requires="a14">
+      <mc:AlternateContent xmlns:mc="http://schemas.openxmlformats.org/markup-compatibility/2006" xmlns:a14="http://schemas.microsoft.com/office/drawing/2010/main">
+        <mc:Choice Requires="a14">
           <p:sp>
             <p:nvSpPr>
               <p:cNvPr id="3" name="Content Placeholder 2">
@@ -11621,8 +15696,12 @@
               <a:lstStyle/>
               <a:p>
                 <a:r>
+                  <a:rPr lang="en-GB" b="1" dirty="0"/>
+                  <a:t>Definition</a:t>
+                </a:r>
+                <a:r>
                   <a:rPr lang="en-GB" dirty="0"/>
-                  <a:t>For two vectors </a:t>
+                  <a:t>: For two vectors </a:t>
                 </a:r>
                 <a14:m>
                   <m:oMath xmlns:m="http://schemas.openxmlformats.org/officeDocument/2006/math">
@@ -11879,7 +15958,7 @@
                     <a:solidFill>
                       <a:schemeClr val="accent4"/>
                     </a:solidFill>
-                    <a:hlinkClick r:id="rId2"/>
+                    <a:hlinkClick r:id="rId3"/>
                   </a:rPr>
                   <a:t>dot product </a:t>
                 </a:r>
@@ -11895,7 +15974,10 @@
                     <m:sSub>
                       <m:sSubPr>
                         <m:ctrlPr>
-                          <a:rPr lang="en-GB" b="1" i="1">
+                          <a:rPr lang="en-GB" b="1" i="1" smtClean="0">
+                            <a:solidFill>
+                              <a:schemeClr val="accent4"/>
+                            </a:solidFill>
                             <a:latin typeface="Cambria Math" panose="02040503050406030204" pitchFamily="18" charset="0"/>
                           </a:rPr>
                         </m:ctrlPr>
@@ -11903,6 +15985,9 @@
                       <m:e>
                         <m:r>
                           <a:rPr lang="en-GB" b="1">
+                            <a:solidFill>
+                              <a:schemeClr val="accent4"/>
+                            </a:solidFill>
                             <a:latin typeface="Cambria Math" panose="02040503050406030204" pitchFamily="18" charset="0"/>
                           </a:rPr>
                           <m:t>𝐯</m:t>
@@ -11911,6 +15996,9 @@
                       <m:sub>
                         <m:r>
                           <a:rPr lang="en-GB" b="0" i="1">
+                            <a:solidFill>
+                              <a:schemeClr val="accent4"/>
+                            </a:solidFill>
                             <a:latin typeface="Cambria Math" panose="02040503050406030204" pitchFamily="18" charset="0"/>
                           </a:rPr>
                           <m:t>1</m:t>
@@ -11918,13 +16006,21 @@
                       </m:sub>
                     </m:sSub>
                     <m:r>
-                      <a:rPr lang="en-US" b="1" i="1"/>
+                      <a:rPr lang="en-US" b="1" i="1">
+                        <a:solidFill>
+                          <a:schemeClr val="accent4"/>
+                        </a:solidFill>
+                        <a:latin typeface="Cambria Math" panose="02040503050406030204" pitchFamily="18" charset="0"/>
+                      </a:rPr>
                       <m:t>∙</m:t>
                     </m:r>
                     <m:sSub>
                       <m:sSubPr>
                         <m:ctrlPr>
                           <a:rPr lang="en-GB" b="1" i="1">
+                            <a:solidFill>
+                              <a:schemeClr val="accent4"/>
+                            </a:solidFill>
                             <a:latin typeface="Cambria Math" panose="02040503050406030204" pitchFamily="18" charset="0"/>
                           </a:rPr>
                         </m:ctrlPr>
@@ -11932,6 +16028,9 @@
                       <m:e>
                         <m:r>
                           <a:rPr lang="en-GB" b="1">
+                            <a:solidFill>
+                              <a:schemeClr val="accent4"/>
+                            </a:solidFill>
                             <a:latin typeface="Cambria Math" panose="02040503050406030204" pitchFamily="18" charset="0"/>
                           </a:rPr>
                           <m:t>𝐯</m:t>
@@ -11940,6 +16039,9 @@
                       <m:sub>
                         <m:r>
                           <a:rPr lang="en-GB" b="0" i="1" smtClean="0">
+                            <a:solidFill>
+                              <a:schemeClr val="accent4"/>
+                            </a:solidFill>
                             <a:latin typeface="Cambria Math" panose="02040503050406030204" pitchFamily="18" charset="0"/>
                           </a:rPr>
                           <m:t>2</m:t>
@@ -11947,13 +16049,21 @@
                       </m:sub>
                     </m:sSub>
                     <m:r>
-                      <a:rPr lang="en-US" i="1"/>
+                      <a:rPr lang="en-US" i="1">
+                        <a:solidFill>
+                          <a:schemeClr val="accent4"/>
+                        </a:solidFill>
+                        <a:latin typeface="Cambria Math" panose="02040503050406030204" pitchFamily="18" charset="0"/>
+                      </a:rPr>
                       <m:t>=</m:t>
                     </m:r>
                     <m:d>
                       <m:dPr>
                         <m:ctrlPr>
                           <a:rPr lang="en-GB" i="1">
+                            <a:solidFill>
+                              <a:schemeClr val="accent4"/>
+                            </a:solidFill>
                             <a:latin typeface="Cambria Math" panose="02040503050406030204" pitchFamily="18" charset="0"/>
                           </a:rPr>
                         </m:ctrlPr>
@@ -11971,6 +16081,9 @@
                             </m:mcs>
                             <m:ctrlPr>
                               <a:rPr lang="en-GB" i="1">
+                                <a:solidFill>
+                                  <a:schemeClr val="accent4"/>
+                                </a:solidFill>
                                 <a:latin typeface="Cambria Math" panose="02040503050406030204" pitchFamily="18" charset="0"/>
                               </a:rPr>
                             </m:ctrlPr>
@@ -11981,6 +16094,9 @@
                                 <m:sSubPr>
                                   <m:ctrlPr>
                                     <a:rPr lang="en-GB" i="1">
+                                      <a:solidFill>
+                                        <a:schemeClr val="accent4"/>
+                                      </a:solidFill>
                                       <a:latin typeface="Cambria Math" panose="02040503050406030204" pitchFamily="18" charset="0"/>
                                     </a:rPr>
                                   </m:ctrlPr>
@@ -11988,6 +16104,9 @@
                                 <m:e>
                                   <m:r>
                                     <a:rPr lang="en-GB" i="1">
+                                      <a:solidFill>
+                                        <a:schemeClr val="accent4"/>
+                                      </a:solidFill>
                                       <a:latin typeface="Cambria Math" panose="02040503050406030204" pitchFamily="18" charset="0"/>
                                     </a:rPr>
                                     <m:t>𝑥</m:t>
@@ -11996,6 +16115,9 @@
                                 <m:sub>
                                   <m:r>
                                     <a:rPr lang="en-GB" b="0" i="0" smtClean="0">
+                                      <a:solidFill>
+                                        <a:schemeClr val="accent4"/>
+                                      </a:solidFill>
                                       <a:latin typeface="Cambria Math" panose="02040503050406030204" pitchFamily="18" charset="0"/>
                                     </a:rPr>
                                     <m:t>1</m:t>
@@ -12010,6 +16132,9 @@
                                 <m:sSubPr>
                                   <m:ctrlPr>
                                     <a:rPr lang="en-GB" i="1">
+                                      <a:solidFill>
+                                        <a:schemeClr val="accent4"/>
+                                      </a:solidFill>
                                       <a:latin typeface="Cambria Math" panose="02040503050406030204" pitchFamily="18" charset="0"/>
                                     </a:rPr>
                                   </m:ctrlPr>
@@ -12017,6 +16142,9 @@
                                 <m:e>
                                   <m:r>
                                     <a:rPr lang="en-GB" i="1">
+                                      <a:solidFill>
+                                        <a:schemeClr val="accent4"/>
+                                      </a:solidFill>
                                       <a:latin typeface="Cambria Math" panose="02040503050406030204" pitchFamily="18" charset="0"/>
                                     </a:rPr>
                                     <m:t>𝑦</m:t>
@@ -12025,6 +16153,9 @@
                                 <m:sub>
                                   <m:r>
                                     <a:rPr lang="en-GB" b="0" i="0" smtClean="0">
+                                      <a:solidFill>
+                                        <a:schemeClr val="accent4"/>
+                                      </a:solidFill>
                                       <a:latin typeface="Cambria Math" panose="02040503050406030204" pitchFamily="18" charset="0"/>
                                     </a:rPr>
                                     <m:t>2</m:t>
@@ -12038,6 +16169,9 @@
                     </m:d>
                     <m:r>
                       <a:rPr lang="en-US" b="1" i="1">
+                        <a:solidFill>
+                          <a:schemeClr val="accent4"/>
+                        </a:solidFill>
                         <a:latin typeface="Cambria Math" panose="02040503050406030204" pitchFamily="18" charset="0"/>
                       </a:rPr>
                       <m:t>∙</m:t>
@@ -12046,6 +16180,9 @@
                       <m:dPr>
                         <m:ctrlPr>
                           <a:rPr lang="en-GB" i="1">
+                            <a:solidFill>
+                              <a:schemeClr val="accent4"/>
+                            </a:solidFill>
                             <a:latin typeface="Cambria Math" panose="02040503050406030204" pitchFamily="18" charset="0"/>
                           </a:rPr>
                         </m:ctrlPr>
@@ -12063,6 +16200,9 @@
                             </m:mcs>
                             <m:ctrlPr>
                               <a:rPr lang="en-GB" i="1">
+                                <a:solidFill>
+                                  <a:schemeClr val="accent4"/>
+                                </a:solidFill>
                                 <a:latin typeface="Cambria Math" panose="02040503050406030204" pitchFamily="18" charset="0"/>
                               </a:rPr>
                             </m:ctrlPr>
@@ -12073,6 +16213,9 @@
                                 <m:sSubPr>
                                   <m:ctrlPr>
                                     <a:rPr lang="en-GB" i="1">
+                                      <a:solidFill>
+                                        <a:schemeClr val="accent4"/>
+                                      </a:solidFill>
                                       <a:latin typeface="Cambria Math" panose="02040503050406030204" pitchFamily="18" charset="0"/>
                                     </a:rPr>
                                   </m:ctrlPr>
@@ -12080,6 +16223,9 @@
                                 <m:e>
                                   <m:r>
                                     <a:rPr lang="en-GB" i="1">
+                                      <a:solidFill>
+                                        <a:schemeClr val="accent4"/>
+                                      </a:solidFill>
                                       <a:latin typeface="Cambria Math" panose="02040503050406030204" pitchFamily="18" charset="0"/>
                                     </a:rPr>
                                     <m:t>𝑥</m:t>
@@ -12088,6 +16234,9 @@
                                 <m:sub>
                                   <m:r>
                                     <a:rPr lang="en-GB" b="0" i="0" smtClean="0">
+                                      <a:solidFill>
+                                        <a:schemeClr val="accent4"/>
+                                      </a:solidFill>
                                       <a:latin typeface="Cambria Math" panose="02040503050406030204" pitchFamily="18" charset="0"/>
                                     </a:rPr>
                                     <m:t>2</m:t>
@@ -12102,6 +16251,9 @@
                                 <m:sSubPr>
                                   <m:ctrlPr>
                                     <a:rPr lang="en-GB" i="1" smtClean="0">
+                                      <a:solidFill>
+                                        <a:schemeClr val="accent4"/>
+                                      </a:solidFill>
                                       <a:latin typeface="Cambria Math" panose="02040503050406030204" pitchFamily="18" charset="0"/>
                                     </a:rPr>
                                   </m:ctrlPr>
@@ -12109,6 +16261,9 @@
                                 <m:e>
                                   <m:r>
                                     <a:rPr lang="en-GB" i="1">
+                                      <a:solidFill>
+                                        <a:schemeClr val="accent4"/>
+                                      </a:solidFill>
                                       <a:latin typeface="Cambria Math" panose="02040503050406030204" pitchFamily="18" charset="0"/>
                                     </a:rPr>
                                     <m:t>𝑦</m:t>
@@ -12117,6 +16272,9 @@
                                 <m:sub>
                                   <m:r>
                                     <a:rPr lang="en-GB" b="0" i="1" smtClean="0">
+                                      <a:solidFill>
+                                        <a:schemeClr val="accent4"/>
+                                      </a:solidFill>
                                       <a:latin typeface="Cambria Math" panose="02040503050406030204" pitchFamily="18" charset="0"/>
                                     </a:rPr>
                                     <m:t>2</m:t>
@@ -12130,6 +16288,9 @@
                     </m:d>
                     <m:r>
                       <a:rPr lang="en-GB" b="0" i="1" smtClean="0">
+                        <a:solidFill>
+                          <a:schemeClr val="accent4"/>
+                        </a:solidFill>
                         <a:latin typeface="Cambria Math" panose="02040503050406030204" pitchFamily="18" charset="0"/>
                       </a:rPr>
                       <m:t>=</m:t>
@@ -12137,18 +16298,31 @@
                     <m:sSub>
                       <m:sSubPr>
                         <m:ctrlPr>
-                          <a:rPr lang="en-GB" i="1"/>
+                          <a:rPr lang="en-GB" i="1">
+                            <a:solidFill>
+                              <a:schemeClr val="accent4"/>
+                            </a:solidFill>
+                            <a:latin typeface="Cambria Math" panose="02040503050406030204" pitchFamily="18" charset="0"/>
+                          </a:rPr>
                         </m:ctrlPr>
                       </m:sSubPr>
                       <m:e>
                         <m:r>
-                          <a:rPr lang="en-US" i="1"/>
+                          <a:rPr lang="en-US" i="1">
+                            <a:solidFill>
+                              <a:schemeClr val="accent4"/>
+                            </a:solidFill>
+                            <a:latin typeface="Cambria Math" panose="02040503050406030204" pitchFamily="18" charset="0"/>
+                          </a:rPr>
                           <m:t>𝑥</m:t>
                         </m:r>
                       </m:e>
                       <m:sub>
                         <m:r>
                           <a:rPr lang="en-GB" b="0" i="0" smtClean="0">
+                            <a:solidFill>
+                              <a:schemeClr val="accent4"/>
+                            </a:solidFill>
                             <a:latin typeface="Cambria Math" panose="02040503050406030204" pitchFamily="18" charset="0"/>
                           </a:rPr>
                           <m:t>1</m:t>
@@ -12158,18 +16332,31 @@
                     <m:sSub>
                       <m:sSubPr>
                         <m:ctrlPr>
-                          <a:rPr lang="en-GB" i="1"/>
+                          <a:rPr lang="en-GB" i="1">
+                            <a:solidFill>
+                              <a:schemeClr val="accent4"/>
+                            </a:solidFill>
+                            <a:latin typeface="Cambria Math" panose="02040503050406030204" pitchFamily="18" charset="0"/>
+                          </a:rPr>
                         </m:ctrlPr>
                       </m:sSubPr>
                       <m:e>
                         <m:r>
-                          <a:rPr lang="en-US" i="1"/>
+                          <a:rPr lang="en-US" i="1">
+                            <a:solidFill>
+                              <a:schemeClr val="accent4"/>
+                            </a:solidFill>
+                            <a:latin typeface="Cambria Math" panose="02040503050406030204" pitchFamily="18" charset="0"/>
+                          </a:rPr>
                           <m:t>𝑥</m:t>
                         </m:r>
                       </m:e>
                       <m:sub>
                         <m:r>
                           <a:rPr lang="en-GB" b="0" i="0" smtClean="0">
+                            <a:solidFill>
+                              <a:schemeClr val="accent4"/>
+                            </a:solidFill>
                             <a:latin typeface="Cambria Math" panose="02040503050406030204" pitchFamily="18" charset="0"/>
                           </a:rPr>
                           <m:t>2</m:t>
@@ -12179,22 +16366,40 @@
                     <m:sSub>
                       <m:sSubPr>
                         <m:ctrlPr>
-                          <a:rPr lang="en-GB" i="1"/>
+                          <a:rPr lang="en-GB" i="1">
+                            <a:solidFill>
+                              <a:schemeClr val="accent4"/>
+                            </a:solidFill>
+                            <a:latin typeface="Cambria Math" panose="02040503050406030204" pitchFamily="18" charset="0"/>
+                          </a:rPr>
                         </m:ctrlPr>
                       </m:sSubPr>
                       <m:e>
                         <m:r>
-                          <a:rPr lang="en-US" i="1"/>
+                          <a:rPr lang="en-US" i="1">
+                            <a:solidFill>
+                              <a:schemeClr val="accent4"/>
+                            </a:solidFill>
+                            <a:latin typeface="Cambria Math" panose="02040503050406030204" pitchFamily="18" charset="0"/>
+                          </a:rPr>
                           <m:t> + </m:t>
                         </m:r>
                         <m:r>
-                          <a:rPr lang="en-US" i="1"/>
+                          <a:rPr lang="en-US" i="1">
+                            <a:solidFill>
+                              <a:schemeClr val="accent4"/>
+                            </a:solidFill>
+                            <a:latin typeface="Cambria Math" panose="02040503050406030204" pitchFamily="18" charset="0"/>
+                          </a:rPr>
                           <m:t>𝑦</m:t>
                         </m:r>
                       </m:e>
                       <m:sub>
                         <m:r>
                           <a:rPr lang="en-GB" b="0" i="0" smtClean="0">
+                            <a:solidFill>
+                              <a:schemeClr val="accent4"/>
+                            </a:solidFill>
                             <a:latin typeface="Cambria Math" panose="02040503050406030204" pitchFamily="18" charset="0"/>
                           </a:rPr>
                           <m:t>1</m:t>
@@ -12204,18 +16409,31 @@
                     <m:sSub>
                       <m:sSubPr>
                         <m:ctrlPr>
-                          <a:rPr lang="en-GB" i="1"/>
+                          <a:rPr lang="en-GB" i="1">
+                            <a:solidFill>
+                              <a:schemeClr val="accent4"/>
+                            </a:solidFill>
+                            <a:latin typeface="Cambria Math" panose="02040503050406030204" pitchFamily="18" charset="0"/>
+                          </a:rPr>
                         </m:ctrlPr>
                       </m:sSubPr>
                       <m:e>
                         <m:r>
-                          <a:rPr lang="en-US" i="1"/>
+                          <a:rPr lang="en-US" i="1">
+                            <a:solidFill>
+                              <a:schemeClr val="accent4"/>
+                            </a:solidFill>
+                            <a:latin typeface="Cambria Math" panose="02040503050406030204" pitchFamily="18" charset="0"/>
+                          </a:rPr>
                           <m:t>𝑦</m:t>
                         </m:r>
                       </m:e>
                       <m:sub>
                         <m:r>
                           <a:rPr lang="en-GB" b="0" i="0" smtClean="0">
+                            <a:solidFill>
+                              <a:schemeClr val="accent4"/>
+                            </a:solidFill>
                             <a:latin typeface="Cambria Math" panose="02040503050406030204" pitchFamily="18" charset="0"/>
                           </a:rPr>
                           <m:t>2</m:t>
@@ -12250,10 +16468,24 @@
                   <a:t>…</a:t>
                 </a:r>
               </a:p>
+              <a:p>
+                <a:r>
+                  <a:rPr lang="en-GB" dirty="0"/>
+                  <a:t>The operation is </a:t>
+                </a:r>
+                <a:r>
+                  <a:rPr lang="en-GB" dirty="0">
+                    <a:solidFill>
+                      <a:schemeClr val="accent4"/>
+                    </a:solidFill>
+                  </a:rPr>
+                  <a:t>commutative</a:t>
+                </a:r>
+              </a:p>
             </p:txBody>
           </p:sp>
         </mc:Choice>
-        <mc:Fallback>
+        <mc:Fallback xmlns="">
           <p:sp>
             <p:nvSpPr>
               <p:cNvPr id="3" name="Content Placeholder 2">
@@ -12272,9 +16504,9 @@
             </p:nvSpPr>
             <p:spPr>
               <a:blipFill>
-                <a:blip r:embed="rId3"/>
+                <a:blip r:embed="rId4"/>
                 <a:stretch>
-                  <a:fillRect l="-412" r="-1294"/>
+                  <a:fillRect l="-412"/>
                 </a:stretch>
               </a:blipFill>
             </p:spPr>
@@ -12293,6 +16525,57 @@
           </p:sp>
         </mc:Fallback>
       </mc:AlternateContent>
+      <p:sp>
+        <p:nvSpPr>
+          <p:cNvPr id="4" name="Arrow: Up 3">
+            <a:extLst>
+              <a:ext uri="{FF2B5EF4-FFF2-40B4-BE49-F238E27FC236}">
+                <a16:creationId xmlns:a16="http://schemas.microsoft.com/office/drawing/2014/main" id="{CD8C7D23-1611-4B90-9ECE-4A85315D9F7C}"/>
+              </a:ext>
+            </a:extLst>
+          </p:cNvPr>
+          <p:cNvSpPr/>
+          <p:nvPr/>
+        </p:nvSpPr>
+        <p:spPr>
+          <a:xfrm>
+            <a:off x="3738283" y="3630707"/>
+            <a:ext cx="228600" cy="605117"/>
+          </a:xfrm>
+          <a:prstGeom prst="upArrow">
+            <a:avLst/>
+          </a:prstGeom>
+          <a:solidFill>
+            <a:srgbClr val="4E67C8">
+              <a:alpha val="30196"/>
+            </a:srgbClr>
+          </a:solidFill>
+        </p:spPr>
+        <p:style>
+          <a:lnRef idx="2">
+            <a:schemeClr val="accent1">
+              <a:shade val="50000"/>
+            </a:schemeClr>
+          </a:lnRef>
+          <a:fillRef idx="1">
+            <a:schemeClr val="accent1"/>
+          </a:fillRef>
+          <a:effectRef idx="0">
+            <a:schemeClr val="accent1"/>
+          </a:effectRef>
+          <a:fontRef idx="minor">
+            <a:schemeClr val="lt1"/>
+          </a:fontRef>
+        </p:style>
+        <p:txBody>
+          <a:bodyPr rtlCol="0" anchor="ctr"/>
+          <a:lstStyle/>
+          <a:p>
+            <a:pPr algn="l"/>
+            <a:endParaRPr lang="en-GB" dirty="0"/>
+          </a:p>
+        </p:txBody>
+      </p:sp>
     </p:spTree>
     <p:extLst>
       <p:ext uri="{BB962C8B-B14F-4D97-AF65-F5344CB8AC3E}">
@@ -12445,6 +16728,166 @@
                       </p:childTnLst>
                     </p:cTn>
                   </p:par>
+                  <p:par>
+                    <p:cTn id="13" fill="hold">
+                      <p:stCondLst>
+                        <p:cond delay="indefinite"/>
+                      </p:stCondLst>
+                      <p:childTnLst>
+                        <p:par>
+                          <p:cTn id="14" fill="hold">
+                            <p:stCondLst>
+                              <p:cond delay="0"/>
+                            </p:stCondLst>
+                            <p:childTnLst>
+                              <p:par>
+                                <p:cTn id="15" presetID="10" presetClass="entr" presetSubtype="0" fill="hold" grpId="0" nodeType="clickEffect">
+                                  <p:stCondLst>
+                                    <p:cond delay="0"/>
+                                  </p:stCondLst>
+                                  <p:childTnLst>
+                                    <p:set>
+                                      <p:cBhvr>
+                                        <p:cTn id="16" dur="1" fill="hold">
+                                          <p:stCondLst>
+                                            <p:cond delay="0"/>
+                                          </p:stCondLst>
+                                        </p:cTn>
+                                        <p:tgtEl>
+                                          <p:spTgt spid="3">
+                                            <p:txEl>
+                                              <p:pRg st="2" end="2"/>
+                                            </p:txEl>
+                                          </p:spTgt>
+                                        </p:tgtEl>
+                                        <p:attrNameLst>
+                                          <p:attrName>style.visibility</p:attrName>
+                                        </p:attrNameLst>
+                                      </p:cBhvr>
+                                      <p:to>
+                                        <p:strVal val="visible"/>
+                                      </p:to>
+                                    </p:set>
+                                    <p:animEffect transition="in" filter="fade">
+                                      <p:cBhvr>
+                                        <p:cTn id="17" dur="500"/>
+                                        <p:tgtEl>
+                                          <p:spTgt spid="3">
+                                            <p:txEl>
+                                              <p:pRg st="2" end="2"/>
+                                            </p:txEl>
+                                          </p:spTgt>
+                                        </p:tgtEl>
+                                      </p:cBhvr>
+                                    </p:animEffect>
+                                  </p:childTnLst>
+                                </p:cTn>
+                              </p:par>
+                            </p:childTnLst>
+                          </p:cTn>
+                        </p:par>
+                      </p:childTnLst>
+                    </p:cTn>
+                  </p:par>
+                  <p:par>
+                    <p:cTn id="18" fill="hold">
+                      <p:stCondLst>
+                        <p:cond delay="indefinite"/>
+                      </p:stCondLst>
+                      <p:childTnLst>
+                        <p:par>
+                          <p:cTn id="19" fill="hold">
+                            <p:stCondLst>
+                              <p:cond delay="0"/>
+                            </p:stCondLst>
+                            <p:childTnLst>
+                              <p:par>
+                                <p:cTn id="20" presetID="42" presetClass="entr" presetSubtype="0" fill="hold" grpId="0" nodeType="clickEffect">
+                                  <p:stCondLst>
+                                    <p:cond delay="0"/>
+                                  </p:stCondLst>
+                                  <p:childTnLst>
+                                    <p:set>
+                                      <p:cBhvr>
+                                        <p:cTn id="21" dur="1" fill="hold">
+                                          <p:stCondLst>
+                                            <p:cond delay="0"/>
+                                          </p:stCondLst>
+                                        </p:cTn>
+                                        <p:tgtEl>
+                                          <p:spTgt spid="4"/>
+                                        </p:tgtEl>
+                                        <p:attrNameLst>
+                                          <p:attrName>style.visibility</p:attrName>
+                                        </p:attrNameLst>
+                                      </p:cBhvr>
+                                      <p:to>
+                                        <p:strVal val="visible"/>
+                                      </p:to>
+                                    </p:set>
+                                    <p:animEffect transition="in" filter="fade">
+                                      <p:cBhvr>
+                                        <p:cTn id="22" dur="500"/>
+                                        <p:tgtEl>
+                                          <p:spTgt spid="4"/>
+                                        </p:tgtEl>
+                                      </p:cBhvr>
+                                    </p:animEffect>
+                                    <p:anim calcmode="lin" valueType="num">
+                                      <p:cBhvr>
+                                        <p:cTn id="23" dur="500" fill="hold"/>
+                                        <p:tgtEl>
+                                          <p:spTgt spid="4"/>
+                                        </p:tgtEl>
+                                        <p:attrNameLst>
+                                          <p:attrName>ppt_x</p:attrName>
+                                        </p:attrNameLst>
+                                      </p:cBhvr>
+                                      <p:tavLst>
+                                        <p:tav tm="0">
+                                          <p:val>
+                                            <p:strVal val="#ppt_x"/>
+                                          </p:val>
+                                        </p:tav>
+                                        <p:tav tm="100000">
+                                          <p:val>
+                                            <p:strVal val="#ppt_x"/>
+                                          </p:val>
+                                        </p:tav>
+                                      </p:tavLst>
+                                    </p:anim>
+                                    <p:anim calcmode="lin" valueType="num">
+                                      <p:cBhvr>
+                                        <p:cTn id="24" dur="500" fill="hold"/>
+                                        <p:tgtEl>
+                                          <p:spTgt spid="4"/>
+                                        </p:tgtEl>
+                                        <p:attrNameLst>
+                                          <p:attrName>ppt_y</p:attrName>
+                                        </p:attrNameLst>
+                                      </p:cBhvr>
+                                      <p:tavLst>
+                                        <p:tav tm="0">
+                                          <p:val>
+                                            <p:strVal val="#ppt_y+.1"/>
+                                          </p:val>
+                                        </p:tav>
+                                        <p:tav tm="100000">
+                                          <p:val>
+                                            <p:strVal val="#ppt_y"/>
+                                          </p:val>
+                                        </p:tav>
+                                      </p:tavLst>
+                                    </p:anim>
+                                  </p:childTnLst>
+                                </p:cTn>
+                              </p:par>
+                            </p:childTnLst>
+                          </p:cTn>
+                        </p:par>
+                      </p:childTnLst>
+                    </p:cTn>
+                  </p:par>
                 </p:childTnLst>
               </p:cTn>
               <p:prevCondLst>
@@ -12467,7 +16910,8 @@
       </p:par>
     </p:tnLst>
     <p:bldLst>
-      <p:bldP spid="3" grpId="0" build="p"/>
+      <p:bldP spid="3" grpId="0" uiExpand="1" build="p"/>
+      <p:bldP spid="4" grpId="0" animBg="1"/>
     </p:bldLst>
   </p:timing>
 </p:sld>
@@ -12518,8 +16962,8 @@
           </a:p>
         </p:txBody>
       </p:sp>
-      <mc:AlternateContent xmlns:mc="http://schemas.openxmlformats.org/markup-compatibility/2006">
-        <mc:Choice xmlns:a14="http://schemas.microsoft.com/office/drawing/2010/main" Requires="a14">
+      <mc:AlternateContent xmlns:mc="http://schemas.openxmlformats.org/markup-compatibility/2006" xmlns:a14="http://schemas.microsoft.com/office/drawing/2010/main">
+        <mc:Choice Requires="a14">
           <p:sp>
             <p:nvSpPr>
               <p:cNvPr id="3" name="Content Placeholder 2">
@@ -12568,7 +17012,7 @@
                     <m:sSup>
                       <m:sSupPr>
                         <m:ctrlPr>
-                          <a:rPr lang="en-GB" b="1" dirty="0" smtClean="0">
+                          <a:rPr lang="en-GB" b="1" i="1" dirty="0" smtClean="0">
                             <a:latin typeface="Cambria Math" panose="02040503050406030204" pitchFamily="18" charset="0"/>
                           </a:rPr>
                         </m:ctrlPr>
@@ -12579,7 +17023,7 @@
                             <m:begChr m:val="‖"/>
                             <m:endChr m:val="‖"/>
                             <m:ctrlPr>
-                              <a:rPr lang="en-GB" b="1" dirty="0">
+                              <a:rPr lang="en-GB" b="1" i="1" dirty="0">
                                 <a:latin typeface="Cambria Math" panose="02040503050406030204" pitchFamily="18" charset="0"/>
                               </a:rPr>
                             </m:ctrlPr>
@@ -13048,7 +17492,7 @@
             </p:txBody>
           </p:sp>
         </mc:Choice>
-        <mc:Fallback>
+        <mc:Fallback xmlns="">
           <p:sp>
             <p:nvSpPr>
               <p:cNvPr id="3" name="Content Placeholder 2">
@@ -13310,33 +17754,15 @@
                                   </p:childTnLst>
                                 </p:cTn>
                               </p:par>
-                            </p:childTnLst>
-                          </p:cTn>
-                        </p:par>
-                      </p:childTnLst>
-                    </p:cTn>
-                  </p:par>
-                  <p:par>
-                    <p:cTn id="13" fill="hold">
-                      <p:stCondLst>
-                        <p:cond delay="indefinite"/>
-                      </p:stCondLst>
-                      <p:childTnLst>
-                        <p:par>
-                          <p:cTn id="14" fill="hold">
-                            <p:stCondLst>
-                              <p:cond delay="0"/>
-                            </p:stCondLst>
-                            <p:childTnLst>
                               <p:par>
-                                <p:cTn id="15" presetID="10" presetClass="entr" presetSubtype="0" fill="hold" grpId="0" nodeType="clickEffect">
+                                <p:cTn id="13" presetID="10" presetClass="entr" presetSubtype="0" fill="hold" grpId="0" nodeType="withEffect">
                                   <p:stCondLst>
                                     <p:cond delay="0"/>
                                   </p:stCondLst>
                                   <p:childTnLst>
                                     <p:set>
                                       <p:cBhvr>
-                                        <p:cTn id="16" dur="1" fill="hold">
+                                        <p:cTn id="14" dur="1" fill="hold">
                                           <p:stCondLst>
                                             <p:cond delay="0"/>
                                           </p:stCondLst>
@@ -13358,7 +17784,7 @@
                                     </p:set>
                                     <p:animEffect transition="in" filter="fade">
                                       <p:cBhvr>
-                                        <p:cTn id="17" dur="500"/>
+                                        <p:cTn id="15" dur="500"/>
                                         <p:tgtEl>
                                           <p:spTgt spid="3">
                                             <p:txEl>
@@ -13378,26 +17804,26 @@
                     </p:cTn>
                   </p:par>
                   <p:par>
-                    <p:cTn id="18" fill="hold">
+                    <p:cTn id="16" fill="hold">
                       <p:stCondLst>
                         <p:cond delay="indefinite"/>
                       </p:stCondLst>
                       <p:childTnLst>
                         <p:par>
-                          <p:cTn id="19" fill="hold">
+                          <p:cTn id="17" fill="hold">
                             <p:stCondLst>
                               <p:cond delay="0"/>
                             </p:stCondLst>
                             <p:childTnLst>
                               <p:par>
-                                <p:cTn id="20" presetID="10" presetClass="entr" presetSubtype="0" fill="hold" grpId="0" nodeType="clickEffect">
+                                <p:cTn id="18" presetID="10" presetClass="entr" presetSubtype="0" fill="hold" grpId="0" nodeType="clickEffect">
                                   <p:stCondLst>
                                     <p:cond delay="0"/>
                                   </p:stCondLst>
                                   <p:childTnLst>
                                     <p:set>
                                       <p:cBhvr>
-                                        <p:cTn id="21" dur="1" fill="hold">
+                                        <p:cTn id="19" dur="1" fill="hold">
                                           <p:stCondLst>
                                             <p:cond delay="0"/>
                                           </p:stCondLst>
@@ -13419,7 +17845,7 @@
                                     </p:set>
                                     <p:animEffect transition="in" filter="fade">
                                       <p:cBhvr>
-                                        <p:cTn id="22" dur="500"/>
+                                        <p:cTn id="20" dur="500"/>
                                         <p:tgtEl>
                                           <p:spTgt spid="3">
                                             <p:txEl>
@@ -13439,26 +17865,26 @@
                     </p:cTn>
                   </p:par>
                   <p:par>
-                    <p:cTn id="23" fill="hold">
+                    <p:cTn id="21" fill="hold">
                       <p:stCondLst>
                         <p:cond delay="indefinite"/>
                       </p:stCondLst>
                       <p:childTnLst>
                         <p:par>
-                          <p:cTn id="24" fill="hold">
+                          <p:cTn id="22" fill="hold">
                             <p:stCondLst>
                               <p:cond delay="0"/>
                             </p:stCondLst>
                             <p:childTnLst>
                               <p:par>
-                                <p:cTn id="25" presetID="10" presetClass="entr" presetSubtype="0" fill="hold" grpId="0" nodeType="clickEffect">
+                                <p:cTn id="23" presetID="10" presetClass="entr" presetSubtype="0" fill="hold" grpId="0" nodeType="clickEffect">
                                   <p:stCondLst>
                                     <p:cond delay="0"/>
                                   </p:stCondLst>
                                   <p:childTnLst>
                                     <p:set>
                                       <p:cBhvr>
-                                        <p:cTn id="26" dur="1" fill="hold">
+                                        <p:cTn id="24" dur="1" fill="hold">
                                           <p:stCondLst>
                                             <p:cond delay="0"/>
                                           </p:stCondLst>
@@ -13480,7 +17906,7 @@
                                     </p:set>
                                     <p:animEffect transition="in" filter="fade">
                                       <p:cBhvr>
-                                        <p:cTn id="27" dur="500"/>
+                                        <p:cTn id="25" dur="500"/>
                                         <p:tgtEl>
                                           <p:spTgt spid="3">
                                             <p:txEl>
@@ -13500,26 +17926,26 @@
                     </p:cTn>
                   </p:par>
                   <p:par>
-                    <p:cTn id="28" fill="hold">
+                    <p:cTn id="26" fill="hold">
                       <p:stCondLst>
                         <p:cond delay="indefinite"/>
                       </p:stCondLst>
                       <p:childTnLst>
                         <p:par>
-                          <p:cTn id="29" fill="hold">
+                          <p:cTn id="27" fill="hold">
                             <p:stCondLst>
                               <p:cond delay="0"/>
                             </p:stCondLst>
                             <p:childTnLst>
                               <p:par>
-                                <p:cTn id="30" presetID="10" presetClass="entr" presetSubtype="0" fill="hold" grpId="0" nodeType="clickEffect">
+                                <p:cTn id="28" presetID="10" presetClass="entr" presetSubtype="0" fill="hold" grpId="0" nodeType="clickEffect">
                                   <p:stCondLst>
                                     <p:cond delay="0"/>
                                   </p:stCondLst>
                                   <p:childTnLst>
                                     <p:set>
                                       <p:cBhvr>
-                                        <p:cTn id="31" dur="1" fill="hold">
+                                        <p:cTn id="29" dur="1" fill="hold">
                                           <p:stCondLst>
                                             <p:cond delay="0"/>
                                           </p:stCondLst>
@@ -13541,7 +17967,7 @@
                                     </p:set>
                                     <p:animEffect transition="in" filter="fade">
                                       <p:cBhvr>
-                                        <p:cTn id="32" dur="500"/>
+                                        <p:cTn id="30" dur="500"/>
                                         <p:tgtEl>
                                           <p:spTgt spid="3">
                                             <p:txEl>
@@ -13561,26 +17987,26 @@
                     </p:cTn>
                   </p:par>
                   <p:par>
-                    <p:cTn id="33" fill="hold">
+                    <p:cTn id="31" fill="hold">
                       <p:stCondLst>
                         <p:cond delay="indefinite"/>
                       </p:stCondLst>
                       <p:childTnLst>
                         <p:par>
-                          <p:cTn id="34" fill="hold">
+                          <p:cTn id="32" fill="hold">
                             <p:stCondLst>
                               <p:cond delay="0"/>
                             </p:stCondLst>
                             <p:childTnLst>
                               <p:par>
-                                <p:cTn id="35" presetID="10" presetClass="entr" presetSubtype="0" fill="hold" grpId="0" nodeType="clickEffect">
+                                <p:cTn id="33" presetID="10" presetClass="entr" presetSubtype="0" fill="hold" grpId="0" nodeType="clickEffect">
                                   <p:stCondLst>
                                     <p:cond delay="0"/>
                                   </p:stCondLst>
                                   <p:childTnLst>
                                     <p:set>
                                       <p:cBhvr>
-                                        <p:cTn id="36" dur="1" fill="hold">
+                                        <p:cTn id="34" dur="1" fill="hold">
                                           <p:stCondLst>
                                             <p:cond delay="0"/>
                                           </p:stCondLst>
@@ -13598,7 +18024,7 @@
                                     </p:set>
                                     <p:animEffect transition="in" filter="fade">
                                       <p:cBhvr>
-                                        <p:cTn id="37" dur="500"/>
+                                        <p:cTn id="35" dur="500"/>
                                         <p:tgtEl>
                                           <p:spTgt spid="4"/>
                                         </p:tgtEl>
@@ -13687,8 +18113,8 @@
           </a:p>
         </p:txBody>
       </p:sp>
-      <mc:AlternateContent xmlns:mc="http://schemas.openxmlformats.org/markup-compatibility/2006">
-        <mc:Choice xmlns:a14="http://schemas.microsoft.com/office/drawing/2010/main" Requires="a14">
+      <mc:AlternateContent xmlns:mc="http://schemas.openxmlformats.org/markup-compatibility/2006" xmlns:a14="http://schemas.microsoft.com/office/drawing/2010/main">
+        <mc:Choice Requires="a14">
           <p:sp>
             <p:nvSpPr>
               <p:cNvPr id="3" name="Content Placeholder 2">
@@ -14090,7 +18516,7 @@
             </p:txBody>
           </p:sp>
         </mc:Choice>
-        <mc:Fallback>
+        <mc:Fallback xmlns="">
           <p:sp>
             <p:nvSpPr>
               <p:cNvPr id="3" name="Content Placeholder 2">
@@ -14109,7 +18535,7 @@
             </p:nvSpPr>
             <p:spPr>
               <a:blipFill>
-                <a:blip r:embed="rId2"/>
+                <a:blip r:embed="rId3"/>
                 <a:stretch>
                   <a:fillRect l="-941" t="-1467"/>
                 </a:stretch>
@@ -14520,8 +18946,8 @@
           </a:p>
         </p:txBody>
       </p:sp>
-      <mc:AlternateContent xmlns:mc="http://schemas.openxmlformats.org/markup-compatibility/2006">
-        <mc:Choice xmlns:a14="http://schemas.microsoft.com/office/drawing/2010/main" Requires="a14">
+      <mc:AlternateContent xmlns:mc="http://schemas.openxmlformats.org/markup-compatibility/2006" xmlns:a14="http://schemas.microsoft.com/office/drawing/2010/main">
+        <mc:Choice Requires="a14">
           <p:sp>
             <p:nvSpPr>
               <p:cNvPr id="3" name="Content Placeholder 2">
@@ -14591,7 +19017,10 @@
                     <m:sSub>
                       <m:sSubPr>
                         <m:ctrlPr>
-                          <a:rPr lang="en-GB" b="1" i="1">
+                          <a:rPr lang="en-GB" b="1" i="1" smtClean="0">
+                            <a:solidFill>
+                              <a:schemeClr val="accent4"/>
+                            </a:solidFill>
                             <a:latin typeface="Cambria Math" panose="02040503050406030204" pitchFamily="18" charset="0"/>
                           </a:rPr>
                         </m:ctrlPr>
@@ -14599,6 +19028,9 @@
                       <m:e>
                         <m:r>
                           <a:rPr lang="en-GB" b="1">
+                            <a:solidFill>
+                              <a:schemeClr val="accent4"/>
+                            </a:solidFill>
                             <a:latin typeface="Cambria Math" panose="02040503050406030204" pitchFamily="18" charset="0"/>
                           </a:rPr>
                           <m:t>𝐯</m:t>
@@ -14607,6 +19039,9 @@
                       <m:sub>
                         <m:r>
                           <a:rPr lang="en-GB" i="1" smtClean="0">
+                            <a:solidFill>
+                              <a:schemeClr val="accent4"/>
+                            </a:solidFill>
                             <a:latin typeface="Cambria Math" panose="02040503050406030204" pitchFamily="18" charset="0"/>
                           </a:rPr>
                           <m:t>1</m:t>
@@ -14614,13 +19049,21 @@
                       </m:sub>
                     </m:sSub>
                     <m:r>
-                      <a:rPr lang="en-US" b="1"/>
+                      <a:rPr lang="en-US" b="1">
+                        <a:solidFill>
+                          <a:schemeClr val="accent4"/>
+                        </a:solidFill>
+                        <a:latin typeface="Cambria Math" panose="02040503050406030204" pitchFamily="18" charset="0"/>
+                      </a:rPr>
                       <m:t>∙</m:t>
                     </m:r>
                     <m:sSub>
                       <m:sSubPr>
                         <m:ctrlPr>
                           <a:rPr lang="en-GB" b="1" i="1">
+                            <a:solidFill>
+                              <a:schemeClr val="accent4"/>
+                            </a:solidFill>
                             <a:latin typeface="Cambria Math" panose="02040503050406030204" pitchFamily="18" charset="0"/>
                           </a:rPr>
                         </m:ctrlPr>
@@ -14628,6 +19071,9 @@
                       <m:e>
                         <m:r>
                           <a:rPr lang="en-GB" b="1">
+                            <a:solidFill>
+                              <a:schemeClr val="accent4"/>
+                            </a:solidFill>
                             <a:latin typeface="Cambria Math" panose="02040503050406030204" pitchFamily="18" charset="0"/>
                           </a:rPr>
                           <m:t>𝐯</m:t>
@@ -14636,6 +19082,9 @@
                       <m:sub>
                         <m:r>
                           <a:rPr lang="en-GB" b="1" i="1" smtClean="0">
+                            <a:solidFill>
+                              <a:schemeClr val="accent4"/>
+                            </a:solidFill>
                             <a:latin typeface="Cambria Math" panose="02040503050406030204" pitchFamily="18" charset="0"/>
                           </a:rPr>
                           <m:t>𝟐</m:t>
@@ -14643,7 +19092,12 @@
                       </m:sub>
                     </m:sSub>
                     <m:r>
-                      <a:rPr lang="en-US" i="1"/>
+                      <a:rPr lang="en-US" i="1">
+                        <a:solidFill>
+                          <a:schemeClr val="accent4"/>
+                        </a:solidFill>
+                        <a:latin typeface="Cambria Math" panose="02040503050406030204" pitchFamily="18" charset="0"/>
+                      </a:rPr>
                       <m:t>=</m:t>
                     </m:r>
                     <m:d>
@@ -14651,7 +19105,12 @@
                         <m:begChr m:val="‖"/>
                         <m:endChr m:val="‖"/>
                         <m:ctrlPr>
-                          <a:rPr lang="en-GB" i="1"/>
+                          <a:rPr lang="en-GB" i="1">
+                            <a:solidFill>
+                              <a:schemeClr val="accent4"/>
+                            </a:solidFill>
+                            <a:latin typeface="Cambria Math" panose="02040503050406030204" pitchFamily="18" charset="0"/>
+                          </a:rPr>
                         </m:ctrlPr>
                       </m:dPr>
                       <m:e>
@@ -14659,6 +19118,9 @@
                           <m:sSubPr>
                             <m:ctrlPr>
                               <a:rPr lang="en-GB" b="1" i="1">
+                                <a:solidFill>
+                                  <a:schemeClr val="accent4"/>
+                                </a:solidFill>
                                 <a:latin typeface="Cambria Math" panose="02040503050406030204" pitchFamily="18" charset="0"/>
                               </a:rPr>
                             </m:ctrlPr>
@@ -14666,6 +19128,9 @@
                           <m:e>
                             <m:r>
                               <a:rPr lang="en-GB" b="1">
+                                <a:solidFill>
+                                  <a:schemeClr val="accent4"/>
+                                </a:solidFill>
                                 <a:latin typeface="Cambria Math" panose="02040503050406030204" pitchFamily="18" charset="0"/>
                               </a:rPr>
                               <m:t>𝐯</m:t>
@@ -14674,6 +19139,9 @@
                           <m:sub>
                             <m:r>
                               <a:rPr lang="en-GB" i="1">
+                                <a:solidFill>
+                                  <a:schemeClr val="accent4"/>
+                                </a:solidFill>
                                 <a:latin typeface="Cambria Math" panose="02040503050406030204" pitchFamily="18" charset="0"/>
                               </a:rPr>
                               <m:t>1</m:t>
@@ -14687,7 +19155,12 @@
                         <m:begChr m:val="‖"/>
                         <m:endChr m:val="‖"/>
                         <m:ctrlPr>
-                          <a:rPr lang="en-GB" i="1"/>
+                          <a:rPr lang="en-GB" i="1">
+                            <a:solidFill>
+                              <a:schemeClr val="accent4"/>
+                            </a:solidFill>
+                            <a:latin typeface="Cambria Math" panose="02040503050406030204" pitchFamily="18" charset="0"/>
+                          </a:rPr>
                         </m:ctrlPr>
                       </m:dPr>
                       <m:e>
@@ -14695,6 +19168,9 @@
                           <m:sSubPr>
                             <m:ctrlPr>
                               <a:rPr lang="en-GB" b="1" i="1">
+                                <a:solidFill>
+                                  <a:schemeClr val="accent4"/>
+                                </a:solidFill>
                                 <a:latin typeface="Cambria Math" panose="02040503050406030204" pitchFamily="18" charset="0"/>
                               </a:rPr>
                             </m:ctrlPr>
@@ -14702,6 +19178,9 @@
                           <m:e>
                             <m:r>
                               <a:rPr lang="en-GB" b="1">
+                                <a:solidFill>
+                                  <a:schemeClr val="accent4"/>
+                                </a:solidFill>
                                 <a:latin typeface="Cambria Math" panose="02040503050406030204" pitchFamily="18" charset="0"/>
                               </a:rPr>
                               <m:t>𝐯</m:t>
@@ -14710,6 +19189,9 @@
                           <m:sub>
                             <m:r>
                               <a:rPr lang="en-GB" b="0" i="1" smtClean="0">
+                                <a:solidFill>
+                                  <a:schemeClr val="accent4"/>
+                                </a:solidFill>
                                 <a:latin typeface="Cambria Math" panose="02040503050406030204" pitchFamily="18" charset="0"/>
                               </a:rPr>
                               <m:t>2</m:t>
@@ -14721,7 +19203,12 @@
                     <m:func>
                       <m:funcPr>
                         <m:ctrlPr>
-                          <a:rPr lang="en-GB" i="1"/>
+                          <a:rPr lang="en-GB" i="1">
+                            <a:solidFill>
+                              <a:schemeClr val="accent4"/>
+                            </a:solidFill>
+                            <a:latin typeface="Cambria Math" panose="02040503050406030204" pitchFamily="18" charset="0"/>
+                          </a:rPr>
                         </m:ctrlPr>
                       </m:funcPr>
                       <m:fName>
@@ -14729,19 +19216,34 @@
                           <m:rPr>
                             <m:sty m:val="p"/>
                           </m:rPr>
-                          <a:rPr lang="en-US"/>
+                          <a:rPr lang="en-US">
+                            <a:solidFill>
+                              <a:schemeClr val="accent4"/>
+                            </a:solidFill>
+                            <a:latin typeface="Cambria Math" panose="02040503050406030204" pitchFamily="18" charset="0"/>
+                          </a:rPr>
                           <m:t>cos</m:t>
                         </m:r>
                       </m:fName>
                       <m:e>
                         <m:r>
-                          <a:rPr lang="en-US" i="1"/>
+                          <a:rPr lang="en-US" i="1">
+                            <a:solidFill>
+                              <a:schemeClr val="accent4"/>
+                            </a:solidFill>
+                            <a:latin typeface="Cambria Math" panose="02040503050406030204" pitchFamily="18" charset="0"/>
+                          </a:rPr>
                           <m:t>𝜃</m:t>
                         </m:r>
                       </m:e>
                     </m:func>
                     <m:r>
-                      <a:rPr lang="en-US" i="1"/>
+                      <a:rPr lang="en-US" i="1">
+                        <a:solidFill>
+                          <a:schemeClr val="accent4"/>
+                        </a:solidFill>
+                        <a:latin typeface="Cambria Math" panose="02040503050406030204" pitchFamily="18" charset="0"/>
+                      </a:rPr>
                       <m:t> </m:t>
                     </m:r>
                   </m:oMath>
@@ -14786,7 +19288,7 @@
                 </a:br>
                 <a:r>
                   <a:rPr lang="en-GB" sz="2400" dirty="0">
-                    <a:hlinkClick r:id="rId2"/>
+                    <a:hlinkClick r:id="rId3"/>
                   </a:rPr>
                   <a:t>proofwiki.org/wiki/Cosine_Formula_for_Dot_Product</a:t>
                 </a:r>
@@ -14795,7 +19297,7 @@
             </p:txBody>
           </p:sp>
         </mc:Choice>
-        <mc:Fallback>
+        <mc:Fallback xmlns="">
           <p:sp>
             <p:nvSpPr>
               <p:cNvPr id="3" name="Content Placeholder 2">
@@ -14814,7 +19316,7 @@
             </p:nvSpPr>
             <p:spPr>
               <a:blipFill>
-                <a:blip r:embed="rId3"/>
+                <a:blip r:embed="rId4"/>
                 <a:stretch>
                   <a:fillRect l="-412" t="-1733"/>
                 </a:stretch>
@@ -14842,6 +19344,9 @@
               <a:ext uri="{FF2B5EF4-FFF2-40B4-BE49-F238E27FC236}">
                 <a16:creationId xmlns:a16="http://schemas.microsoft.com/office/drawing/2014/main" id="{226B8521-05CB-4502-8A30-1EEB6D06A4A5}"/>
               </a:ext>
+              <a:ext uri="{C183D7F6-B498-43B3-948B-1728B52AA6E4}">
+                <adec:decorative xmlns:adec="http://schemas.microsoft.com/office/drawing/2017/decorative" val="1"/>
+              </a:ext>
             </a:extLst>
           </p:cNvPr>
           <p:cNvGrpSpPr/>
@@ -14861,6 +19366,9 @@
               <a:extLst>
                 <a:ext uri="{FF2B5EF4-FFF2-40B4-BE49-F238E27FC236}">
                   <a16:creationId xmlns:a16="http://schemas.microsoft.com/office/drawing/2014/main" id="{EE6F39C0-B4BF-43EC-82DA-3A76FFEA0546}"/>
+                </a:ext>
+                <a:ext uri="{C183D7F6-B498-43B3-948B-1728B52AA6E4}">
+                  <adec:decorative xmlns:adec="http://schemas.microsoft.com/office/drawing/2017/decorative" val="1"/>
                 </a:ext>
               </a:extLst>
             </p:cNvPr>
@@ -14904,6 +19412,9 @@
                 <a:ext uri="{FF2B5EF4-FFF2-40B4-BE49-F238E27FC236}">
                   <a16:creationId xmlns:a16="http://schemas.microsoft.com/office/drawing/2014/main" id="{F96FFD9A-27A0-47AC-827E-2922C295D280}"/>
                 </a:ext>
+                <a:ext uri="{C183D7F6-B498-43B3-948B-1728B52AA6E4}">
+                  <adec:decorative xmlns:adec="http://schemas.microsoft.com/office/drawing/2017/decorative" val="1"/>
+                </a:ext>
               </a:extLst>
             </p:cNvPr>
             <p:cNvCxnSpPr>
@@ -14941,8 +19452,8 @@
             </a:fontRef>
           </p:style>
         </p:cxnSp>
-        <mc:AlternateContent xmlns:mc="http://schemas.openxmlformats.org/markup-compatibility/2006">
-          <mc:Choice xmlns:a14="http://schemas.microsoft.com/office/drawing/2010/main" Requires="a14">
+        <mc:AlternateContent xmlns:mc="http://schemas.openxmlformats.org/markup-compatibility/2006" xmlns:a14="http://schemas.microsoft.com/office/drawing/2010/main">
+          <mc:Choice Requires="a14">
             <p:sp>
               <p:nvSpPr>
                 <p:cNvPr id="6" name="TextBox 5">
@@ -15024,7 +19535,7 @@
               </p:txBody>
             </p:sp>
           </mc:Choice>
-          <mc:Fallback>
+          <mc:Fallback xmlns="">
             <p:sp>
               <p:nvSpPr>
                 <p:cNvPr id="6" name="TextBox 5">
@@ -15048,7 +19559,7 @@
                   <a:avLst/>
                 </a:prstGeom>
                 <a:blipFill>
-                  <a:blip r:embed="rId4"/>
+                  <a:blip r:embed="rId5"/>
                   <a:stretch>
                     <a:fillRect/>
                   </a:stretch>
@@ -15077,6 +19588,9 @@
                   <a:extLst>
                     <a:ext uri="{FF2B5EF4-FFF2-40B4-BE49-F238E27FC236}">
                       <a16:creationId xmlns:a16="http://schemas.microsoft.com/office/drawing/2014/main" id="{DC6ECA6A-00BA-447B-A4B7-AC3C5BE096B4}"/>
+                    </a:ext>
+                    <a:ext uri="{C183D7F6-B498-43B3-948B-1728B52AA6E4}">
+                      <adec:decorative xmlns:adec="http://schemas.microsoft.com/office/drawing/2017/decorative" val="1"/>
                     </a:ext>
                   </a:extLst>
                 </p:cNvPr>
@@ -15131,6 +19645,9 @@
                     <a:ext uri="{FF2B5EF4-FFF2-40B4-BE49-F238E27FC236}">
                       <a16:creationId xmlns:a16="http://schemas.microsoft.com/office/drawing/2014/main" id="{DC6ECA6A-00BA-447B-A4B7-AC3C5BE096B4}"/>
                     </a:ext>
+                    <a:ext uri="{C183D7F6-B498-43B3-948B-1728B52AA6E4}">
+                      <adec:decorative xmlns:adec="http://schemas.microsoft.com/office/drawing/2017/decorative" val="1"/>
+                    </a:ext>
                   </a:extLst>
                 </p:cNvPr>
                 <p:cNvSpPr txBox="1">
@@ -15147,7 +19664,7 @@
                   <a:avLst/>
                 </a:prstGeom>
                 <a:blipFill>
-                  <a:blip r:embed="rId5"/>
+                  <a:blip r:embed="rId6"/>
                   <a:stretch>
                     <a:fillRect/>
                   </a:stretch>
@@ -15220,8 +19737,8 @@
             </a:p>
           </p:txBody>
         </p:sp>
-        <mc:AlternateContent xmlns:mc="http://schemas.openxmlformats.org/markup-compatibility/2006">
-          <mc:Choice xmlns:a14="http://schemas.microsoft.com/office/drawing/2010/main" Requires="a14">
+        <mc:AlternateContent xmlns:mc="http://schemas.openxmlformats.org/markup-compatibility/2006" xmlns:a14="http://schemas.microsoft.com/office/drawing/2010/main">
+          <mc:Choice Requires="a14">
             <p:sp>
               <p:nvSpPr>
                 <p:cNvPr id="10" name="TextBox 9">
@@ -15303,7 +19820,7 @@
               </p:txBody>
             </p:sp>
           </mc:Choice>
-          <mc:Fallback>
+          <mc:Fallback xmlns="">
             <p:sp>
               <p:nvSpPr>
                 <p:cNvPr id="10" name="TextBox 9">
@@ -15327,7 +19844,7 @@
                   <a:avLst/>
                 </a:prstGeom>
                 <a:blipFill>
-                  <a:blip r:embed="rId6"/>
+                  <a:blip r:embed="rId7"/>
                   <a:stretch>
                     <a:fillRect/>
                   </a:stretch>
@@ -15434,6 +19951,41 @@
                                   </p:childTnLst>
                                 </p:cTn>
                               </p:par>
+                              <p:par>
+                                <p:cTn id="8" presetID="10" presetClass="entr" presetSubtype="0" fill="hold" nodeType="withEffect">
+                                  <p:stCondLst>
+                                    <p:cond delay="0"/>
+                                  </p:stCondLst>
+                                  <p:childTnLst>
+                                    <p:set>
+                                      <p:cBhvr>
+                                        <p:cTn id="9" dur="1" fill="hold">
+                                          <p:stCondLst>
+                                            <p:cond delay="0"/>
+                                          </p:stCondLst>
+                                        </p:cTn>
+                                        <p:tgtEl>
+                                          <p:spTgt spid="11"/>
+                                        </p:tgtEl>
+                                        <p:attrNameLst>
+                                          <p:attrName>style.visibility</p:attrName>
+                                        </p:attrNameLst>
+                                      </p:cBhvr>
+                                      <p:to>
+                                        <p:strVal val="visible"/>
+                                      </p:to>
+                                    </p:set>
+                                    <p:animEffect transition="in" filter="fade">
+                                      <p:cBhvr>
+                                        <p:cTn id="10" dur="500"/>
+                                        <p:tgtEl>
+                                          <p:spTgt spid="11"/>
+                                        </p:tgtEl>
+                                      </p:cBhvr>
+                                    </p:animEffect>
+                                  </p:childTnLst>
+                                </p:cTn>
+                              </p:par>
                             </p:childTnLst>
                           </p:cTn>
                         </p:par>
@@ -15441,26 +19993,26 @@
                     </p:cTn>
                   </p:par>
                   <p:par>
-                    <p:cTn id="8" fill="hold">
+                    <p:cTn id="11" fill="hold">
                       <p:stCondLst>
                         <p:cond delay="indefinite"/>
                       </p:stCondLst>
                       <p:childTnLst>
                         <p:par>
-                          <p:cTn id="9" fill="hold">
+                          <p:cTn id="12" fill="hold">
                             <p:stCondLst>
                               <p:cond delay="0"/>
                             </p:stCondLst>
                             <p:childTnLst>
                               <p:par>
-                                <p:cTn id="10" presetID="10" presetClass="entr" presetSubtype="0" fill="hold" grpId="0" nodeType="clickEffect">
+                                <p:cTn id="13" presetID="10" presetClass="entr" presetSubtype="0" fill="hold" grpId="0" nodeType="clickEffect">
                                   <p:stCondLst>
                                     <p:cond delay="0"/>
                                   </p:stCondLst>
                                   <p:childTnLst>
                                     <p:set>
                                       <p:cBhvr>
-                                        <p:cTn id="11" dur="1" fill="hold">
+                                        <p:cTn id="14" dur="1" fill="hold">
                                           <p:stCondLst>
                                             <p:cond delay="0"/>
                                           </p:stCondLst>
@@ -15482,48 +20034,13 @@
                                     </p:set>
                                     <p:animEffect transition="in" filter="fade">
                                       <p:cBhvr>
-                                        <p:cTn id="12" dur="500"/>
+                                        <p:cTn id="15" dur="500"/>
                                         <p:tgtEl>
                                           <p:spTgt spid="3">
                                             <p:txEl>
                                               <p:pRg st="1" end="1"/>
                                             </p:txEl>
                                           </p:spTgt>
-                                        </p:tgtEl>
-                                      </p:cBhvr>
-                                    </p:animEffect>
-                                  </p:childTnLst>
-                                </p:cTn>
-                              </p:par>
-                              <p:par>
-                                <p:cTn id="13" presetID="10" presetClass="entr" presetSubtype="0" fill="hold" nodeType="withEffect">
-                                  <p:stCondLst>
-                                    <p:cond delay="0"/>
-                                  </p:stCondLst>
-                                  <p:childTnLst>
-                                    <p:set>
-                                      <p:cBhvr>
-                                        <p:cTn id="14" dur="1" fill="hold">
-                                          <p:stCondLst>
-                                            <p:cond delay="0"/>
-                                          </p:stCondLst>
-                                        </p:cTn>
-                                        <p:tgtEl>
-                                          <p:spTgt spid="11"/>
-                                        </p:tgtEl>
-                                        <p:attrNameLst>
-                                          <p:attrName>style.visibility</p:attrName>
-                                        </p:attrNameLst>
-                                      </p:cBhvr>
-                                      <p:to>
-                                        <p:strVal val="visible"/>
-                                      </p:to>
-                                    </p:set>
-                                    <p:animEffect transition="in" filter="fade">
-                                      <p:cBhvr>
-                                        <p:cTn id="15" dur="500"/>
-                                        <p:tgtEl>
-                                          <p:spTgt spid="11"/>
                                         </p:tgtEl>
                                       </p:cBhvr>
                                     </p:animEffect>
@@ -15609,8 +20126,8 @@
           </a:p>
         </p:txBody>
       </p:sp>
-      <mc:AlternateContent xmlns:mc="http://schemas.openxmlformats.org/markup-compatibility/2006">
-        <mc:Choice xmlns:a14="http://schemas.microsoft.com/office/drawing/2010/main" Requires="a14">
+      <mc:AlternateContent xmlns:mc="http://schemas.openxmlformats.org/markup-compatibility/2006" xmlns:a14="http://schemas.microsoft.com/office/drawing/2010/main">
+        <mc:Choice Requires="a14">
           <p:sp>
             <p:nvSpPr>
               <p:cNvPr id="3" name="Content Placeholder 2">
@@ -15841,16 +20358,13 @@
                   </a:rPr>
                   <a:t>acos</a:t>
                 </a:r>
-                <a:endParaRPr lang="en-GB" dirty="0">
-                  <a:latin typeface="Consolas" panose="020B0609020204030204" pitchFamily="49" charset="0"/>
-                </a:endParaRPr>
+                <a:r>
+                  <a:rPr lang="en-GB" sz="2800" dirty="0"/>
+                  <a:t>, e.g.</a:t>
+                </a:r>
               </a:p>
               <a:p>
                 <a:pPr lvl="1"/>
-                <a:r>
-                  <a:rPr lang="en-GB" dirty="0"/>
-                  <a:t>e.g. </a:t>
-                </a:r>
                 <a14:m>
                   <m:oMath xmlns:m="http://schemas.openxmlformats.org/officeDocument/2006/math">
                     <m:r>
@@ -16006,6 +20520,136 @@
                   <a:rPr lang="en-GB" dirty="0"/>
                   <a:t> radians</a:t>
                 </a:r>
+              </a:p>
+              <a:p>
+                <a:pPr lvl="1"/>
+                <a14:m>
+                  <m:oMath xmlns:m="http://schemas.openxmlformats.org/officeDocument/2006/math">
+                    <m:sSub>
+                      <m:sSubPr>
+                        <m:ctrlPr>
+                          <a:rPr lang="en-GB" b="1" i="1">
+                            <a:latin typeface="Cambria Math" panose="02040503050406030204" pitchFamily="18" charset="0"/>
+                          </a:rPr>
+                        </m:ctrlPr>
+                      </m:sSubPr>
+                      <m:e>
+                        <m:r>
+                          <a:rPr lang="en-GB" b="1">
+                            <a:latin typeface="Cambria Math" panose="02040503050406030204" pitchFamily="18" charset="0"/>
+                          </a:rPr>
+                          <m:t>𝐯</m:t>
+                        </m:r>
+                      </m:e>
+                      <m:sub>
+                        <m:r>
+                          <a:rPr lang="en-GB" i="1">
+                            <a:latin typeface="Cambria Math" panose="02040503050406030204" pitchFamily="18" charset="0"/>
+                          </a:rPr>
+                          <m:t>1</m:t>
+                        </m:r>
+                      </m:sub>
+                    </m:sSub>
+                    <m:r>
+                      <a:rPr lang="en-GB" b="1">
+                        <a:latin typeface="Cambria Math" panose="02040503050406030204" pitchFamily="18" charset="0"/>
+                        <a:ea typeface="Cambria Math" panose="02040503050406030204" pitchFamily="18" charset="0"/>
+                      </a:rPr>
+                      <m:t>∙</m:t>
+                    </m:r>
+                    <m:sSub>
+                      <m:sSubPr>
+                        <m:ctrlPr>
+                          <a:rPr lang="en-GB" b="1" i="1">
+                            <a:latin typeface="Cambria Math" panose="02040503050406030204" pitchFamily="18" charset="0"/>
+                          </a:rPr>
+                        </m:ctrlPr>
+                      </m:sSubPr>
+                      <m:e>
+                        <m:r>
+                          <a:rPr lang="en-GB" b="1">
+                            <a:latin typeface="Cambria Math" panose="02040503050406030204" pitchFamily="18" charset="0"/>
+                          </a:rPr>
+                          <m:t>𝐯</m:t>
+                        </m:r>
+                      </m:e>
+                      <m:sub>
+                        <m:r>
+                          <a:rPr lang="en-GB" i="1">
+                            <a:latin typeface="Cambria Math" panose="02040503050406030204" pitchFamily="18" charset="0"/>
+                          </a:rPr>
+                          <m:t>2</m:t>
+                        </m:r>
+                      </m:sub>
+                    </m:sSub>
+                    <m:r>
+                      <a:rPr lang="en-GB" i="1">
+                        <a:latin typeface="Cambria Math" panose="02040503050406030204" pitchFamily="18" charset="0"/>
+                      </a:rPr>
+                      <m:t>&gt;</m:t>
+                    </m:r>
+                    <m:r>
+                      <a:rPr lang="en-GB" b="0" i="1" smtClean="0">
+                        <a:latin typeface="Cambria Math" panose="02040503050406030204" pitchFamily="18" charset="0"/>
+                      </a:rPr>
+                      <m:t>0</m:t>
+                    </m:r>
+                  </m:oMath>
+                </a14:m>
+                <a:r>
+                  <a:rPr lang="en-GB" dirty="0"/>
+                  <a:t> for </a:t>
+                </a:r>
+                <a14:m>
+                  <m:oMath xmlns:m="http://schemas.openxmlformats.org/officeDocument/2006/math">
+                    <m:r>
+                      <a:rPr lang="en-GB" b="0" i="1" dirty="0" smtClean="0">
+                        <a:latin typeface="Cambria Math" panose="02040503050406030204" pitchFamily="18" charset="0"/>
+                      </a:rPr>
+                      <m:t>−</m:t>
+                    </m:r>
+                    <m:r>
+                      <a:rPr lang="en-GB" i="1" dirty="0">
+                        <a:latin typeface="Cambria Math" panose="02040503050406030204" pitchFamily="18" charset="0"/>
+                      </a:rPr>
+                      <m:t>90</m:t>
+                    </m:r>
+                    <m:r>
+                      <a:rPr lang="en-GB" i="1" dirty="0">
+                        <a:latin typeface="Cambria Math" panose="02040503050406030204" pitchFamily="18" charset="0"/>
+                        <a:ea typeface="Cambria Math" panose="02040503050406030204" pitchFamily="18" charset="0"/>
+                      </a:rPr>
+                      <m:t>°</m:t>
+                    </m:r>
+                  </m:oMath>
+                </a14:m>
+                <a:r>
+                  <a:rPr lang="en-GB" dirty="0"/>
+                  <a:t> </a:t>
+                </a:r>
+                <a14:m>
+                  <m:oMath xmlns:m="http://schemas.openxmlformats.org/officeDocument/2006/math">
+                    <m:r>
+                      <a:rPr lang="en-GB" i="1">
+                        <a:latin typeface="Cambria Math" panose="02040503050406030204" pitchFamily="18" charset="0"/>
+                      </a:rPr>
+                      <m:t>&lt; </m:t>
+                    </m:r>
+                    <m:r>
+                      <a:rPr lang="en-GB" i="1">
+                        <a:latin typeface="Cambria Math" panose="02040503050406030204" pitchFamily="18" charset="0"/>
+                      </a:rPr>
+                      <m:t>𝜃</m:t>
+                    </m:r>
+                    <m:r>
+                      <a:rPr lang="en-GB" i="1">
+                        <a:latin typeface="Cambria Math" panose="02040503050406030204" pitchFamily="18" charset="0"/>
+                      </a:rPr>
+                      <m:t>&lt;90°</m:t>
+                    </m:r>
+                  </m:oMath>
+                </a14:m>
+                <a:endParaRPr lang="en-GB" dirty="0"/>
               </a:p>
               <a:p>
                 <a:r>
@@ -16237,7 +20881,7 @@
             </p:txBody>
           </p:sp>
         </mc:Choice>
-        <mc:Fallback>
+        <mc:Fallback xmlns="">
           <p:sp>
             <p:nvSpPr>
               <p:cNvPr id="3" name="Content Placeholder 2">
@@ -16260,7 +20904,7 @@
                 <a:ext cx="10363200" cy="4572000"/>
               </a:xfrm>
               <a:blipFill>
-                <a:blip r:embed="rId2"/>
+                <a:blip r:embed="rId3"/>
                 <a:stretch>
                   <a:fillRect l="-412"/>
                 </a:stretch>
@@ -16283,7 +20927,7 @@
       </mc:AlternateContent>
       <p:pic>
         <p:nvPicPr>
-          <p:cNvPr id="4" name="Picture 3">
+          <p:cNvPr id="4" name="Picture 3" descr="Image displaying a Dot product and Angles. ">
             <a:extLst>
               <a:ext uri="{FF2B5EF4-FFF2-40B4-BE49-F238E27FC236}">
                 <a16:creationId xmlns:a16="http://schemas.microsoft.com/office/drawing/2014/main" id="{FFB39824-BBE0-45D7-A5BE-144D8AED5AC4}"/>
@@ -16296,7 +20940,7 @@
           <p:nvPr/>
         </p:nvPicPr>
         <p:blipFill>
-          <a:blip r:embed="rId3"/>
+          <a:blip r:embed="rId4"/>
           <a:stretch>
             <a:fillRect/>
           </a:stretch>
@@ -16458,7 +21102,7 @@
                                 </p:cTn>
                               </p:par>
                               <p:par>
-                                <p:cTn id="13" presetID="10" presetClass="entr" presetSubtype="0" fill="hold" grpId="0" nodeType="withEffect">
+                                <p:cTn id="13" presetID="1" presetClass="entr" presetSubtype="0" fill="hold" nodeType="withEffect">
                                   <p:stCondLst>
                                     <p:cond delay="0"/>
                                   </p:stCondLst>
@@ -16466,49 +21110,6 @@
                                     <p:set>
                                       <p:cBhvr>
                                         <p:cTn id="14" dur="1" fill="hold">
-                                          <p:stCondLst>
-                                            <p:cond delay="0"/>
-                                          </p:stCondLst>
-                                        </p:cTn>
-                                        <p:tgtEl>
-                                          <p:spTgt spid="3">
-                                            <p:txEl>
-                                              <p:pRg st="2" end="2"/>
-                                            </p:txEl>
-                                          </p:spTgt>
-                                        </p:tgtEl>
-                                        <p:attrNameLst>
-                                          <p:attrName>style.visibility</p:attrName>
-                                        </p:attrNameLst>
-                                      </p:cBhvr>
-                                      <p:to>
-                                        <p:strVal val="visible"/>
-                                      </p:to>
-                                    </p:set>
-                                    <p:animEffect transition="in" filter="fade">
-                                      <p:cBhvr>
-                                        <p:cTn id="15" dur="500"/>
-                                        <p:tgtEl>
-                                          <p:spTgt spid="3">
-                                            <p:txEl>
-                                              <p:pRg st="2" end="2"/>
-                                            </p:txEl>
-                                          </p:spTgt>
-                                        </p:tgtEl>
-                                      </p:cBhvr>
-                                    </p:animEffect>
-                                  </p:childTnLst>
-                                </p:cTn>
-                              </p:par>
-                              <p:par>
-                                <p:cTn id="16" presetID="1" presetClass="entr" presetSubtype="0" fill="hold" nodeType="withEffect">
-                                  <p:stCondLst>
-                                    <p:cond delay="0"/>
-                                  </p:stCondLst>
-                                  <p:childTnLst>
-                                    <p:set>
-                                      <p:cBhvr>
-                                        <p:cTn id="17" dur="1" fill="hold">
                                           <p:stCondLst>
                                             <p:cond delay="0"/>
                                           </p:stCondLst>
@@ -16534,26 +21135,87 @@
                     </p:cTn>
                   </p:par>
                   <p:par>
-                    <p:cTn id="18" fill="hold">
+                    <p:cTn id="15" fill="hold">
                       <p:stCondLst>
                         <p:cond delay="indefinite"/>
                       </p:stCondLst>
                       <p:childTnLst>
                         <p:par>
-                          <p:cTn id="19" fill="hold">
+                          <p:cTn id="16" fill="hold">
                             <p:stCondLst>
                               <p:cond delay="0"/>
                             </p:stCondLst>
                             <p:childTnLst>
                               <p:par>
-                                <p:cTn id="20" presetID="10" presetClass="entr" presetSubtype="0" fill="hold" grpId="0" nodeType="clickEffect">
+                                <p:cTn id="17" presetID="10" presetClass="entr" presetSubtype="0" fill="hold" grpId="0" nodeType="clickEffect">
                                   <p:stCondLst>
                                     <p:cond delay="0"/>
                                   </p:stCondLst>
                                   <p:childTnLst>
                                     <p:set>
                                       <p:cBhvr>
-                                        <p:cTn id="21" dur="1" fill="hold">
+                                        <p:cTn id="18" dur="1" fill="hold">
+                                          <p:stCondLst>
+                                            <p:cond delay="0"/>
+                                          </p:stCondLst>
+                                        </p:cTn>
+                                        <p:tgtEl>
+                                          <p:spTgt spid="3">
+                                            <p:txEl>
+                                              <p:pRg st="2" end="2"/>
+                                            </p:txEl>
+                                          </p:spTgt>
+                                        </p:tgtEl>
+                                        <p:attrNameLst>
+                                          <p:attrName>style.visibility</p:attrName>
+                                        </p:attrNameLst>
+                                      </p:cBhvr>
+                                      <p:to>
+                                        <p:strVal val="visible"/>
+                                      </p:to>
+                                    </p:set>
+                                    <p:animEffect transition="in" filter="fade">
+                                      <p:cBhvr>
+                                        <p:cTn id="19" dur="500"/>
+                                        <p:tgtEl>
+                                          <p:spTgt spid="3">
+                                            <p:txEl>
+                                              <p:pRg st="2" end="2"/>
+                                            </p:txEl>
+                                          </p:spTgt>
+                                        </p:tgtEl>
+                                      </p:cBhvr>
+                                    </p:animEffect>
+                                  </p:childTnLst>
+                                </p:cTn>
+                              </p:par>
+                            </p:childTnLst>
+                          </p:cTn>
+                        </p:par>
+                      </p:childTnLst>
+                    </p:cTn>
+                  </p:par>
+                  <p:par>
+                    <p:cTn id="20" fill="hold">
+                      <p:stCondLst>
+                        <p:cond delay="indefinite"/>
+                      </p:stCondLst>
+                      <p:childTnLst>
+                        <p:par>
+                          <p:cTn id="21" fill="hold">
+                            <p:stCondLst>
+                              <p:cond delay="0"/>
+                            </p:stCondLst>
+                            <p:childTnLst>
+                              <p:par>
+                                <p:cTn id="22" presetID="10" presetClass="entr" presetSubtype="0" fill="hold" grpId="0" nodeType="clickEffect">
+                                  <p:stCondLst>
+                                    <p:cond delay="0"/>
+                                  </p:stCondLst>
+                                  <p:childTnLst>
+                                    <p:set>
+                                      <p:cBhvr>
+                                        <p:cTn id="23" dur="1" fill="hold">
                                           <p:stCondLst>
                                             <p:cond delay="0"/>
                                           </p:stCondLst>
@@ -16575,11 +21237,72 @@
                                     </p:set>
                                     <p:animEffect transition="in" filter="fade">
                                       <p:cBhvr>
-                                        <p:cTn id="22" dur="500"/>
+                                        <p:cTn id="24" dur="500"/>
                                         <p:tgtEl>
                                           <p:spTgt spid="3">
                                             <p:txEl>
                                               <p:pRg st="3" end="3"/>
+                                            </p:txEl>
+                                          </p:spTgt>
+                                        </p:tgtEl>
+                                      </p:cBhvr>
+                                    </p:animEffect>
+                                  </p:childTnLst>
+                                </p:cTn>
+                              </p:par>
+                            </p:childTnLst>
+                          </p:cTn>
+                        </p:par>
+                      </p:childTnLst>
+                    </p:cTn>
+                  </p:par>
+                  <p:par>
+                    <p:cTn id="25" fill="hold">
+                      <p:stCondLst>
+                        <p:cond delay="indefinite"/>
+                      </p:stCondLst>
+                      <p:childTnLst>
+                        <p:par>
+                          <p:cTn id="26" fill="hold">
+                            <p:stCondLst>
+                              <p:cond delay="0"/>
+                            </p:stCondLst>
+                            <p:childTnLst>
+                              <p:par>
+                                <p:cTn id="27" presetID="10" presetClass="entr" presetSubtype="0" fill="hold" grpId="0" nodeType="clickEffect">
+                                  <p:stCondLst>
+                                    <p:cond delay="0"/>
+                                  </p:stCondLst>
+                                  <p:childTnLst>
+                                    <p:set>
+                                      <p:cBhvr>
+                                        <p:cTn id="28" dur="1" fill="hold">
+                                          <p:stCondLst>
+                                            <p:cond delay="0"/>
+                                          </p:stCondLst>
+                                        </p:cTn>
+                                        <p:tgtEl>
+                                          <p:spTgt spid="3">
+                                            <p:txEl>
+                                              <p:pRg st="4" end="4"/>
+                                            </p:txEl>
+                                          </p:spTgt>
+                                        </p:tgtEl>
+                                        <p:attrNameLst>
+                                          <p:attrName>style.visibility</p:attrName>
+                                        </p:attrNameLst>
+                                      </p:cBhvr>
+                                      <p:to>
+                                        <p:strVal val="visible"/>
+                                      </p:to>
+                                    </p:set>
+                                    <p:animEffect transition="in" filter="fade">
+                                      <p:cBhvr>
+                                        <p:cTn id="29" dur="500"/>
+                                        <p:tgtEl>
+                                          <p:spTgt spid="3">
+                                            <p:txEl>
+                                              <p:pRg st="4" end="4"/>
                                             </p:txEl>
                                           </p:spTgt>
                                         </p:tgtEl>
@@ -16625,9 +21348,9 @@
 <file path=ppt/theme/theme1.xml><?xml version="1.0" encoding="utf-8"?>
 <a:theme xmlns:a="http://schemas.openxmlformats.org/drawingml/2006/main" name="Nightfall design template">
   <a:themeElements>
-    <a:clrScheme name="Geometry">
+    <a:clrScheme name="Custom 2">
       <a:dk1>
-        <a:sysClr val="windowText" lastClr="000000"/>
+        <a:srgbClr val="FFB075"/>
       </a:dk1>
       <a:lt1>
         <a:sysClr val="window" lastClr="FFFFFF"/>
@@ -16852,7 +21575,39 @@
       </a:bgFillStyleLst>
     </a:fmtScheme>
   </a:themeElements>
-  <a:objectDefaults/>
+  <a:objectDefaults>
+    <a:spDef>
+      <a:spPr>
+        <a:solidFill>
+          <a:srgbClr val="4E67C8">
+            <a:alpha val="30196"/>
+          </a:srgbClr>
+        </a:solidFill>
+      </a:spPr>
+      <a:bodyPr rtlCol="0" anchor="ctr"/>
+      <a:lstStyle>
+        <a:defPPr algn="l">
+          <a:defRPr dirty="0"/>
+        </a:defPPr>
+      </a:lstStyle>
+      <a:style>
+        <a:lnRef idx="2">
+          <a:schemeClr val="accent1">
+            <a:shade val="50000"/>
+          </a:schemeClr>
+        </a:lnRef>
+        <a:fillRef idx="1">
+          <a:schemeClr val="accent1"/>
+        </a:fillRef>
+        <a:effectRef idx="0">
+          <a:schemeClr val="accent1"/>
+        </a:effectRef>
+        <a:fontRef idx="minor">
+          <a:schemeClr val="lt1"/>
+        </a:fontRef>
+      </a:style>
+    </a:spDef>
+  </a:objectDefaults>
   <a:extraClrSchemeLst/>
   <a:extLst>
     <a:ext uri="{05A4C25C-085E-4340-85A3-A5531E510DB2}">

--- a/COMP270/03/2020-21-COMP270-03-lecture-materials-1.pptx
+++ b/COMP270/03/2020-21-COMP270-03-lecture-materials-1.pptx
@@ -257,7 +257,7 @@
           <a:p>
             <a:fld id="{8906F081-8781-4431-8FD4-2CF608CD7C47}" type="datetimeFigureOut">
               <a:rPr lang="en-US" smtClean="0"/>
-              <a:t>9/4/2020</a:t>
+              <a:t>10/4/2020</a:t>
             </a:fld>
             <a:endParaRPr lang="en-US"/>
           </a:p>
@@ -422,7 +422,7 @@
           <a:p>
             <a:fld id="{F06CA47C-B7FD-4BE9-B0E6-81BA758D95F2}" type="datetimeFigureOut">
               <a:rPr lang="en-US" smtClean="0"/>
-              <a:t>9/4/2020</a:t>
+              <a:t>10/4/2020</a:t>
             </a:fld>
             <a:endParaRPr lang="en-US"/>
           </a:p>
@@ -2316,7 +2316,7 @@
           <a:p>
             <a:fld id="{33024136-D290-48F3-A182-4C46BEB5146B}" type="datetime1">
               <a:rPr lang="en-US" smtClean="0"/>
-              <a:t>9/4/2020</a:t>
+              <a:t>10/4/2020</a:t>
             </a:fld>
             <a:endParaRPr lang="en-US" dirty="0"/>
           </a:p>
@@ -2500,7 +2500,7 @@
           <a:p>
             <a:fld id="{9CC7D44C-38B1-4D0F-9006-D5774F331095}" type="datetime1">
               <a:rPr lang="en-US" smtClean="0"/>
-              <a:t>9/4/2020</a:t>
+              <a:t>10/4/2020</a:t>
             </a:fld>
             <a:endParaRPr lang="en-US"/>
           </a:p>
@@ -2694,7 +2694,7 @@
           <a:p>
             <a:fld id="{F98D518A-FD4F-4358-B95B-9DB5A17160FB}" type="datetime1">
               <a:rPr lang="en-US" smtClean="0"/>
-              <a:t>9/4/2020</a:t>
+              <a:t>10/4/2020</a:t>
             </a:fld>
             <a:endParaRPr lang="en-US"/>
           </a:p>
@@ -2887,7 +2887,7 @@
           <a:p>
             <a:fld id="{5E2A9F4F-03AD-4497-A65D-076601BD41D2}" type="datetime1">
               <a:rPr lang="en-US" smtClean="0"/>
-              <a:t>9/4/2020</a:t>
+              <a:t>10/4/2020</a:t>
             </a:fld>
             <a:endParaRPr lang="en-US"/>
           </a:p>
@@ -3110,7 +3110,7 @@
           <a:p>
             <a:fld id="{EDFBF3AC-A781-43AA-8BD5-B12F49168B94}" type="datetime1">
               <a:rPr lang="en-US" smtClean="0"/>
-              <a:t>9/4/2020</a:t>
+              <a:t>10/4/2020</a:t>
             </a:fld>
             <a:endParaRPr lang="en-US"/>
           </a:p>
@@ -3395,7 +3395,7 @@
           <a:p>
             <a:fld id="{C5256A41-C91B-43FF-9881-F5DA9878418F}" type="datetime1">
               <a:rPr lang="en-US" smtClean="0"/>
-              <a:t>9/4/2020</a:t>
+              <a:t>10/4/2020</a:t>
             </a:fld>
             <a:endParaRPr lang="en-US"/>
           </a:p>
@@ -3798,7 +3798,7 @@
           <a:p>
             <a:fld id="{FFD7AA76-41EE-4C13-950E-E611B8B8FC52}" type="datetime1">
               <a:rPr lang="en-US" smtClean="0"/>
-              <a:t>9/4/2020</a:t>
+              <a:t>10/4/2020</a:t>
             </a:fld>
             <a:endParaRPr lang="en-US"/>
           </a:p>
@@ -3945,7 +3945,7 @@
           <a:p>
             <a:fld id="{89407A26-E7BC-4498-97E4-87AF12377CA9}" type="datetime1">
               <a:rPr lang="en-US" smtClean="0"/>
-              <a:t>9/4/2020</a:t>
+              <a:t>10/4/2020</a:t>
             </a:fld>
             <a:endParaRPr lang="en-US"/>
           </a:p>
@@ -4060,7 +4060,7 @@
           <a:p>
             <a:fld id="{93EA4171-1117-4486-993C-35A7470D8847}" type="datetime1">
               <a:rPr lang="en-US" smtClean="0"/>
-              <a:t>9/4/2020</a:t>
+              <a:t>10/4/2020</a:t>
             </a:fld>
             <a:endParaRPr lang="en-US"/>
           </a:p>
@@ -4332,7 +4332,7 @@
           <a:p>
             <a:fld id="{472A4CB8-1563-4663-81DB-74EB416C19BE}" type="datetime1">
               <a:rPr lang="en-US" smtClean="0"/>
-              <a:t>9/4/2020</a:t>
+              <a:t>10/4/2020</a:t>
             </a:fld>
             <a:endParaRPr lang="en-US"/>
           </a:p>
@@ -4668,7 +4668,7 @@
           <a:p>
             <a:fld id="{0C6724CE-2468-448B-87C1-A92EDD78369B}" type="datetime1">
               <a:rPr lang="en-US" smtClean="0"/>
-              <a:t>9/4/2020</a:t>
+              <a:t>10/4/2020</a:t>
             </a:fld>
             <a:endParaRPr lang="en-US"/>
           </a:p>
@@ -4929,7 +4929,7 @@
           <a:p>
             <a:fld id="{4CD11720-76E7-46E6-B0AA-057287C42052}" type="datetime1">
               <a:rPr lang="en-US" smtClean="0"/>
-              <a:t>9/4/2020</a:t>
+              <a:t>10/4/2020</a:t>
             </a:fld>
             <a:endParaRPr lang="en-US" dirty="0"/>
           </a:p>
@@ -8004,8 +8004,8 @@
             </a:fontRef>
           </p:style>
         </p:cxnSp>
-        <mc:AlternateContent xmlns:mc="http://schemas.openxmlformats.org/markup-compatibility/2006">
-          <mc:Choice xmlns:a14="http://schemas.microsoft.com/office/drawing/2010/main" Requires="a14">
+        <mc:AlternateContent xmlns:mc="http://schemas.openxmlformats.org/markup-compatibility/2006" xmlns:a14="http://schemas.microsoft.com/office/drawing/2010/main">
+          <mc:Choice Requires="a14">
             <p:sp>
               <p:nvSpPr>
                 <p:cNvPr id="7" name="TextBox 6">
@@ -8090,7 +8090,7 @@
               </p:txBody>
             </p:sp>
           </mc:Choice>
-          <mc:Fallback>
+          <mc:Fallback xmlns="">
             <p:sp>
               <p:nvSpPr>
                 <p:cNvPr id="7" name="TextBox 6">
@@ -9412,8 +9412,8 @@
           </a:p>
         </p:txBody>
       </p:sp>
-      <mc:AlternateContent xmlns:mc="http://schemas.openxmlformats.org/markup-compatibility/2006" xmlns:a14="http://schemas.microsoft.com/office/drawing/2010/main">
-        <mc:Choice Requires="a14">
+      <mc:AlternateContent xmlns:mc="http://schemas.openxmlformats.org/markup-compatibility/2006">
+        <mc:Choice xmlns:a14="http://schemas.microsoft.com/office/drawing/2010/main" Requires="a14">
           <p:sp>
             <p:nvSpPr>
               <p:cNvPr id="3" name="Content Placeholder 2">
@@ -10404,10 +10404,10 @@
                                   </m:fPr>
                                   <m:num>
                                     <m:r>
-                                      <a:rPr lang="en-GB" b="0" i="1">
+                                      <a:rPr lang="en-GB" b="0" i="1" smtClean="0">
                                         <a:latin typeface="Cambria Math" panose="02040503050406030204" pitchFamily="18" charset="0"/>
                                       </a:rPr>
-                                      <m:t>𝑥</m:t>
+                                      <m:t>𝑦</m:t>
                                     </m:r>
                                   </m:num>
                                   <m:den>
@@ -10738,7 +10738,7 @@
             </p:txBody>
           </p:sp>
         </mc:Choice>
-        <mc:Fallback xmlns="">
+        <mc:Fallback>
           <p:sp>
             <p:nvSpPr>
               <p:cNvPr id="3" name="Content Placeholder 2">
@@ -10937,8 +10937,8 @@
           </p:sp>
         </mc:Fallback>
       </mc:AlternateContent>
-      <mc:AlternateContent xmlns:mc="http://schemas.openxmlformats.org/markup-compatibility/2006">
-        <mc:Choice xmlns:a14="http://schemas.microsoft.com/office/drawing/2010/main" Requires="a14">
+      <mc:AlternateContent xmlns:mc="http://schemas.openxmlformats.org/markup-compatibility/2006" xmlns:a14="http://schemas.microsoft.com/office/drawing/2010/main">
+        <mc:Choice Requires="a14">
           <p:sp>
             <p:nvSpPr>
               <p:cNvPr id="6" name="Cloud 5" descr="Finding 𝐯 ̂ is known as normalisation; often performed by functions normalize() (in-place) and normalized() (returns 𝐯 ̂ keeping 𝐯 intact).">
@@ -11117,7 +11117,7 @@
             </p:txBody>
           </p:sp>
         </mc:Choice>
-        <mc:Fallback>
+        <mc:Fallback xmlns="">
           <p:sp>
             <p:nvSpPr>
               <p:cNvPr id="6" name="Cloud 5" descr="Finding 𝐯 ̂ is known as normalisation; often performed by functions normalize() (in-place) and normalized() (returns 𝐯 ̂ keeping 𝐯 intact).">
@@ -11351,33 +11351,15 @@
                                   </p:childTnLst>
                                 </p:cTn>
                               </p:par>
-                            </p:childTnLst>
-                          </p:cTn>
-                        </p:par>
-                      </p:childTnLst>
-                    </p:cTn>
-                  </p:par>
-                  <p:par>
-                    <p:cTn id="16" fill="hold">
-                      <p:stCondLst>
-                        <p:cond delay="indefinite"/>
-                      </p:stCondLst>
-                      <p:childTnLst>
-                        <p:par>
-                          <p:cTn id="17" fill="hold">
-                            <p:stCondLst>
-                              <p:cond delay="0"/>
-                            </p:stCondLst>
-                            <p:childTnLst>
                               <p:par>
-                                <p:cTn id="18" presetID="10" presetClass="entr" presetSubtype="0" fill="hold" grpId="0" nodeType="clickEffect">
+                                <p:cTn id="16" presetID="10" presetClass="entr" presetSubtype="0" fill="hold" grpId="0" nodeType="withEffect">
                                   <p:stCondLst>
                                     <p:cond delay="0"/>
                                   </p:stCondLst>
                                   <p:childTnLst>
                                     <p:set>
                                       <p:cBhvr>
-                                        <p:cTn id="19" dur="1" fill="hold">
+                                        <p:cTn id="17" dur="1" fill="hold">
                                           <p:stCondLst>
                                             <p:cond delay="0"/>
                                           </p:stCondLst>
@@ -11399,7 +11381,7 @@
                                     </p:set>
                                     <p:animEffect transition="in" filter="fade">
                                       <p:cBhvr>
-                                        <p:cTn id="20" dur="500"/>
+                                        <p:cTn id="18" dur="500"/>
                                         <p:tgtEl>
                                           <p:spTgt spid="3">
                                             <p:txEl>
@@ -11412,33 +11394,15 @@
                                   </p:childTnLst>
                                 </p:cTn>
                               </p:par>
-                            </p:childTnLst>
-                          </p:cTn>
-                        </p:par>
-                      </p:childTnLst>
-                    </p:cTn>
-                  </p:par>
-                  <p:par>
-                    <p:cTn id="21" fill="hold">
-                      <p:stCondLst>
-                        <p:cond delay="indefinite"/>
-                      </p:stCondLst>
-                      <p:childTnLst>
-                        <p:par>
-                          <p:cTn id="22" fill="hold">
-                            <p:stCondLst>
-                              <p:cond delay="0"/>
-                            </p:stCondLst>
-                            <p:childTnLst>
                               <p:par>
-                                <p:cTn id="23" presetID="10" presetClass="entr" presetSubtype="0" fill="hold" grpId="0" nodeType="clickEffect">
+                                <p:cTn id="19" presetID="10" presetClass="entr" presetSubtype="0" fill="hold" grpId="0" nodeType="withEffect">
                                   <p:stCondLst>
                                     <p:cond delay="0"/>
                                   </p:stCondLst>
                                   <p:childTnLst>
                                     <p:set>
                                       <p:cBhvr>
-                                        <p:cTn id="24" dur="1" fill="hold">
+                                        <p:cTn id="20" dur="1" fill="hold">
                                           <p:stCondLst>
                                             <p:cond delay="0"/>
                                           </p:stCondLst>
@@ -11460,7 +11424,7 @@
                                     </p:set>
                                     <p:animEffect transition="in" filter="fade">
                                       <p:cBhvr>
-                                        <p:cTn id="25" dur="500"/>
+                                        <p:cTn id="21" dur="500"/>
                                         <p:tgtEl>
                                           <p:spTgt spid="3">
                                             <p:txEl>
@@ -11473,33 +11437,15 @@
                                   </p:childTnLst>
                                 </p:cTn>
                               </p:par>
-                            </p:childTnLst>
-                          </p:cTn>
-                        </p:par>
-                      </p:childTnLst>
-                    </p:cTn>
-                  </p:par>
-                  <p:par>
-                    <p:cTn id="26" fill="hold">
-                      <p:stCondLst>
-                        <p:cond delay="indefinite"/>
-                      </p:stCondLst>
-                      <p:childTnLst>
-                        <p:par>
-                          <p:cTn id="27" fill="hold">
-                            <p:stCondLst>
-                              <p:cond delay="0"/>
-                            </p:stCondLst>
-                            <p:childTnLst>
                               <p:par>
-                                <p:cTn id="28" presetID="10" presetClass="entr" presetSubtype="0" fill="hold" grpId="0" nodeType="clickEffect">
+                                <p:cTn id="22" presetID="10" presetClass="entr" presetSubtype="0" fill="hold" grpId="0" nodeType="withEffect">
                                   <p:stCondLst>
                                     <p:cond delay="0"/>
                                   </p:stCondLst>
                                   <p:childTnLst>
                                     <p:set>
                                       <p:cBhvr>
-                                        <p:cTn id="29" dur="1" fill="hold">
+                                        <p:cTn id="23" dur="1" fill="hold">
                                           <p:stCondLst>
                                             <p:cond delay="0"/>
                                           </p:stCondLst>
@@ -11521,7 +11467,7 @@
                                     </p:set>
                                     <p:animEffect transition="in" filter="fade">
                                       <p:cBhvr>
-                                        <p:cTn id="30" dur="500"/>
+                                        <p:cTn id="24" dur="500"/>
                                         <p:tgtEl>
                                           <p:spTgt spid="3">
                                             <p:txEl>
@@ -11535,14 +11481,14 @@
                                 </p:cTn>
                               </p:par>
                               <p:par>
-                                <p:cTn id="31" presetID="10" presetClass="entr" presetSubtype="0" fill="hold" grpId="0" nodeType="withEffect">
+                                <p:cTn id="25" presetID="10" presetClass="entr" presetSubtype="0" fill="hold" grpId="0" nodeType="withEffect">
                                   <p:stCondLst>
                                     <p:cond delay="0"/>
                                   </p:stCondLst>
                                   <p:childTnLst>
                                     <p:set>
                                       <p:cBhvr>
-                                        <p:cTn id="32" dur="1" fill="hold">
+                                        <p:cTn id="26" dur="1" fill="hold">
                                           <p:stCondLst>
                                             <p:cond delay="0"/>
                                           </p:stCondLst>
@@ -11560,7 +11506,7 @@
                                     </p:set>
                                     <p:animEffect transition="in" filter="fade">
                                       <p:cBhvr>
-                                        <p:cTn id="33" dur="500"/>
+                                        <p:cTn id="27" dur="500"/>
                                         <p:tgtEl>
                                           <p:spTgt spid="4"/>
                                         </p:tgtEl>
@@ -11576,26 +11522,26 @@
                     </p:cTn>
                   </p:par>
                   <p:par>
-                    <p:cTn id="34" fill="hold">
+                    <p:cTn id="28" fill="hold">
                       <p:stCondLst>
                         <p:cond delay="indefinite"/>
                       </p:stCondLst>
                       <p:childTnLst>
                         <p:par>
-                          <p:cTn id="35" fill="hold">
+                          <p:cTn id="29" fill="hold">
                             <p:stCondLst>
                               <p:cond delay="0"/>
                             </p:stCondLst>
                             <p:childTnLst>
                               <p:par>
-                                <p:cTn id="36" presetID="10" presetClass="entr" presetSubtype="0" fill="hold" grpId="0" nodeType="clickEffect">
+                                <p:cTn id="30" presetID="10" presetClass="entr" presetSubtype="0" fill="hold" grpId="0" nodeType="clickEffect">
                                   <p:stCondLst>
                                     <p:cond delay="0"/>
                                   </p:stCondLst>
                                   <p:childTnLst>
                                     <p:set>
                                       <p:cBhvr>
-                                        <p:cTn id="37" dur="1" fill="hold">
+                                        <p:cTn id="31" dur="1" fill="hold">
                                           <p:stCondLst>
                                             <p:cond delay="0"/>
                                           </p:stCondLst>
@@ -11613,7 +11559,7 @@
                                     </p:set>
                                     <p:animEffect transition="in" filter="fade">
                                       <p:cBhvr>
-                                        <p:cTn id="38" dur="500"/>
+                                        <p:cTn id="32" dur="500"/>
                                         <p:tgtEl>
                                           <p:spTgt spid="6"/>
                                         </p:tgtEl>
@@ -12745,8 +12691,8 @@
             </a:fontRef>
           </p:style>
         </p:cxnSp>
-        <mc:AlternateContent xmlns:mc="http://schemas.openxmlformats.org/markup-compatibility/2006">
-          <mc:Choice xmlns:a14="http://schemas.microsoft.com/office/drawing/2010/main" Requires="a14">
+        <mc:AlternateContent xmlns:mc="http://schemas.openxmlformats.org/markup-compatibility/2006" xmlns:a14="http://schemas.microsoft.com/office/drawing/2010/main">
+          <mc:Choice Requires="a14">
             <p:sp>
               <p:nvSpPr>
                 <p:cNvPr id="15" name="TextBox 14">
@@ -12812,7 +12758,7 @@
               </p:txBody>
             </p:sp>
           </mc:Choice>
-          <mc:Fallback>
+          <mc:Fallback xmlns="">
             <p:sp>
               <p:nvSpPr>
                 <p:cNvPr id="15" name="TextBox 14">
@@ -12884,8 +12830,8 @@
             <a:chExt cx="2471500" cy="2412808"/>
           </a:xfrm>
         </p:grpSpPr>
-        <mc:AlternateContent xmlns:mc="http://schemas.openxmlformats.org/markup-compatibility/2006">
-          <mc:Choice xmlns:a14="http://schemas.microsoft.com/office/drawing/2010/main" Requires="a14">
+        <mc:AlternateContent xmlns:mc="http://schemas.openxmlformats.org/markup-compatibility/2006" xmlns:a14="http://schemas.microsoft.com/office/drawing/2010/main">
+          <mc:Choice Requires="a14">
             <p:sp>
               <p:nvSpPr>
                 <p:cNvPr id="19" name="TextBox 18">
@@ -13033,7 +12979,7 @@
               </p:txBody>
             </p:sp>
           </mc:Choice>
-          <mc:Fallback>
+          <mc:Fallback xmlns="">
             <p:sp>
               <p:nvSpPr>
                 <p:cNvPr id="19" name="TextBox 18">
@@ -16158,7 +16104,7 @@
                                       </a:solidFill>
                                       <a:latin typeface="Cambria Math" panose="02040503050406030204" pitchFamily="18" charset="0"/>
                                     </a:rPr>
-                                    <m:t>2</m:t>
+                                    <m:t>1</m:t>
                                   </m:r>
                                 </m:sub>
                               </m:sSub>
@@ -19580,8 +19526,8 @@
             </p:sp>
           </mc:Fallback>
         </mc:AlternateContent>
-        <mc:AlternateContent xmlns:mc="http://schemas.openxmlformats.org/markup-compatibility/2006">
-          <mc:Choice xmlns:a14="http://schemas.microsoft.com/office/drawing/2010/main" Requires="a14">
+        <mc:AlternateContent xmlns:mc="http://schemas.openxmlformats.org/markup-compatibility/2006" xmlns:a14="http://schemas.microsoft.com/office/drawing/2010/main">
+          <mc:Choice Requires="a14">
             <p:sp>
               <p:nvSpPr>
                 <p:cNvPr id="8" name="TextBox 7">
@@ -19637,7 +19583,7 @@
               </p:txBody>
             </p:sp>
           </mc:Choice>
-          <mc:Fallback>
+          <mc:Fallback xmlns="">
             <p:sp>
               <p:nvSpPr>
                 <p:cNvPr id="8" name="TextBox 7">
